--- a/cem_20308/docs/cispr22.pptx
+++ b/cem_20308/docs/cispr22.pptx
@@ -5,20 +5,26 @@
     <p:sldMasterId id="2147483648" r:id="rId2"/>
   </p:sldMasterIdLst>
   <p:notesMasterIdLst>
-    <p:notesMasterId r:id="rId11"/>
+    <p:notesMasterId r:id="rId17"/>
   </p:notesMasterIdLst>
   <p:handoutMasterIdLst>
-    <p:handoutMasterId r:id="rId12"/>
+    <p:handoutMasterId r:id="rId18"/>
   </p:handoutMasterIdLst>
   <p:sldIdLst>
     <p:sldId id="256" r:id="rId3"/>
     <p:sldId id="257" r:id="rId4"/>
-    <p:sldId id="258" r:id="rId5"/>
-    <p:sldId id="259" r:id="rId6"/>
-    <p:sldId id="260" r:id="rId7"/>
-    <p:sldId id="261" r:id="rId8"/>
-    <p:sldId id="262" r:id="rId9"/>
-    <p:sldId id="263" r:id="rId10"/>
+    <p:sldId id="264" r:id="rId5"/>
+    <p:sldId id="258" r:id="rId6"/>
+    <p:sldId id="259" r:id="rId7"/>
+    <p:sldId id="260" r:id="rId8"/>
+    <p:sldId id="261" r:id="rId9"/>
+    <p:sldId id="262" r:id="rId10"/>
+    <p:sldId id="263" r:id="rId11"/>
+    <p:sldId id="267" r:id="rId12"/>
+    <p:sldId id="268" r:id="rId13"/>
+    <p:sldId id="270" r:id="rId14"/>
+    <p:sldId id="266" r:id="rId15"/>
+    <p:sldId id="265" r:id="rId16"/>
   </p:sldIdLst>
   <p:sldSz cx="9144000" cy="6858000" type="screen4x3"/>
   <p:notesSz cx="6858000" cy="9144000"/>
@@ -198,7 +204,7 @@
             <a:fld id="{A849C5AD-4428-4E9C-9C84-11B72C9365FB}" type="datetimeFigureOut">
               <a:rPr lang="pt-BR" smtClean="0"/>
               <a:pPr/>
-              <a:t>07/11/2010</a:t>
+              <a:t>8/11/2010</a:t>
             </a:fld>
             <a:endParaRPr lang="pt-BR" smtClean="0"/>
           </a:p>
@@ -670,7 +676,417 @@
             <a:fld id="{CA077768-21C8-4125-A345-258E48D2EED0}" type="slidenum">
               <a:rPr lang="pt-BR" smtClean="0"/>
               <a:pPr/>
-              <a:t>8</a:t>
+              <a:t>9</a:t>
+            </a:fld>
+            <a:endParaRPr lang="pt-BR"/>
+          </a:p>
+        </p:txBody>
+      </p:sp>
+    </p:spTree>
+  </p:cSld>
+  <p:clrMapOvr>
+    <a:masterClrMapping/>
+  </p:clrMapOvr>
+</p:notes>
+</file>
+
+<file path=ppt/notesSlides/notesSlide2.xml><?xml version="1.0" encoding="utf-8"?>
+<p:notes xmlns:a="http://schemas.openxmlformats.org/drawingml/2006/main" xmlns:r="http://schemas.openxmlformats.org/officeDocument/2006/relationships" xmlns:p="http://schemas.openxmlformats.org/presentationml/2006/main">
+  <p:cSld>
+    <p:spTree>
+      <p:nvGrpSpPr>
+        <p:cNvPr id="1" name=""/>
+        <p:cNvGrpSpPr/>
+        <p:nvPr/>
+      </p:nvGrpSpPr>
+      <p:grpSpPr>
+        <a:xfrm>
+          <a:off x="0" y="0"/>
+          <a:ext cx="0" cy="0"/>
+          <a:chOff x="0" y="0"/>
+          <a:chExt cx="0" cy="0"/>
+        </a:xfrm>
+      </p:grpSpPr>
+      <p:sp>
+        <p:nvSpPr>
+          <p:cNvPr id="2" name="Espaço Reservado para Imagem de Slide 1"/>
+          <p:cNvSpPr>
+            <a:spLocks noGrp="1" noRot="1" noChangeAspect="1"/>
+          </p:cNvSpPr>
+          <p:nvPr>
+            <p:ph type="sldImg"/>
+          </p:nvPr>
+        </p:nvSpPr>
+        <p:spPr/>
+      </p:sp>
+      <p:sp>
+        <p:nvSpPr>
+          <p:cNvPr id="3" name="Espaço Reservado para Anotações 2"/>
+          <p:cNvSpPr>
+            <a:spLocks noGrp="1"/>
+          </p:cNvSpPr>
+          <p:nvPr>
+            <p:ph type="body" idx="1"/>
+          </p:nvPr>
+        </p:nvSpPr>
+        <p:spPr/>
+        <p:txBody>
+          <a:bodyPr>
+            <a:normAutofit/>
+          </a:bodyPr>
+          <a:lstStyle/>
+          <a:p>
+            <a:endParaRPr lang="pt-BR" dirty="0"/>
+          </a:p>
+        </p:txBody>
+      </p:sp>
+      <p:sp>
+        <p:nvSpPr>
+          <p:cNvPr id="4" name="Espaço Reservado para Número de Slide 3"/>
+          <p:cNvSpPr>
+            <a:spLocks noGrp="1"/>
+          </p:cNvSpPr>
+          <p:nvPr>
+            <p:ph type="sldNum" sz="quarter" idx="10"/>
+          </p:nvPr>
+        </p:nvSpPr>
+        <p:spPr/>
+        <p:txBody>
+          <a:bodyPr/>
+          <a:lstStyle/>
+          <a:p>
+            <a:fld id="{CA077768-21C8-4125-A345-258E48D2EED0}" type="slidenum">
+              <a:rPr lang="pt-BR" smtClean="0"/>
+              <a:pPr/>
+              <a:t>10</a:t>
+            </a:fld>
+            <a:endParaRPr lang="pt-BR"/>
+          </a:p>
+        </p:txBody>
+      </p:sp>
+    </p:spTree>
+  </p:cSld>
+  <p:clrMapOvr>
+    <a:masterClrMapping/>
+  </p:clrMapOvr>
+</p:notes>
+</file>
+
+<file path=ppt/notesSlides/notesSlide3.xml><?xml version="1.0" encoding="utf-8"?>
+<p:notes xmlns:a="http://schemas.openxmlformats.org/drawingml/2006/main" xmlns:r="http://schemas.openxmlformats.org/officeDocument/2006/relationships" xmlns:p="http://schemas.openxmlformats.org/presentationml/2006/main">
+  <p:cSld>
+    <p:spTree>
+      <p:nvGrpSpPr>
+        <p:cNvPr id="1" name=""/>
+        <p:cNvGrpSpPr/>
+        <p:nvPr/>
+      </p:nvGrpSpPr>
+      <p:grpSpPr>
+        <a:xfrm>
+          <a:off x="0" y="0"/>
+          <a:ext cx="0" cy="0"/>
+          <a:chOff x="0" y="0"/>
+          <a:chExt cx="0" cy="0"/>
+        </a:xfrm>
+      </p:grpSpPr>
+      <p:sp>
+        <p:nvSpPr>
+          <p:cNvPr id="2" name="Espaço Reservado para Imagem de Slide 1"/>
+          <p:cNvSpPr>
+            <a:spLocks noGrp="1" noRot="1" noChangeAspect="1"/>
+          </p:cNvSpPr>
+          <p:nvPr>
+            <p:ph type="sldImg"/>
+          </p:nvPr>
+        </p:nvSpPr>
+        <p:spPr/>
+      </p:sp>
+      <p:sp>
+        <p:nvSpPr>
+          <p:cNvPr id="3" name="Espaço Reservado para Anotações 2"/>
+          <p:cNvSpPr>
+            <a:spLocks noGrp="1"/>
+          </p:cNvSpPr>
+          <p:nvPr>
+            <p:ph type="body" idx="1"/>
+          </p:nvPr>
+        </p:nvSpPr>
+        <p:spPr/>
+        <p:txBody>
+          <a:bodyPr>
+            <a:normAutofit/>
+          </a:bodyPr>
+          <a:lstStyle/>
+          <a:p>
+            <a:endParaRPr lang="pt-BR" dirty="0"/>
+          </a:p>
+        </p:txBody>
+      </p:sp>
+      <p:sp>
+        <p:nvSpPr>
+          <p:cNvPr id="4" name="Espaço Reservado para Número de Slide 3"/>
+          <p:cNvSpPr>
+            <a:spLocks noGrp="1"/>
+          </p:cNvSpPr>
+          <p:nvPr>
+            <p:ph type="sldNum" sz="quarter" idx="10"/>
+          </p:nvPr>
+        </p:nvSpPr>
+        <p:spPr/>
+        <p:txBody>
+          <a:bodyPr/>
+          <a:lstStyle/>
+          <a:p>
+            <a:fld id="{CA077768-21C8-4125-A345-258E48D2EED0}" type="slidenum">
+              <a:rPr lang="pt-BR" smtClean="0"/>
+              <a:pPr/>
+              <a:t>11</a:t>
+            </a:fld>
+            <a:endParaRPr lang="pt-BR"/>
+          </a:p>
+        </p:txBody>
+      </p:sp>
+    </p:spTree>
+  </p:cSld>
+  <p:clrMapOvr>
+    <a:masterClrMapping/>
+  </p:clrMapOvr>
+</p:notes>
+</file>
+
+<file path=ppt/notesSlides/notesSlide4.xml><?xml version="1.0" encoding="utf-8"?>
+<p:notes xmlns:a="http://schemas.openxmlformats.org/drawingml/2006/main" xmlns:r="http://schemas.openxmlformats.org/officeDocument/2006/relationships" xmlns:p="http://schemas.openxmlformats.org/presentationml/2006/main">
+  <p:cSld>
+    <p:spTree>
+      <p:nvGrpSpPr>
+        <p:cNvPr id="1" name=""/>
+        <p:cNvGrpSpPr/>
+        <p:nvPr/>
+      </p:nvGrpSpPr>
+      <p:grpSpPr>
+        <a:xfrm>
+          <a:off x="0" y="0"/>
+          <a:ext cx="0" cy="0"/>
+          <a:chOff x="0" y="0"/>
+          <a:chExt cx="0" cy="0"/>
+        </a:xfrm>
+      </p:grpSpPr>
+      <p:sp>
+        <p:nvSpPr>
+          <p:cNvPr id="2" name="Espaço Reservado para Imagem de Slide 1"/>
+          <p:cNvSpPr>
+            <a:spLocks noGrp="1" noRot="1" noChangeAspect="1"/>
+          </p:cNvSpPr>
+          <p:nvPr>
+            <p:ph type="sldImg"/>
+          </p:nvPr>
+        </p:nvSpPr>
+        <p:spPr/>
+      </p:sp>
+      <p:sp>
+        <p:nvSpPr>
+          <p:cNvPr id="3" name="Espaço Reservado para Anotações 2"/>
+          <p:cNvSpPr>
+            <a:spLocks noGrp="1"/>
+          </p:cNvSpPr>
+          <p:nvPr>
+            <p:ph type="body" idx="1"/>
+          </p:nvPr>
+        </p:nvSpPr>
+        <p:spPr/>
+        <p:txBody>
+          <a:bodyPr>
+            <a:normAutofit/>
+          </a:bodyPr>
+          <a:lstStyle/>
+          <a:p>
+            <a:endParaRPr lang="pt-BR" dirty="0"/>
+          </a:p>
+        </p:txBody>
+      </p:sp>
+      <p:sp>
+        <p:nvSpPr>
+          <p:cNvPr id="4" name="Espaço Reservado para Número de Slide 3"/>
+          <p:cNvSpPr>
+            <a:spLocks noGrp="1"/>
+          </p:cNvSpPr>
+          <p:nvPr>
+            <p:ph type="sldNum" sz="quarter" idx="10"/>
+          </p:nvPr>
+        </p:nvSpPr>
+        <p:spPr/>
+        <p:txBody>
+          <a:bodyPr/>
+          <a:lstStyle/>
+          <a:p>
+            <a:fld id="{CA077768-21C8-4125-A345-258E48D2EED0}" type="slidenum">
+              <a:rPr lang="pt-BR" smtClean="0"/>
+              <a:pPr/>
+              <a:t>12</a:t>
+            </a:fld>
+            <a:endParaRPr lang="pt-BR"/>
+          </a:p>
+        </p:txBody>
+      </p:sp>
+    </p:spTree>
+  </p:cSld>
+  <p:clrMapOvr>
+    <a:masterClrMapping/>
+  </p:clrMapOvr>
+</p:notes>
+</file>
+
+<file path=ppt/notesSlides/notesSlide5.xml><?xml version="1.0" encoding="utf-8"?>
+<p:notes xmlns:a="http://schemas.openxmlformats.org/drawingml/2006/main" xmlns:r="http://schemas.openxmlformats.org/officeDocument/2006/relationships" xmlns:p="http://schemas.openxmlformats.org/presentationml/2006/main">
+  <p:cSld>
+    <p:spTree>
+      <p:nvGrpSpPr>
+        <p:cNvPr id="1" name=""/>
+        <p:cNvGrpSpPr/>
+        <p:nvPr/>
+      </p:nvGrpSpPr>
+      <p:grpSpPr>
+        <a:xfrm>
+          <a:off x="0" y="0"/>
+          <a:ext cx="0" cy="0"/>
+          <a:chOff x="0" y="0"/>
+          <a:chExt cx="0" cy="0"/>
+        </a:xfrm>
+      </p:grpSpPr>
+      <p:sp>
+        <p:nvSpPr>
+          <p:cNvPr id="2" name="Espaço Reservado para Imagem de Slide 1"/>
+          <p:cNvSpPr>
+            <a:spLocks noGrp="1" noRot="1" noChangeAspect="1"/>
+          </p:cNvSpPr>
+          <p:nvPr>
+            <p:ph type="sldImg"/>
+          </p:nvPr>
+        </p:nvSpPr>
+        <p:spPr/>
+      </p:sp>
+      <p:sp>
+        <p:nvSpPr>
+          <p:cNvPr id="3" name="Espaço Reservado para Anotações 2"/>
+          <p:cNvSpPr>
+            <a:spLocks noGrp="1"/>
+          </p:cNvSpPr>
+          <p:nvPr>
+            <p:ph type="body" idx="1"/>
+          </p:nvPr>
+        </p:nvSpPr>
+        <p:spPr/>
+        <p:txBody>
+          <a:bodyPr>
+            <a:normAutofit/>
+          </a:bodyPr>
+          <a:lstStyle/>
+          <a:p>
+            <a:endParaRPr lang="pt-BR" dirty="0"/>
+          </a:p>
+        </p:txBody>
+      </p:sp>
+      <p:sp>
+        <p:nvSpPr>
+          <p:cNvPr id="4" name="Espaço Reservado para Número de Slide 3"/>
+          <p:cNvSpPr>
+            <a:spLocks noGrp="1"/>
+          </p:cNvSpPr>
+          <p:nvPr>
+            <p:ph type="sldNum" sz="quarter" idx="10"/>
+          </p:nvPr>
+        </p:nvSpPr>
+        <p:spPr/>
+        <p:txBody>
+          <a:bodyPr/>
+          <a:lstStyle/>
+          <a:p>
+            <a:fld id="{CA077768-21C8-4125-A345-258E48D2EED0}" type="slidenum">
+              <a:rPr lang="pt-BR" smtClean="0"/>
+              <a:pPr/>
+              <a:t>13</a:t>
+            </a:fld>
+            <a:endParaRPr lang="pt-BR"/>
+          </a:p>
+        </p:txBody>
+      </p:sp>
+    </p:spTree>
+  </p:cSld>
+  <p:clrMapOvr>
+    <a:masterClrMapping/>
+  </p:clrMapOvr>
+</p:notes>
+</file>
+
+<file path=ppt/notesSlides/notesSlide6.xml><?xml version="1.0" encoding="utf-8"?>
+<p:notes xmlns:a="http://schemas.openxmlformats.org/drawingml/2006/main" xmlns:r="http://schemas.openxmlformats.org/officeDocument/2006/relationships" xmlns:p="http://schemas.openxmlformats.org/presentationml/2006/main">
+  <p:cSld>
+    <p:spTree>
+      <p:nvGrpSpPr>
+        <p:cNvPr id="1" name=""/>
+        <p:cNvGrpSpPr/>
+        <p:nvPr/>
+      </p:nvGrpSpPr>
+      <p:grpSpPr>
+        <a:xfrm>
+          <a:off x="0" y="0"/>
+          <a:ext cx="0" cy="0"/>
+          <a:chOff x="0" y="0"/>
+          <a:chExt cx="0" cy="0"/>
+        </a:xfrm>
+      </p:grpSpPr>
+      <p:sp>
+        <p:nvSpPr>
+          <p:cNvPr id="2" name="Espaço Reservado para Imagem de Slide 1"/>
+          <p:cNvSpPr>
+            <a:spLocks noGrp="1" noRot="1" noChangeAspect="1"/>
+          </p:cNvSpPr>
+          <p:nvPr>
+            <p:ph type="sldImg"/>
+          </p:nvPr>
+        </p:nvSpPr>
+        <p:spPr/>
+      </p:sp>
+      <p:sp>
+        <p:nvSpPr>
+          <p:cNvPr id="3" name="Espaço Reservado para Anotações 2"/>
+          <p:cNvSpPr>
+            <a:spLocks noGrp="1"/>
+          </p:cNvSpPr>
+          <p:nvPr>
+            <p:ph type="body" idx="1"/>
+          </p:nvPr>
+        </p:nvSpPr>
+        <p:spPr/>
+        <p:txBody>
+          <a:bodyPr>
+            <a:normAutofit/>
+          </a:bodyPr>
+          <a:lstStyle/>
+          <a:p>
+            <a:endParaRPr lang="pt-BR" dirty="0"/>
+          </a:p>
+        </p:txBody>
+      </p:sp>
+      <p:sp>
+        <p:nvSpPr>
+          <p:cNvPr id="4" name="Espaço Reservado para Número de Slide 3"/>
+          <p:cNvSpPr>
+            <a:spLocks noGrp="1"/>
+          </p:cNvSpPr>
+          <p:nvPr>
+            <p:ph type="sldNum" sz="quarter" idx="10"/>
+          </p:nvPr>
+        </p:nvSpPr>
+        <p:spPr/>
+        <p:txBody>
+          <a:bodyPr/>
+          <a:lstStyle/>
+          <a:p>
+            <a:fld id="{CA077768-21C8-4125-A345-258E48D2EED0}" type="slidenum">
+              <a:rPr lang="pt-BR" smtClean="0"/>
+              <a:pPr/>
+              <a:t>14</a:t>
             </a:fld>
             <a:endParaRPr lang="pt-BR"/>
           </a:p>
@@ -2636,6 +3052,847 @@
 </p:sld>
 </file>
 
+<file path=ppt/slides/slide10.xml><?xml version="1.0" encoding="utf-8"?>
+<p:sld xmlns:a="http://schemas.openxmlformats.org/drawingml/2006/main" xmlns:r="http://schemas.openxmlformats.org/officeDocument/2006/relationships" xmlns:p="http://schemas.openxmlformats.org/presentationml/2006/main">
+  <p:cSld>
+    <p:spTree>
+      <p:nvGrpSpPr>
+        <p:cNvPr id="1" name=""/>
+        <p:cNvGrpSpPr/>
+        <p:nvPr/>
+      </p:nvGrpSpPr>
+      <p:grpSpPr>
+        <a:xfrm>
+          <a:off x="0" y="0"/>
+          <a:ext cx="0" cy="0"/>
+          <a:chOff x="0" y="0"/>
+          <a:chExt cx="0" cy="0"/>
+        </a:xfrm>
+      </p:grpSpPr>
+      <p:sp>
+        <p:nvSpPr>
+          <p:cNvPr id="2" name="Espaço Reservado para Texto 1"/>
+          <p:cNvSpPr>
+            <a:spLocks noGrp="1"/>
+          </p:cNvSpPr>
+          <p:nvPr>
+            <p:ph type="body" idx="1"/>
+          </p:nvPr>
+        </p:nvSpPr>
+        <p:spPr/>
+        <p:txBody>
+          <a:bodyPr/>
+          <a:lstStyle/>
+          <a:p>
+            <a:pPr>
+              <a:lnSpc>
+                <a:spcPct val="150000"/>
+              </a:lnSpc>
+            </a:pPr>
+            <a:r>
+              <a:rPr smtClean="0">
+                <a:latin typeface="Arial" pitchFamily="34" charset="0"/>
+                <a:cs typeface="Arial" pitchFamily="34" charset="0"/>
+              </a:rPr>
+              <a:t>Arranjos gerais.</a:t>
+            </a:r>
+          </a:p>
+          <a:p>
+            <a:pPr>
+              <a:lnSpc>
+                <a:spcPct val="150000"/>
+              </a:lnSpc>
+            </a:pPr>
+            <a:r>
+              <a:rPr smtClean="0">
+                <a:latin typeface="Arial" pitchFamily="34" charset="0"/>
+                <a:cs typeface="Arial" pitchFamily="34" charset="0"/>
+              </a:rPr>
+              <a:t>Arranjo dos equipamentos em teste.</a:t>
+            </a:r>
+          </a:p>
+          <a:p>
+            <a:pPr>
+              <a:lnSpc>
+                <a:spcPct val="150000"/>
+              </a:lnSpc>
+            </a:pPr>
+            <a:r>
+              <a:rPr smtClean="0">
+                <a:latin typeface="Arial" pitchFamily="34" charset="0"/>
+                <a:cs typeface="Arial" pitchFamily="34" charset="0"/>
+              </a:rPr>
+              <a:t>Operação dos equipamentos em teste.</a:t>
+            </a:r>
+          </a:p>
+          <a:p>
+            <a:pPr>
+              <a:lnSpc>
+                <a:spcPct val="150000"/>
+              </a:lnSpc>
+            </a:pPr>
+            <a:endParaRPr lang="pt-BR" dirty="0" smtClean="0">
+              <a:latin typeface="Arial" pitchFamily="34" charset="0"/>
+              <a:cs typeface="Arial" pitchFamily="34" charset="0"/>
+            </a:endParaRPr>
+          </a:p>
+        </p:txBody>
+      </p:sp>
+      <p:sp>
+        <p:nvSpPr>
+          <p:cNvPr id="3" name="Título 2"/>
+          <p:cNvSpPr>
+            <a:spLocks noGrp="1"/>
+          </p:cNvSpPr>
+          <p:nvPr>
+            <p:ph type="title"/>
+          </p:nvPr>
+        </p:nvSpPr>
+        <p:spPr/>
+        <p:txBody>
+          <a:bodyPr>
+            <a:normAutofit/>
+          </a:bodyPr>
+          <a:lstStyle/>
+          <a:p>
+            <a:r>
+              <a:rPr lang="pt-BR" dirty="0" smtClean="0">
+                <a:latin typeface="Arial" pitchFamily="34" charset="0"/>
+                <a:cs typeface="Arial" pitchFamily="34" charset="0"/>
+              </a:rPr>
+              <a:t>CONDIÇÃO GERAL DE MEDIÇÃO</a:t>
+            </a:r>
+            <a:endParaRPr lang="pt-BR" dirty="0">
+              <a:latin typeface="Arial" pitchFamily="34" charset="0"/>
+              <a:cs typeface="Arial" pitchFamily="34" charset="0"/>
+            </a:endParaRPr>
+          </a:p>
+        </p:txBody>
+      </p:sp>
+    </p:spTree>
+  </p:cSld>
+  <p:clrMapOvr>
+    <a:masterClrMapping/>
+  </p:clrMapOvr>
+  <p:timing>
+    <p:tnLst>
+      <p:par>
+        <p:cTn id="1" dur="indefinite" restart="never" nodeType="tmRoot"/>
+      </p:par>
+    </p:tnLst>
+  </p:timing>
+</p:sld>
+</file>
+
+<file path=ppt/slides/slide11.xml><?xml version="1.0" encoding="utf-8"?>
+<p:sld xmlns:a="http://schemas.openxmlformats.org/drawingml/2006/main" xmlns:r="http://schemas.openxmlformats.org/officeDocument/2006/relationships" xmlns:p="http://schemas.openxmlformats.org/presentationml/2006/main">
+  <p:cSld>
+    <p:spTree>
+      <p:nvGrpSpPr>
+        <p:cNvPr id="1" name=""/>
+        <p:cNvGrpSpPr/>
+        <p:nvPr/>
+      </p:nvGrpSpPr>
+      <p:grpSpPr>
+        <a:xfrm>
+          <a:off x="0" y="0"/>
+          <a:ext cx="0" cy="0"/>
+          <a:chOff x="0" y="0"/>
+          <a:chExt cx="0" cy="0"/>
+        </a:xfrm>
+      </p:grpSpPr>
+      <p:sp>
+        <p:nvSpPr>
+          <p:cNvPr id="2" name="Espaço Reservado para Texto 1"/>
+          <p:cNvSpPr>
+            <a:spLocks noGrp="1"/>
+          </p:cNvSpPr>
+          <p:nvPr>
+            <p:ph type="body" idx="1"/>
+          </p:nvPr>
+        </p:nvSpPr>
+        <p:spPr/>
+        <p:txBody>
+          <a:bodyPr>
+            <a:normAutofit fontScale="92500"/>
+          </a:bodyPr>
+          <a:lstStyle/>
+          <a:p>
+            <a:pPr>
+              <a:lnSpc>
+                <a:spcPct val="150000"/>
+              </a:lnSpc>
+            </a:pPr>
+            <a:r>
+              <a:rPr smtClean="0">
+                <a:latin typeface="Arial" pitchFamily="34" charset="0"/>
+                <a:cs typeface="Arial" pitchFamily="34" charset="0"/>
+              </a:rPr>
+              <a:t>Detectores de medições.</a:t>
+            </a:r>
+          </a:p>
+          <a:p>
+            <a:pPr>
+              <a:lnSpc>
+                <a:spcPct val="150000"/>
+              </a:lnSpc>
+            </a:pPr>
+            <a:r>
+              <a:rPr smtClean="0">
+                <a:latin typeface="Arial" pitchFamily="34" charset="0"/>
+                <a:cs typeface="Arial" pitchFamily="34" charset="0"/>
+              </a:rPr>
+              <a:t>Receptores de medições.</a:t>
+            </a:r>
+          </a:p>
+          <a:p>
+            <a:pPr>
+              <a:lnSpc>
+                <a:spcPct val="150000"/>
+              </a:lnSpc>
+            </a:pPr>
+            <a:r>
+              <a:rPr smtClean="0">
+                <a:latin typeface="Arial" pitchFamily="34" charset="0"/>
+                <a:cs typeface="Arial" pitchFamily="34" charset="0"/>
+              </a:rPr>
+              <a:t>Redes artificiais </a:t>
+            </a:r>
+            <a:r>
+              <a:rPr i="1" smtClean="0">
+                <a:latin typeface="Arial" pitchFamily="34" charset="0"/>
+                <a:cs typeface="Arial" pitchFamily="34" charset="0"/>
+              </a:rPr>
+              <a:t>(Artificial Mains Network - AMN).</a:t>
+            </a:r>
+          </a:p>
+          <a:p>
+            <a:pPr>
+              <a:lnSpc>
+                <a:spcPct val="150000"/>
+              </a:lnSpc>
+            </a:pPr>
+            <a:r>
+              <a:rPr smtClean="0">
+                <a:latin typeface="Arial" pitchFamily="34" charset="0"/>
+                <a:cs typeface="Arial" pitchFamily="34" charset="0"/>
+              </a:rPr>
+              <a:t>Plano de terra.</a:t>
+            </a:r>
+          </a:p>
+          <a:p>
+            <a:pPr>
+              <a:lnSpc>
+                <a:spcPct val="150000"/>
+              </a:lnSpc>
+            </a:pPr>
+            <a:r>
+              <a:rPr smtClean="0">
+                <a:latin typeface="Arial" pitchFamily="34" charset="0"/>
+                <a:cs typeface="Arial" pitchFamily="34" charset="0"/>
+              </a:rPr>
+              <a:t>Arranjo dos equipamentos em teste.</a:t>
+            </a:r>
+          </a:p>
+          <a:p>
+            <a:pPr>
+              <a:lnSpc>
+                <a:spcPct val="150000"/>
+              </a:lnSpc>
+            </a:pPr>
+            <a:r>
+              <a:rPr smtClean="0">
+                <a:latin typeface="Arial" pitchFamily="34" charset="0"/>
+                <a:cs typeface="Arial" pitchFamily="34" charset="0"/>
+              </a:rPr>
+              <a:t>Medida das perturbações nos pontos de rede.</a:t>
+            </a:r>
+          </a:p>
+          <a:p>
+            <a:pPr>
+              <a:lnSpc>
+                <a:spcPct val="150000"/>
+              </a:lnSpc>
+            </a:pPr>
+            <a:r>
+              <a:rPr smtClean="0">
+                <a:latin typeface="Arial" pitchFamily="34" charset="0"/>
+                <a:cs typeface="Arial" pitchFamily="34" charset="0"/>
+              </a:rPr>
+              <a:t>Gravação das medidas.</a:t>
+            </a:r>
+            <a:endParaRPr smtClean="0">
+              <a:latin typeface="Arial" pitchFamily="34" charset="0"/>
+              <a:cs typeface="Arial" pitchFamily="34" charset="0"/>
+            </a:endParaRPr>
+          </a:p>
+          <a:p>
+            <a:pPr>
+              <a:lnSpc>
+                <a:spcPct val="150000"/>
+              </a:lnSpc>
+              <a:buNone/>
+            </a:pPr>
+            <a:endParaRPr smtClean="0">
+              <a:latin typeface="Arial" pitchFamily="34" charset="0"/>
+              <a:cs typeface="Arial" pitchFamily="34" charset="0"/>
+            </a:endParaRPr>
+          </a:p>
+          <a:p>
+            <a:pPr>
+              <a:lnSpc>
+                <a:spcPct val="150000"/>
+              </a:lnSpc>
+            </a:pPr>
+            <a:endParaRPr lang="pt-BR" dirty="0" smtClean="0">
+              <a:latin typeface="Arial" pitchFamily="34" charset="0"/>
+              <a:cs typeface="Arial" pitchFamily="34" charset="0"/>
+            </a:endParaRPr>
+          </a:p>
+        </p:txBody>
+      </p:sp>
+      <p:sp>
+        <p:nvSpPr>
+          <p:cNvPr id="3" name="Título 2"/>
+          <p:cNvSpPr>
+            <a:spLocks noGrp="1"/>
+          </p:cNvSpPr>
+          <p:nvPr>
+            <p:ph type="title"/>
+          </p:nvPr>
+        </p:nvSpPr>
+        <p:spPr/>
+        <p:txBody>
+          <a:bodyPr>
+            <a:normAutofit fontScale="90000"/>
+          </a:bodyPr>
+          <a:lstStyle/>
+          <a:p>
+            <a:r>
+              <a:rPr lang="pt-BR" dirty="0" smtClean="0">
+                <a:latin typeface="Arial" pitchFamily="34" charset="0"/>
+                <a:cs typeface="Arial" pitchFamily="34" charset="0"/>
+              </a:rPr>
+              <a:t>MÉTODO DE MEDIDA DA PERTURBAÇÃO CONDUZIDA</a:t>
+            </a:r>
+            <a:endParaRPr lang="pt-BR" dirty="0">
+              <a:latin typeface="Arial" pitchFamily="34" charset="0"/>
+              <a:cs typeface="Arial" pitchFamily="34" charset="0"/>
+            </a:endParaRPr>
+          </a:p>
+        </p:txBody>
+      </p:sp>
+    </p:spTree>
+  </p:cSld>
+  <p:clrMapOvr>
+    <a:masterClrMapping/>
+  </p:clrMapOvr>
+  <p:timing>
+    <p:tnLst>
+      <p:par>
+        <p:cTn id="1" dur="indefinite" restart="never" nodeType="tmRoot"/>
+      </p:par>
+    </p:tnLst>
+  </p:timing>
+</p:sld>
+</file>
+
+<file path=ppt/slides/slide12.xml><?xml version="1.0" encoding="utf-8"?>
+<p:sld xmlns:a="http://schemas.openxmlformats.org/drawingml/2006/main" xmlns:r="http://schemas.openxmlformats.org/officeDocument/2006/relationships" xmlns:p="http://schemas.openxmlformats.org/presentationml/2006/main">
+  <p:cSld>
+    <p:spTree>
+      <p:nvGrpSpPr>
+        <p:cNvPr id="1" name=""/>
+        <p:cNvGrpSpPr/>
+        <p:nvPr/>
+      </p:nvGrpSpPr>
+      <p:grpSpPr>
+        <a:xfrm>
+          <a:off x="0" y="0"/>
+          <a:ext cx="0" cy="0"/>
+          <a:chOff x="0" y="0"/>
+          <a:chExt cx="0" cy="0"/>
+        </a:xfrm>
+      </p:grpSpPr>
+      <p:sp>
+        <p:nvSpPr>
+          <p:cNvPr id="2" name="Espaço Reservado para Texto 1"/>
+          <p:cNvSpPr>
+            <a:spLocks noGrp="1"/>
+          </p:cNvSpPr>
+          <p:nvPr>
+            <p:ph type="body" idx="1"/>
+          </p:nvPr>
+        </p:nvSpPr>
+        <p:spPr/>
+        <p:txBody>
+          <a:bodyPr>
+            <a:normAutofit fontScale="92500" lnSpcReduction="20000"/>
+          </a:bodyPr>
+          <a:lstStyle/>
+          <a:p>
+            <a:pPr>
+              <a:lnSpc>
+                <a:spcPct val="150000"/>
+              </a:lnSpc>
+            </a:pPr>
+            <a:r>
+              <a:rPr smtClean="0">
+                <a:latin typeface="Arial" pitchFamily="34" charset="0"/>
+                <a:cs typeface="Arial" pitchFamily="34" charset="0"/>
+              </a:rPr>
+              <a:t>Detectores </a:t>
+            </a:r>
+            <a:r>
+              <a:rPr smtClean="0">
+                <a:latin typeface="Arial" pitchFamily="34" charset="0"/>
+                <a:cs typeface="Arial" pitchFamily="34" charset="0"/>
+              </a:rPr>
+              <a:t>de </a:t>
+            </a:r>
+            <a:r>
+              <a:rPr smtClean="0">
+                <a:latin typeface="Arial" pitchFamily="34" charset="0"/>
+                <a:cs typeface="Arial" pitchFamily="34" charset="0"/>
+              </a:rPr>
+              <a:t>medições.</a:t>
+            </a:r>
+            <a:endParaRPr smtClean="0">
+              <a:latin typeface="Arial" pitchFamily="34" charset="0"/>
+              <a:cs typeface="Arial" pitchFamily="34" charset="0"/>
+            </a:endParaRPr>
+          </a:p>
+          <a:p>
+            <a:pPr>
+              <a:lnSpc>
+                <a:spcPct val="150000"/>
+              </a:lnSpc>
+            </a:pPr>
+            <a:r>
+              <a:rPr smtClean="0">
+                <a:latin typeface="Arial" pitchFamily="34" charset="0"/>
+                <a:cs typeface="Arial" pitchFamily="34" charset="0"/>
+              </a:rPr>
+              <a:t>Receptores </a:t>
+            </a:r>
+            <a:r>
+              <a:rPr smtClean="0">
+                <a:latin typeface="Arial" pitchFamily="34" charset="0"/>
+                <a:cs typeface="Arial" pitchFamily="34" charset="0"/>
+              </a:rPr>
+              <a:t>de </a:t>
+            </a:r>
+            <a:r>
+              <a:rPr smtClean="0">
+                <a:latin typeface="Arial" pitchFamily="34" charset="0"/>
+                <a:cs typeface="Arial" pitchFamily="34" charset="0"/>
+              </a:rPr>
+              <a:t>medições.</a:t>
+            </a:r>
+          </a:p>
+          <a:p>
+            <a:pPr>
+              <a:lnSpc>
+                <a:spcPct val="150000"/>
+              </a:lnSpc>
+            </a:pPr>
+            <a:r>
+              <a:rPr smtClean="0">
+                <a:latin typeface="Arial" pitchFamily="34" charset="0"/>
+                <a:cs typeface="Arial" pitchFamily="34" charset="0"/>
+              </a:rPr>
+              <a:t>Antena.</a:t>
+            </a:r>
+          </a:p>
+          <a:p>
+            <a:pPr>
+              <a:lnSpc>
+                <a:spcPct val="150000"/>
+              </a:lnSpc>
+            </a:pPr>
+            <a:r>
+              <a:rPr smtClean="0">
+                <a:latin typeface="Arial" pitchFamily="34" charset="0"/>
+                <a:cs typeface="Arial" pitchFamily="34" charset="0"/>
+              </a:rPr>
+              <a:t>Local de medição.</a:t>
+            </a:r>
+            <a:endParaRPr smtClean="0">
+              <a:latin typeface="Arial" pitchFamily="34" charset="0"/>
+              <a:cs typeface="Arial" pitchFamily="34" charset="0"/>
+            </a:endParaRPr>
+          </a:p>
+          <a:p>
+            <a:pPr>
+              <a:lnSpc>
+                <a:spcPct val="150000"/>
+              </a:lnSpc>
+            </a:pPr>
+            <a:r>
+              <a:rPr smtClean="0">
+                <a:latin typeface="Arial" pitchFamily="34" charset="0"/>
+                <a:cs typeface="Arial" pitchFamily="34" charset="0"/>
+              </a:rPr>
+              <a:t>Arranjo </a:t>
+            </a:r>
+            <a:r>
+              <a:rPr smtClean="0">
+                <a:latin typeface="Arial" pitchFamily="34" charset="0"/>
+                <a:cs typeface="Arial" pitchFamily="34" charset="0"/>
+              </a:rPr>
+              <a:t>dos equipamentos em teste.</a:t>
+            </a:r>
+          </a:p>
+          <a:p>
+            <a:pPr>
+              <a:lnSpc>
+                <a:spcPct val="150000"/>
+              </a:lnSpc>
+            </a:pPr>
+            <a:r>
+              <a:rPr smtClean="0">
+                <a:latin typeface="Arial" pitchFamily="34" charset="0"/>
+                <a:cs typeface="Arial" pitchFamily="34" charset="0"/>
+              </a:rPr>
+              <a:t>Gravação </a:t>
+            </a:r>
+            <a:r>
+              <a:rPr smtClean="0">
+                <a:latin typeface="Arial" pitchFamily="34" charset="0"/>
+                <a:cs typeface="Arial" pitchFamily="34" charset="0"/>
+              </a:rPr>
+              <a:t>das </a:t>
+            </a:r>
+            <a:r>
+              <a:rPr smtClean="0">
+                <a:latin typeface="Arial" pitchFamily="34" charset="0"/>
+                <a:cs typeface="Arial" pitchFamily="34" charset="0"/>
+              </a:rPr>
+              <a:t>medidas.</a:t>
+            </a:r>
+          </a:p>
+          <a:p>
+            <a:pPr>
+              <a:lnSpc>
+                <a:spcPct val="150000"/>
+              </a:lnSpc>
+            </a:pPr>
+            <a:r>
+              <a:rPr smtClean="0">
+                <a:latin typeface="Arial" pitchFamily="34" charset="0"/>
+                <a:cs typeface="Arial" pitchFamily="34" charset="0"/>
+              </a:rPr>
+              <a:t>Medições na presença de sinais de ambiente.</a:t>
+            </a:r>
+          </a:p>
+          <a:p>
+            <a:pPr>
+              <a:lnSpc>
+                <a:spcPct val="150000"/>
+              </a:lnSpc>
+            </a:pPr>
+            <a:r>
+              <a:rPr smtClean="0">
+                <a:latin typeface="Arial" pitchFamily="34" charset="0"/>
+                <a:cs typeface="Arial" pitchFamily="34" charset="0"/>
+              </a:rPr>
+              <a:t>Teste de instalação de usuário.</a:t>
+            </a:r>
+            <a:endParaRPr smtClean="0">
+              <a:latin typeface="Arial" pitchFamily="34" charset="0"/>
+              <a:cs typeface="Arial" pitchFamily="34" charset="0"/>
+            </a:endParaRPr>
+          </a:p>
+          <a:p>
+            <a:pPr>
+              <a:lnSpc>
+                <a:spcPct val="150000"/>
+              </a:lnSpc>
+            </a:pPr>
+            <a:endParaRPr lang="pt-BR" dirty="0" smtClean="0">
+              <a:latin typeface="Arial" pitchFamily="34" charset="0"/>
+              <a:cs typeface="Arial" pitchFamily="34" charset="0"/>
+            </a:endParaRPr>
+          </a:p>
+        </p:txBody>
+      </p:sp>
+      <p:sp>
+        <p:nvSpPr>
+          <p:cNvPr id="3" name="Título 2"/>
+          <p:cNvSpPr>
+            <a:spLocks noGrp="1"/>
+          </p:cNvSpPr>
+          <p:nvPr>
+            <p:ph type="title"/>
+          </p:nvPr>
+        </p:nvSpPr>
+        <p:spPr/>
+        <p:txBody>
+          <a:bodyPr>
+            <a:normAutofit fontScale="90000"/>
+          </a:bodyPr>
+          <a:lstStyle/>
+          <a:p>
+            <a:r>
+              <a:rPr lang="pt-BR" dirty="0" smtClean="0">
+                <a:latin typeface="Arial" pitchFamily="34" charset="0"/>
+                <a:cs typeface="Arial" pitchFamily="34" charset="0"/>
+              </a:rPr>
+              <a:t>MÉTODO DE MEDIDA DA PERTURBAÇÃO IRRADIADA</a:t>
+            </a:r>
+            <a:endParaRPr lang="pt-BR" dirty="0">
+              <a:latin typeface="Arial" pitchFamily="34" charset="0"/>
+              <a:cs typeface="Arial" pitchFamily="34" charset="0"/>
+            </a:endParaRPr>
+          </a:p>
+        </p:txBody>
+      </p:sp>
+    </p:spTree>
+  </p:cSld>
+  <p:clrMapOvr>
+    <a:masterClrMapping/>
+  </p:clrMapOvr>
+  <p:timing>
+    <p:tnLst>
+      <p:par>
+        <p:cTn id="1" dur="indefinite" restart="never" nodeType="tmRoot"/>
+      </p:par>
+    </p:tnLst>
+  </p:timing>
+</p:sld>
+</file>
+
+<file path=ppt/slides/slide13.xml><?xml version="1.0" encoding="utf-8"?>
+<p:sld xmlns:a="http://schemas.openxmlformats.org/drawingml/2006/main" xmlns:r="http://schemas.openxmlformats.org/officeDocument/2006/relationships" xmlns:p="http://schemas.openxmlformats.org/presentationml/2006/main">
+  <p:cSld>
+    <p:spTree>
+      <p:nvGrpSpPr>
+        <p:cNvPr id="1" name=""/>
+        <p:cNvGrpSpPr/>
+        <p:nvPr/>
+      </p:nvGrpSpPr>
+      <p:grpSpPr>
+        <a:xfrm>
+          <a:off x="0" y="0"/>
+          <a:ext cx="0" cy="0"/>
+          <a:chOff x="0" y="0"/>
+          <a:chExt cx="0" cy="0"/>
+        </a:xfrm>
+      </p:grpSpPr>
+      <p:sp>
+        <p:nvSpPr>
+          <p:cNvPr id="2" name="Espaço Reservado para Texto 1"/>
+          <p:cNvSpPr>
+            <a:spLocks noGrp="1"/>
+          </p:cNvSpPr>
+          <p:nvPr>
+            <p:ph type="body" idx="1"/>
+          </p:nvPr>
+        </p:nvSpPr>
+        <p:spPr/>
+        <p:txBody>
+          <a:bodyPr/>
+          <a:lstStyle/>
+          <a:p>
+            <a:pPr>
+              <a:lnSpc>
+                <a:spcPct val="150000"/>
+              </a:lnSpc>
+            </a:pPr>
+            <a:r>
+              <a:rPr smtClean="0">
+                <a:latin typeface="Arial" pitchFamily="34" charset="0"/>
+                <a:cs typeface="Arial" pitchFamily="34" charset="0"/>
+              </a:rPr>
+              <a:t>CISPR22:2005. </a:t>
+            </a:r>
+            <a:r>
+              <a:rPr b="1" smtClean="0">
+                <a:latin typeface="Arial" pitchFamily="34" charset="0"/>
+                <a:cs typeface="Arial" pitchFamily="34" charset="0"/>
+              </a:rPr>
+              <a:t>Information technology equipment - Radio disturbance characteristics - Limits and methods of </a:t>
+            </a:r>
+            <a:r>
+              <a:rPr b="1" smtClean="0">
+                <a:latin typeface="Arial" pitchFamily="34" charset="0"/>
+                <a:cs typeface="Arial" pitchFamily="34" charset="0"/>
+              </a:rPr>
+              <a:t>measurement</a:t>
+            </a:r>
+            <a:r>
+              <a:rPr smtClean="0">
+                <a:latin typeface="Arial" pitchFamily="34" charset="0"/>
+                <a:cs typeface="Arial" pitchFamily="34" charset="0"/>
+              </a:rPr>
+              <a:t>.</a:t>
+            </a:r>
+            <a:endParaRPr lang="pt-BR" dirty="0" smtClean="0">
+              <a:latin typeface="Arial" pitchFamily="34" charset="0"/>
+              <a:cs typeface="Arial" pitchFamily="34" charset="0"/>
+            </a:endParaRPr>
+          </a:p>
+        </p:txBody>
+      </p:sp>
+      <p:sp>
+        <p:nvSpPr>
+          <p:cNvPr id="3" name="Título 2"/>
+          <p:cNvSpPr>
+            <a:spLocks noGrp="1"/>
+          </p:cNvSpPr>
+          <p:nvPr>
+            <p:ph type="title"/>
+          </p:nvPr>
+        </p:nvSpPr>
+        <p:spPr/>
+        <p:txBody>
+          <a:bodyPr>
+            <a:normAutofit/>
+          </a:bodyPr>
+          <a:lstStyle/>
+          <a:p>
+            <a:r>
+              <a:rPr smtClean="0">
+                <a:latin typeface="Arial" pitchFamily="34" charset="0"/>
+                <a:cs typeface="Arial" pitchFamily="34" charset="0"/>
+              </a:rPr>
+              <a:t>REFERÊNCIAS</a:t>
+            </a:r>
+            <a:endParaRPr lang="pt-BR" dirty="0">
+              <a:latin typeface="Arial" pitchFamily="34" charset="0"/>
+              <a:cs typeface="Arial" pitchFamily="34" charset="0"/>
+            </a:endParaRPr>
+          </a:p>
+        </p:txBody>
+      </p:sp>
+    </p:spTree>
+  </p:cSld>
+  <p:clrMapOvr>
+    <a:masterClrMapping/>
+  </p:clrMapOvr>
+  <p:timing>
+    <p:tnLst>
+      <p:par>
+        <p:cTn id="1" dur="indefinite" restart="never" nodeType="tmRoot"/>
+      </p:par>
+    </p:tnLst>
+  </p:timing>
+</p:sld>
+</file>
+
+<file path=ppt/slides/slide14.xml><?xml version="1.0" encoding="utf-8"?>
+<p:sld xmlns:a="http://schemas.openxmlformats.org/drawingml/2006/main" xmlns:r="http://schemas.openxmlformats.org/officeDocument/2006/relationships" xmlns:p="http://schemas.openxmlformats.org/presentationml/2006/main">
+  <p:cSld>
+    <p:spTree>
+      <p:nvGrpSpPr>
+        <p:cNvPr id="1" name=""/>
+        <p:cNvGrpSpPr/>
+        <p:nvPr/>
+      </p:nvGrpSpPr>
+      <p:grpSpPr>
+        <a:xfrm>
+          <a:off x="0" y="0"/>
+          <a:ext cx="0" cy="0"/>
+          <a:chOff x="0" y="0"/>
+          <a:chExt cx="0" cy="0"/>
+        </a:xfrm>
+      </p:grpSpPr>
+      <p:sp>
+        <p:nvSpPr>
+          <p:cNvPr id="2" name="Espaço Reservado para Texto 1"/>
+          <p:cNvSpPr>
+            <a:spLocks noGrp="1"/>
+          </p:cNvSpPr>
+          <p:nvPr>
+            <p:ph type="body" idx="1"/>
+          </p:nvPr>
+        </p:nvSpPr>
+        <p:spPr/>
+        <p:txBody>
+          <a:bodyPr/>
+          <a:lstStyle/>
+          <a:p>
+            <a:pPr>
+              <a:lnSpc>
+                <a:spcPct val="150000"/>
+              </a:lnSpc>
+            </a:pPr>
+            <a:endParaRPr dirty="0" smtClean="0">
+              <a:latin typeface="Arial" pitchFamily="34" charset="0"/>
+              <a:cs typeface="Arial" pitchFamily="34" charset="0"/>
+            </a:endParaRPr>
+          </a:p>
+          <a:p>
+            <a:pPr>
+              <a:lnSpc>
+                <a:spcPct val="150000"/>
+              </a:lnSpc>
+            </a:pPr>
+            <a:endParaRPr dirty="0" smtClean="0">
+              <a:latin typeface="Arial" pitchFamily="34" charset="0"/>
+              <a:cs typeface="Arial" pitchFamily="34" charset="0"/>
+            </a:endParaRPr>
+          </a:p>
+          <a:p>
+            <a:pPr algn="ctr">
+              <a:lnSpc>
+                <a:spcPct val="150000"/>
+              </a:lnSpc>
+              <a:buNone/>
+            </a:pPr>
+            <a:r>
+              <a:rPr smtClean="0">
+                <a:latin typeface="Arial" pitchFamily="34" charset="0"/>
+                <a:cs typeface="Arial" pitchFamily="34" charset="0"/>
+              </a:rPr>
+              <a:t>OBRIGADO!</a:t>
+            </a:r>
+            <a:endParaRPr lang="pt-BR" dirty="0" smtClean="0">
+              <a:latin typeface="Arial" pitchFamily="34" charset="0"/>
+              <a:cs typeface="Arial" pitchFamily="34" charset="0"/>
+            </a:endParaRPr>
+          </a:p>
+        </p:txBody>
+      </p:sp>
+      <p:sp>
+        <p:nvSpPr>
+          <p:cNvPr id="3" name="Título 2"/>
+          <p:cNvSpPr>
+            <a:spLocks noGrp="1"/>
+          </p:cNvSpPr>
+          <p:nvPr>
+            <p:ph type="title"/>
+          </p:nvPr>
+        </p:nvSpPr>
+        <p:spPr/>
+        <p:txBody>
+          <a:bodyPr>
+            <a:normAutofit/>
+          </a:bodyPr>
+          <a:lstStyle/>
+          <a:p>
+            <a:endParaRPr lang="pt-BR" dirty="0">
+              <a:latin typeface="Arial" pitchFamily="34" charset="0"/>
+              <a:cs typeface="Arial" pitchFamily="34" charset="0"/>
+            </a:endParaRPr>
+          </a:p>
+        </p:txBody>
+      </p:sp>
+    </p:spTree>
+  </p:cSld>
+  <p:clrMapOvr>
+    <a:masterClrMapping/>
+  </p:clrMapOvr>
+  <p:timing>
+    <p:tnLst>
+      <p:par>
+        <p:cTn id="1" dur="indefinite" restart="never" nodeType="tmRoot"/>
+      </p:par>
+    </p:tnLst>
+  </p:timing>
+</p:sld>
+</file>
+
 <file path=ppt/slides/slide2.xml><?xml version="1.0" encoding="utf-8"?>
 <p:sld xmlns:a="http://schemas.openxmlformats.org/drawingml/2006/main" xmlns:r="http://schemas.openxmlformats.org/officeDocument/2006/relationships" xmlns:p="http://schemas.openxmlformats.org/presentationml/2006/main">
   <p:cSld>
@@ -2668,6 +3925,100 @@
           <a:bodyPr/>
           <a:lstStyle/>
           <a:p>
+            <a:r>
+              <a:rPr smtClean="0">
+                <a:latin typeface="Arial" pitchFamily="34" charset="0"/>
+                <a:cs typeface="Arial" pitchFamily="34" charset="0"/>
+              </a:rPr>
+              <a:t>INTRODUÇÃO</a:t>
+            </a:r>
+          </a:p>
+          <a:p>
+            <a:r>
+              <a:rPr smtClean="0">
+                <a:latin typeface="Arial" pitchFamily="34" charset="0"/>
+                <a:cs typeface="Arial" pitchFamily="34" charset="0"/>
+              </a:rPr>
+              <a:t>CLASSIFICAÇÃO DOS ITE'S</a:t>
+            </a:r>
+          </a:p>
+          <a:p>
+            <a:r>
+              <a:rPr smtClean="0">
+                <a:latin typeface="Arial" pitchFamily="34" charset="0"/>
+                <a:cs typeface="Arial" pitchFamily="34" charset="0"/>
+              </a:rPr>
+              <a:t>LIMITES PARA </a:t>
+            </a:r>
+            <a:r>
+              <a:rPr smtClean="0">
+                <a:latin typeface="Arial" pitchFamily="34" charset="0"/>
+                <a:cs typeface="Arial" pitchFamily="34" charset="0"/>
+              </a:rPr>
+              <a:t>PERTURBAÇÃO </a:t>
+            </a:r>
+            <a:r>
+              <a:rPr smtClean="0">
+                <a:latin typeface="Arial" pitchFamily="34" charset="0"/>
+                <a:cs typeface="Arial" pitchFamily="34" charset="0"/>
+              </a:rPr>
+              <a:t>CONDUZIDA</a:t>
+            </a:r>
+          </a:p>
+          <a:p>
+            <a:r>
+              <a:rPr smtClean="0">
+                <a:latin typeface="Arial" pitchFamily="34" charset="0"/>
+                <a:cs typeface="Arial" pitchFamily="34" charset="0"/>
+              </a:rPr>
+              <a:t>LIMITES PARA </a:t>
+            </a:r>
+            <a:r>
+              <a:rPr smtClean="0">
+                <a:latin typeface="Arial" pitchFamily="34" charset="0"/>
+                <a:cs typeface="Arial" pitchFamily="34" charset="0"/>
+              </a:rPr>
+              <a:t>PERTURBAÇÃO </a:t>
+            </a:r>
+            <a:r>
+              <a:rPr smtClean="0">
+                <a:latin typeface="Arial" pitchFamily="34" charset="0"/>
+                <a:cs typeface="Arial" pitchFamily="34" charset="0"/>
+              </a:rPr>
+              <a:t>IRRADIADA</a:t>
+            </a:r>
+          </a:p>
+          <a:p>
+            <a:r>
+              <a:rPr smtClean="0">
+                <a:latin typeface="Arial" pitchFamily="34" charset="0"/>
+                <a:cs typeface="Arial" pitchFamily="34" charset="0"/>
+              </a:rPr>
+              <a:t>CONDIÇÃO GERAL </a:t>
+            </a:r>
+            <a:r>
+              <a:rPr smtClean="0">
+                <a:latin typeface="Arial" pitchFamily="34" charset="0"/>
+                <a:cs typeface="Arial" pitchFamily="34" charset="0"/>
+              </a:rPr>
+              <a:t>DE </a:t>
+            </a:r>
+            <a:r>
+              <a:rPr smtClean="0">
+                <a:latin typeface="Arial" pitchFamily="34" charset="0"/>
+                <a:cs typeface="Arial" pitchFamily="34" charset="0"/>
+              </a:rPr>
+              <a:t>MEDIÇÃO</a:t>
+            </a:r>
+          </a:p>
+          <a:p>
+            <a:r>
+              <a:rPr smtClean="0">
+                <a:latin typeface="Arial" pitchFamily="34" charset="0"/>
+                <a:cs typeface="Arial" pitchFamily="34" charset="0"/>
+              </a:rPr>
+              <a:t>INCERTEZA DE MEDIÇÃO</a:t>
+            </a:r>
             <a:endParaRPr lang="pt-BR" dirty="0">
               <a:latin typeface="Arial" pitchFamily="34" charset="0"/>
               <a:cs typeface="Arial" pitchFamily="34" charset="0"/>
@@ -2748,115 +4099,150 @@
         </p:nvSpPr>
         <p:spPr/>
         <p:txBody>
-          <a:bodyPr>
-            <a:normAutofit fontScale="92500" lnSpcReduction="10000"/>
-          </a:bodyPr>
+          <a:bodyPr/>
           <a:lstStyle/>
           <a:p>
-            <a:pPr>
-              <a:lnSpc>
-                <a:spcPct val="150000"/>
-              </a:lnSpc>
-            </a:pPr>
-            <a:r>
-              <a:rPr lang="pt-BR" dirty="0" smtClean="0">
+            <a:r>
+              <a:rPr smtClean="0">
                 <a:latin typeface="Arial" pitchFamily="34" charset="0"/>
                 <a:cs typeface="Arial" pitchFamily="34" charset="0"/>
               </a:rPr>
-              <a:t>Classe B:</a:t>
-            </a:r>
-          </a:p>
-          <a:p>
-            <a:pPr lvl="1">
-              <a:lnSpc>
-                <a:spcPct val="150000"/>
-              </a:lnSpc>
-            </a:pPr>
-            <a:r>
-              <a:rPr lang="pt-BR" dirty="0" smtClean="0">
+              <a:t>O que é a CISPR 22?</a:t>
+            </a:r>
+          </a:p>
+          <a:p>
+            <a:pPr lvl="1"/>
+            <a:r>
+              <a:rPr smtClean="0">
                 <a:latin typeface="Arial" pitchFamily="34" charset="0"/>
                 <a:cs typeface="Arial" pitchFamily="34" charset="0"/>
               </a:rPr>
-              <a:t>Equipamentos destinados principalmente ao ambiente doméstico:</a:t>
-            </a:r>
-          </a:p>
-          <a:p>
-            <a:pPr lvl="2">
-              <a:lnSpc>
-                <a:spcPct val="150000"/>
-              </a:lnSpc>
-            </a:pPr>
-            <a:r>
-              <a:rPr lang="pt-BR" dirty="0" smtClean="0">
+              <a:t>É um padrão internacional aplicado aos equipamentos de TI </a:t>
+            </a:r>
+            <a:r>
+              <a:rPr i="1" smtClean="0">
                 <a:latin typeface="Arial" pitchFamily="34" charset="0"/>
                 <a:cs typeface="Arial" pitchFamily="34" charset="0"/>
               </a:rPr>
-              <a:t>Equipamentos portáteis.</a:t>
-            </a:r>
-          </a:p>
-          <a:p>
-            <a:pPr lvl="2">
-              <a:lnSpc>
-                <a:spcPct val="150000"/>
-              </a:lnSpc>
-            </a:pPr>
-            <a:r>
-              <a:rPr lang="pt-BR" dirty="0" smtClean="0">
+              <a:t>(Information Technology Equipment </a:t>
+            </a:r>
+            <a:r>
+              <a:rPr lang="pt-BR" i="1" dirty="0" smtClean="0">
                 <a:latin typeface="Arial" pitchFamily="34" charset="0"/>
                 <a:cs typeface="Arial" pitchFamily="34" charset="0"/>
               </a:rPr>
-              <a:t>Computadores pessoais.</a:t>
-            </a:r>
-          </a:p>
-          <a:p>
-            <a:pPr>
-              <a:lnSpc>
-                <a:spcPct val="150000"/>
-              </a:lnSpc>
-            </a:pPr>
-            <a:r>
-              <a:rPr lang="pt-BR" dirty="0" smtClean="0">
+              <a:t>–</a:t>
+            </a:r>
+            <a:r>
+              <a:rPr i="1" smtClean="0">
                 <a:latin typeface="Arial" pitchFamily="34" charset="0"/>
                 <a:cs typeface="Arial" pitchFamily="34" charset="0"/>
               </a:rPr>
-              <a:t>Classe A:</a:t>
-            </a:r>
-          </a:p>
-          <a:p>
-            <a:pPr lvl="1">
-              <a:lnSpc>
-                <a:spcPct val="150000"/>
-              </a:lnSpc>
-            </a:pPr>
-            <a:r>
-              <a:rPr lang="pt-BR" dirty="0" smtClean="0">
+              <a:t> ITE) </a:t>
+            </a:r>
+            <a:r>
+              <a:rPr smtClean="0">
                 <a:latin typeface="Arial" pitchFamily="34" charset="0"/>
                 <a:cs typeface="Arial" pitchFamily="34" charset="0"/>
               </a:rPr>
-              <a:t>Não satisfazem os limites de perturbação da classe B.</a:t>
-            </a:r>
-          </a:p>
-          <a:p>
-            <a:pPr lvl="1">
-              <a:lnSpc>
-                <a:spcPct val="150000"/>
-              </a:lnSpc>
-            </a:pPr>
-            <a:r>
-              <a:rPr lang="pt-BR" dirty="0" smtClean="0">
+              <a:t>para a medir seus níveis de perturbações.</a:t>
+            </a:r>
+          </a:p>
+          <a:p>
+            <a:r>
+              <a:rPr smtClean="0">
                 <a:latin typeface="Arial" pitchFamily="34" charset="0"/>
                 <a:cs typeface="Arial" pitchFamily="34" charset="0"/>
               </a:rPr>
-              <a:t>Não são restritos à venda, mas devem conter aviso indicando o modo de uso</a:t>
-            </a:r>
-            <a:r>
-              <a:rPr lang="pt-BR" dirty="0" smtClean="0">
+              <a:t>Quais são esses equipamentos?</a:t>
+            </a:r>
+          </a:p>
+          <a:p>
+            <a:pPr lvl="1"/>
+            <a:r>
+              <a:rPr smtClean="0">
+                <a:latin typeface="Arial" pitchFamily="34" charset="0"/>
+                <a:cs typeface="Arial" pitchFamily="34" charset="0"/>
+              </a:rPr>
+              <a:t>Função </a:t>
+            </a:r>
+            <a:r>
+              <a:rPr smtClean="0">
+                <a:latin typeface="Arial" pitchFamily="34" charset="0"/>
+                <a:cs typeface="Arial" pitchFamily="34" charset="0"/>
+              </a:rPr>
+              <a:t>primária:</a:t>
+            </a:r>
+          </a:p>
+          <a:p>
+            <a:pPr lvl="2"/>
+            <a:r>
+              <a:rPr smtClean="0">
+                <a:latin typeface="Arial" pitchFamily="34" charset="0"/>
+                <a:cs typeface="Arial" pitchFamily="34" charset="0"/>
+              </a:rPr>
+              <a:t>Armazenamento.</a:t>
+            </a:r>
+          </a:p>
+          <a:p>
+            <a:pPr lvl="2"/>
+            <a:r>
+              <a:rPr smtClean="0">
+                <a:latin typeface="Arial" pitchFamily="34" charset="0"/>
+                <a:cs typeface="Arial" pitchFamily="34" charset="0"/>
+              </a:rPr>
+              <a:t>Transmissão, troca ou controle de dados e de mensagens de </a:t>
+            </a:r>
+            <a:r>
+              <a:rPr smtClean="0">
+                <a:latin typeface="Arial" pitchFamily="34" charset="0"/>
+                <a:cs typeface="Arial" pitchFamily="34" charset="0"/>
+              </a:rPr>
+              <a:t>telecomunicação</a:t>
+            </a:r>
+            <a:r>
+              <a:rPr smtClean="0">
                 <a:latin typeface="Arial" pitchFamily="34" charset="0"/>
                 <a:cs typeface="Arial" pitchFamily="34" charset="0"/>
               </a:rPr>
               <a:t>.</a:t>
             </a:r>
-            <a:endParaRPr lang="pt-BR" dirty="0" smtClean="0">
+          </a:p>
+          <a:p>
+            <a:pPr lvl="1"/>
+            <a:r>
+              <a:rPr smtClean="0">
+                <a:latin typeface="Arial" pitchFamily="34" charset="0"/>
+                <a:cs typeface="Arial" pitchFamily="34" charset="0"/>
+              </a:rPr>
+              <a:t>Alimentação não excede 600V.</a:t>
+            </a:r>
+            <a:endParaRPr smtClean="0">
+              <a:latin typeface="Arial" pitchFamily="34" charset="0"/>
+              <a:cs typeface="Arial" pitchFamily="34" charset="0"/>
+            </a:endParaRPr>
+          </a:p>
+          <a:p>
+            <a:pPr>
+              <a:buNone/>
+            </a:pPr>
+            <a:endParaRPr smtClean="0">
+              <a:latin typeface="Arial" pitchFamily="34" charset="0"/>
+              <a:cs typeface="Arial" pitchFamily="34" charset="0"/>
+            </a:endParaRPr>
+          </a:p>
+          <a:p>
+            <a:pPr lvl="2"/>
+            <a:endParaRPr smtClean="0">
+              <a:latin typeface="Arial" pitchFamily="34" charset="0"/>
+              <a:cs typeface="Arial" pitchFamily="34" charset="0"/>
+            </a:endParaRPr>
+          </a:p>
+          <a:p>
+            <a:pPr>
+              <a:buNone/>
+            </a:pPr>
+            <a:endParaRPr lang="pt-BR" dirty="0">
               <a:latin typeface="Arial" pitchFamily="34" charset="0"/>
               <a:cs typeface="Arial" pitchFamily="34" charset="0"/>
             </a:endParaRPr>
@@ -2875,9 +4261,7 @@
         </p:nvSpPr>
         <p:spPr/>
         <p:txBody>
-          <a:bodyPr>
-            <a:normAutofit fontScale="90000"/>
-          </a:bodyPr>
+          <a:bodyPr/>
           <a:lstStyle/>
           <a:p>
             <a:r>
@@ -2885,7 +4269,7 @@
                 <a:latin typeface="Arial" pitchFamily="34" charset="0"/>
                 <a:cs typeface="Arial" pitchFamily="34" charset="0"/>
               </a:rPr>
-              <a:t>CLASSIFICAÇÃO DOS EQUIPAMENTOS DE INFORMÁTICA</a:t>
+              <a:t>INTRODUÇÃO</a:t>
             </a:r>
             <a:endParaRPr lang="pt-BR" dirty="0">
               <a:latin typeface="Arial" pitchFamily="34" charset="0"/>
@@ -2902,7 +4286,281 @@
   <p:timing>
     <p:tnLst>
       <p:par>
-        <p:cTn id="1" dur="indefinite" restart="never" nodeType="tmRoot"/>
+        <p:cTn id="1" dur="indefinite" restart="never" nodeType="tmRoot">
+          <p:childTnLst>
+            <p:seq concurrent="1" nextAc="seek">
+              <p:cTn id="2" dur="indefinite" nodeType="mainSeq">
+                <p:childTnLst>
+                  <p:par>
+                    <p:cTn id="3" fill="hold">
+                      <p:stCondLst>
+                        <p:cond delay="indefinite"/>
+                      </p:stCondLst>
+                      <p:childTnLst>
+                        <p:par>
+                          <p:cTn id="4" fill="hold">
+                            <p:stCondLst>
+                              <p:cond delay="0"/>
+                            </p:stCondLst>
+                            <p:childTnLst>
+                              <p:par>
+                                <p:cTn id="5" presetID="4" presetClass="entr" presetSubtype="16" fill="hold" nodeType="clickEffect">
+                                  <p:stCondLst>
+                                    <p:cond delay="0"/>
+                                  </p:stCondLst>
+                                  <p:childTnLst>
+                                    <p:set>
+                                      <p:cBhvr>
+                                        <p:cTn id="6" dur="1" fill="hold">
+                                          <p:stCondLst>
+                                            <p:cond delay="0"/>
+                                          </p:stCondLst>
+                                        </p:cTn>
+                                        <p:tgtEl>
+                                          <p:spTgt spid="2">
+                                            <p:txEl>
+                                              <p:pRg st="2" end="2"/>
+                                            </p:txEl>
+                                          </p:spTgt>
+                                        </p:tgtEl>
+                                        <p:attrNameLst>
+                                          <p:attrName>style.visibility</p:attrName>
+                                        </p:attrNameLst>
+                                      </p:cBhvr>
+                                      <p:to>
+                                        <p:strVal val="visible"/>
+                                      </p:to>
+                                    </p:set>
+                                    <p:animEffect transition="in" filter="box(in)">
+                                      <p:cBhvr>
+                                        <p:cTn id="7" dur="500"/>
+                                        <p:tgtEl>
+                                          <p:spTgt spid="2">
+                                            <p:txEl>
+                                              <p:pRg st="2" end="2"/>
+                                            </p:txEl>
+                                          </p:spTgt>
+                                        </p:tgtEl>
+                                      </p:cBhvr>
+                                    </p:animEffect>
+                                  </p:childTnLst>
+                                </p:cTn>
+                              </p:par>
+                            </p:childTnLst>
+                          </p:cTn>
+                        </p:par>
+                      </p:childTnLst>
+                    </p:cTn>
+                  </p:par>
+                  <p:par>
+                    <p:cTn id="8" fill="hold">
+                      <p:stCondLst>
+                        <p:cond delay="indefinite"/>
+                      </p:stCondLst>
+                      <p:childTnLst>
+                        <p:par>
+                          <p:cTn id="9" fill="hold">
+                            <p:stCondLst>
+                              <p:cond delay="0"/>
+                            </p:stCondLst>
+                            <p:childTnLst>
+                              <p:par>
+                                <p:cTn id="10" presetID="4" presetClass="entr" presetSubtype="16" fill="hold" nodeType="clickEffect">
+                                  <p:stCondLst>
+                                    <p:cond delay="0"/>
+                                  </p:stCondLst>
+                                  <p:childTnLst>
+                                    <p:set>
+                                      <p:cBhvr>
+                                        <p:cTn id="11" dur="1" fill="hold">
+                                          <p:stCondLst>
+                                            <p:cond delay="0"/>
+                                          </p:stCondLst>
+                                        </p:cTn>
+                                        <p:tgtEl>
+                                          <p:spTgt spid="2">
+                                            <p:txEl>
+                                              <p:pRg st="3" end="3"/>
+                                            </p:txEl>
+                                          </p:spTgt>
+                                        </p:tgtEl>
+                                        <p:attrNameLst>
+                                          <p:attrName>style.visibility</p:attrName>
+                                        </p:attrNameLst>
+                                      </p:cBhvr>
+                                      <p:to>
+                                        <p:strVal val="visible"/>
+                                      </p:to>
+                                    </p:set>
+                                    <p:animEffect transition="in" filter="box(in)">
+                                      <p:cBhvr>
+                                        <p:cTn id="12" dur="500"/>
+                                        <p:tgtEl>
+                                          <p:spTgt spid="2">
+                                            <p:txEl>
+                                              <p:pRg st="3" end="3"/>
+                                            </p:txEl>
+                                          </p:spTgt>
+                                        </p:tgtEl>
+                                      </p:cBhvr>
+                                    </p:animEffect>
+                                  </p:childTnLst>
+                                </p:cTn>
+                              </p:par>
+                              <p:par>
+                                <p:cTn id="13" presetID="4" presetClass="entr" presetSubtype="16" fill="hold" nodeType="withEffect">
+                                  <p:stCondLst>
+                                    <p:cond delay="0"/>
+                                  </p:stCondLst>
+                                  <p:childTnLst>
+                                    <p:set>
+                                      <p:cBhvr>
+                                        <p:cTn id="14" dur="1" fill="hold">
+                                          <p:stCondLst>
+                                            <p:cond delay="0"/>
+                                          </p:stCondLst>
+                                        </p:cTn>
+                                        <p:tgtEl>
+                                          <p:spTgt spid="2">
+                                            <p:txEl>
+                                              <p:pRg st="4" end="4"/>
+                                            </p:txEl>
+                                          </p:spTgt>
+                                        </p:tgtEl>
+                                        <p:attrNameLst>
+                                          <p:attrName>style.visibility</p:attrName>
+                                        </p:attrNameLst>
+                                      </p:cBhvr>
+                                      <p:to>
+                                        <p:strVal val="visible"/>
+                                      </p:to>
+                                    </p:set>
+                                    <p:animEffect transition="in" filter="box(in)">
+                                      <p:cBhvr>
+                                        <p:cTn id="15" dur="500"/>
+                                        <p:tgtEl>
+                                          <p:spTgt spid="2">
+                                            <p:txEl>
+                                              <p:pRg st="4" end="4"/>
+                                            </p:txEl>
+                                          </p:spTgt>
+                                        </p:tgtEl>
+                                      </p:cBhvr>
+                                    </p:animEffect>
+                                  </p:childTnLst>
+                                </p:cTn>
+                              </p:par>
+                              <p:par>
+                                <p:cTn id="16" presetID="4" presetClass="entr" presetSubtype="16" fill="hold" nodeType="withEffect">
+                                  <p:stCondLst>
+                                    <p:cond delay="0"/>
+                                  </p:stCondLst>
+                                  <p:childTnLst>
+                                    <p:set>
+                                      <p:cBhvr>
+                                        <p:cTn id="17" dur="1" fill="hold">
+                                          <p:stCondLst>
+                                            <p:cond delay="0"/>
+                                          </p:stCondLst>
+                                        </p:cTn>
+                                        <p:tgtEl>
+                                          <p:spTgt spid="2">
+                                            <p:txEl>
+                                              <p:pRg st="5" end="5"/>
+                                            </p:txEl>
+                                          </p:spTgt>
+                                        </p:tgtEl>
+                                        <p:attrNameLst>
+                                          <p:attrName>style.visibility</p:attrName>
+                                        </p:attrNameLst>
+                                      </p:cBhvr>
+                                      <p:to>
+                                        <p:strVal val="visible"/>
+                                      </p:to>
+                                    </p:set>
+                                    <p:animEffect transition="in" filter="box(in)">
+                                      <p:cBhvr>
+                                        <p:cTn id="18" dur="500"/>
+                                        <p:tgtEl>
+                                          <p:spTgt spid="2">
+                                            <p:txEl>
+                                              <p:pRg st="5" end="5"/>
+                                            </p:txEl>
+                                          </p:spTgt>
+                                        </p:tgtEl>
+                                      </p:cBhvr>
+                                    </p:animEffect>
+                                  </p:childTnLst>
+                                </p:cTn>
+                              </p:par>
+                              <p:par>
+                                <p:cTn id="19" presetID="4" presetClass="entr" presetSubtype="16" fill="hold" nodeType="withEffect">
+                                  <p:stCondLst>
+                                    <p:cond delay="0"/>
+                                  </p:stCondLst>
+                                  <p:childTnLst>
+                                    <p:set>
+                                      <p:cBhvr>
+                                        <p:cTn id="20" dur="1" fill="hold">
+                                          <p:stCondLst>
+                                            <p:cond delay="0"/>
+                                          </p:stCondLst>
+                                        </p:cTn>
+                                        <p:tgtEl>
+                                          <p:spTgt spid="2">
+                                            <p:txEl>
+                                              <p:pRg st="6" end="6"/>
+                                            </p:txEl>
+                                          </p:spTgt>
+                                        </p:tgtEl>
+                                        <p:attrNameLst>
+                                          <p:attrName>style.visibility</p:attrName>
+                                        </p:attrNameLst>
+                                      </p:cBhvr>
+                                      <p:to>
+                                        <p:strVal val="visible"/>
+                                      </p:to>
+                                    </p:set>
+                                    <p:animEffect transition="in" filter="box(in)">
+                                      <p:cBhvr>
+                                        <p:cTn id="21" dur="500"/>
+                                        <p:tgtEl>
+                                          <p:spTgt spid="2">
+                                            <p:txEl>
+                                              <p:pRg st="6" end="6"/>
+                                            </p:txEl>
+                                          </p:spTgt>
+                                        </p:tgtEl>
+                                      </p:cBhvr>
+                                    </p:animEffect>
+                                  </p:childTnLst>
+                                </p:cTn>
+                              </p:par>
+                            </p:childTnLst>
+                          </p:cTn>
+                        </p:par>
+                      </p:childTnLst>
+                    </p:cTn>
+                  </p:par>
+                </p:childTnLst>
+              </p:cTn>
+              <p:prevCondLst>
+                <p:cond evt="onPrev" delay="0">
+                  <p:tgtEl>
+                    <p:sldTgt/>
+                  </p:tgtEl>
+                </p:cond>
+              </p:prevCondLst>
+              <p:nextCondLst>
+                <p:cond evt="onNext" delay="0">
+                  <p:tgtEl>
+                    <p:sldTgt/>
+                  </p:tgtEl>
+                </p:cond>
+              </p:nextCondLst>
+            </p:seq>
+          </p:childTnLst>
+        </p:cTn>
       </p:par>
     </p:tnLst>
   </p:timing>
@@ -2938,9 +4596,72 @@
         </p:nvSpPr>
         <p:spPr/>
         <p:txBody>
-          <a:bodyPr/>
+          <a:bodyPr>
+            <a:normAutofit fontScale="92500" lnSpcReduction="10000"/>
+          </a:bodyPr>
           <a:lstStyle/>
           <a:p>
+            <a:pPr>
+              <a:lnSpc>
+                <a:spcPct val="150000"/>
+              </a:lnSpc>
+            </a:pPr>
+            <a:r>
+              <a:rPr lang="pt-BR" dirty="0" smtClean="0">
+                <a:latin typeface="Arial" pitchFamily="34" charset="0"/>
+                <a:cs typeface="Arial" pitchFamily="34" charset="0"/>
+              </a:rPr>
+              <a:t>Classe B:</a:t>
+            </a:r>
+          </a:p>
+          <a:p>
+            <a:pPr lvl="1">
+              <a:lnSpc>
+                <a:spcPct val="150000"/>
+              </a:lnSpc>
+            </a:pPr>
+            <a:r>
+              <a:rPr lang="pt-BR" dirty="0" smtClean="0">
+                <a:latin typeface="Arial" pitchFamily="34" charset="0"/>
+                <a:cs typeface="Arial" pitchFamily="34" charset="0"/>
+              </a:rPr>
+              <a:t>Equipamentos destinados principalmente ao ambiente doméstico:</a:t>
+            </a:r>
+          </a:p>
+          <a:p>
+            <a:pPr lvl="2">
+              <a:lnSpc>
+                <a:spcPct val="150000"/>
+              </a:lnSpc>
+            </a:pPr>
+            <a:r>
+              <a:rPr lang="pt-BR" dirty="0" smtClean="0">
+                <a:latin typeface="Arial" pitchFamily="34" charset="0"/>
+                <a:cs typeface="Arial" pitchFamily="34" charset="0"/>
+              </a:rPr>
+              <a:t>Equipamentos portáteis.</a:t>
+            </a:r>
+          </a:p>
+          <a:p>
+            <a:pPr lvl="2">
+              <a:lnSpc>
+                <a:spcPct val="150000"/>
+              </a:lnSpc>
+            </a:pPr>
+            <a:r>
+              <a:rPr lang="pt-BR" dirty="0" smtClean="0">
+                <a:latin typeface="Arial" pitchFamily="34" charset="0"/>
+                <a:cs typeface="Arial" pitchFamily="34" charset="0"/>
+              </a:rPr>
+              <a:t>Computadores pessoais.</a:t>
+            </a:r>
+          </a:p>
+          <a:p>
+            <a:pPr>
+              <a:lnSpc>
+                <a:spcPct val="150000"/>
+              </a:lnSpc>
+            </a:pPr>
             <a:r>
               <a:rPr lang="pt-BR" dirty="0" smtClean="0">
                 <a:latin typeface="Arial" pitchFamily="34" charset="0"/>
@@ -2948,10 +4669,136 @@
               </a:rPr>
               <a:t>Classe A:</a:t>
             </a:r>
-            <a:endParaRPr lang="pt-BR" dirty="0" smtClean="0">
+          </a:p>
+          <a:p>
+            <a:pPr lvl="1">
+              <a:lnSpc>
+                <a:spcPct val="150000"/>
+              </a:lnSpc>
+            </a:pPr>
+            <a:r>
+              <a:rPr lang="pt-BR" dirty="0" smtClean="0">
+                <a:latin typeface="Arial" pitchFamily="34" charset="0"/>
+                <a:cs typeface="Arial" pitchFamily="34" charset="0"/>
+              </a:rPr>
+              <a:t>Não satisfazem os limites de perturbação da classe B.</a:t>
+            </a:r>
+          </a:p>
+          <a:p>
+            <a:pPr lvl="1">
+              <a:lnSpc>
+                <a:spcPct val="150000"/>
+              </a:lnSpc>
+            </a:pPr>
+            <a:r>
+              <a:rPr lang="pt-BR" dirty="0" smtClean="0">
+                <a:latin typeface="Arial" pitchFamily="34" charset="0"/>
+                <a:cs typeface="Arial" pitchFamily="34" charset="0"/>
+              </a:rPr>
+              <a:t>Não são restritos à venda, mas devem conter aviso indicando o modo de uso.</a:t>
+            </a:r>
+          </a:p>
+        </p:txBody>
+      </p:sp>
+      <p:sp>
+        <p:nvSpPr>
+          <p:cNvPr id="3" name="Título 2"/>
+          <p:cNvSpPr>
+            <a:spLocks noGrp="1"/>
+          </p:cNvSpPr>
+          <p:nvPr>
+            <p:ph type="title"/>
+          </p:nvPr>
+        </p:nvSpPr>
+        <p:spPr/>
+        <p:txBody>
+          <a:bodyPr>
+            <a:normAutofit/>
+          </a:bodyPr>
+          <a:lstStyle/>
+          <a:p>
+            <a:r>
+              <a:rPr lang="pt-BR" dirty="0" smtClean="0">
+                <a:latin typeface="Arial" pitchFamily="34" charset="0"/>
+                <a:cs typeface="Arial" pitchFamily="34" charset="0"/>
+              </a:rPr>
+              <a:t>CLASSIFICAÇÃO </a:t>
+            </a:r>
+            <a:r>
+              <a:rPr lang="pt-BR" dirty="0" smtClean="0">
+                <a:latin typeface="Arial" pitchFamily="34" charset="0"/>
+                <a:cs typeface="Arial" pitchFamily="34" charset="0"/>
+              </a:rPr>
+              <a:t>DOS </a:t>
+            </a:r>
+            <a:r>
+              <a:rPr lang="pt-BR" dirty="0" err="1" smtClean="0">
+                <a:latin typeface="Arial" pitchFamily="34" charset="0"/>
+                <a:cs typeface="Arial" pitchFamily="34" charset="0"/>
+              </a:rPr>
+              <a:t>ITE’S</a:t>
+            </a:r>
+            <a:endParaRPr lang="pt-BR" dirty="0">
               <a:latin typeface="Arial" pitchFamily="34" charset="0"/>
               <a:cs typeface="Arial" pitchFamily="34" charset="0"/>
             </a:endParaRPr>
+          </a:p>
+        </p:txBody>
+      </p:sp>
+    </p:spTree>
+  </p:cSld>
+  <p:clrMapOvr>
+    <a:masterClrMapping/>
+  </p:clrMapOvr>
+  <p:timing>
+    <p:tnLst>
+      <p:par>
+        <p:cTn id="1" dur="indefinite" restart="never" nodeType="tmRoot"/>
+      </p:par>
+    </p:tnLst>
+  </p:timing>
+</p:sld>
+</file>
+
+<file path=ppt/slides/slide5.xml><?xml version="1.0" encoding="utf-8"?>
+<p:sld xmlns:a="http://schemas.openxmlformats.org/drawingml/2006/main" xmlns:r="http://schemas.openxmlformats.org/officeDocument/2006/relationships" xmlns:p="http://schemas.openxmlformats.org/presentationml/2006/main">
+  <p:cSld>
+    <p:spTree>
+      <p:nvGrpSpPr>
+        <p:cNvPr id="1" name=""/>
+        <p:cNvGrpSpPr/>
+        <p:nvPr/>
+      </p:nvGrpSpPr>
+      <p:grpSpPr>
+        <a:xfrm>
+          <a:off x="0" y="0"/>
+          <a:ext cx="0" cy="0"/>
+          <a:chOff x="0" y="0"/>
+          <a:chExt cx="0" cy="0"/>
+        </a:xfrm>
+      </p:grpSpPr>
+      <p:sp>
+        <p:nvSpPr>
+          <p:cNvPr id="2" name="Espaço Reservado para Texto 1"/>
+          <p:cNvSpPr>
+            <a:spLocks noGrp="1"/>
+          </p:cNvSpPr>
+          <p:nvPr>
+            <p:ph type="body" idx="1"/>
+          </p:nvPr>
+        </p:nvSpPr>
+        <p:spPr/>
+        <p:txBody>
+          <a:bodyPr/>
+          <a:lstStyle/>
+          <a:p>
+            <a:r>
+              <a:rPr lang="pt-BR" dirty="0" smtClean="0">
+                <a:latin typeface="Arial" pitchFamily="34" charset="0"/>
+                <a:cs typeface="Arial" pitchFamily="34" charset="0"/>
+              </a:rPr>
+              <a:t>Classe A:</a:t>
+            </a:r>
           </a:p>
         </p:txBody>
       </p:sp>
@@ -4378,1612 +6225,6 @@
                           <a:cs typeface="Arial" pitchFamily="34" charset="0"/>
                         </a:rPr>
                         <a:t>30</a:t>
-                      </a:r>
-                      <a:endParaRPr lang="pt-BR" dirty="0">
-                        <a:latin typeface="Arial" pitchFamily="34" charset="0"/>
-                        <a:cs typeface="Arial" pitchFamily="34" charset="0"/>
-                      </a:endParaRPr>
-                    </a:p>
-                  </a:txBody>
-                  <a:tcPr anchor="ctr"/>
-                </a:tc>
-              </a:tr>
-            </a:tbl>
-          </a:graphicData>
-        </a:graphic>
-      </p:graphicFrame>
-    </p:spTree>
-  </p:cSld>
-  <p:clrMapOvr>
-    <a:masterClrMapping/>
-  </p:clrMapOvr>
-  <p:timing>
-    <p:tnLst>
-      <p:par>
-        <p:cTn id="1" dur="indefinite" restart="never" nodeType="tmRoot"/>
-      </p:par>
-    </p:tnLst>
-  </p:timing>
-</p:sld>
-</file>
-
-<file path=ppt/slides/slide5.xml><?xml version="1.0" encoding="utf-8"?>
-<p:sld xmlns:a="http://schemas.openxmlformats.org/drawingml/2006/main" xmlns:r="http://schemas.openxmlformats.org/officeDocument/2006/relationships" xmlns:p="http://schemas.openxmlformats.org/presentationml/2006/main">
-  <p:cSld>
-    <p:spTree>
-      <p:nvGrpSpPr>
-        <p:cNvPr id="1" name=""/>
-        <p:cNvGrpSpPr/>
-        <p:nvPr/>
-      </p:nvGrpSpPr>
-      <p:grpSpPr>
-        <a:xfrm>
-          <a:off x="0" y="0"/>
-          <a:ext cx="0" cy="0"/>
-          <a:chOff x="0" y="0"/>
-          <a:chExt cx="0" cy="0"/>
-        </a:xfrm>
-      </p:grpSpPr>
-      <p:sp>
-        <p:nvSpPr>
-          <p:cNvPr id="2" name="Espaço Reservado para Texto 1"/>
-          <p:cNvSpPr>
-            <a:spLocks noGrp="1"/>
-          </p:cNvSpPr>
-          <p:nvPr>
-            <p:ph type="body" idx="1"/>
-          </p:nvPr>
-        </p:nvSpPr>
-        <p:spPr/>
-        <p:txBody>
-          <a:bodyPr/>
-          <a:lstStyle/>
-          <a:p>
-            <a:r>
-              <a:rPr lang="pt-BR" dirty="0" smtClean="0">
-                <a:latin typeface="Arial" pitchFamily="34" charset="0"/>
-                <a:cs typeface="Arial" pitchFamily="34" charset="0"/>
-              </a:rPr>
-              <a:t>Classe B:</a:t>
-            </a:r>
-            <a:endParaRPr lang="pt-BR" dirty="0" smtClean="0">
-              <a:latin typeface="Arial" pitchFamily="34" charset="0"/>
-              <a:cs typeface="Arial" pitchFamily="34" charset="0"/>
-            </a:endParaRPr>
-          </a:p>
-        </p:txBody>
-      </p:sp>
-      <p:sp>
-        <p:nvSpPr>
-          <p:cNvPr id="3" name="Título 2"/>
-          <p:cNvSpPr>
-            <a:spLocks noGrp="1"/>
-          </p:cNvSpPr>
-          <p:nvPr>
-            <p:ph type="title"/>
-          </p:nvPr>
-        </p:nvSpPr>
-        <p:spPr/>
-        <p:txBody>
-          <a:bodyPr>
-            <a:normAutofit fontScale="90000"/>
-          </a:bodyPr>
-          <a:lstStyle/>
-          <a:p>
-            <a:r>
-              <a:rPr lang="pt-BR" dirty="0" smtClean="0">
-                <a:latin typeface="Arial" pitchFamily="34" charset="0"/>
-                <a:cs typeface="Arial" pitchFamily="34" charset="0"/>
-              </a:rPr>
-              <a:t>LIMITES PARA PERTURBAÇÃO CONDUZIDA</a:t>
-            </a:r>
-            <a:endParaRPr lang="pt-BR" dirty="0">
-              <a:latin typeface="Arial" pitchFamily="34" charset="0"/>
-              <a:cs typeface="Arial" pitchFamily="34" charset="0"/>
-            </a:endParaRPr>
-          </a:p>
-        </p:txBody>
-      </p:sp>
-      <p:graphicFrame>
-        <p:nvGraphicFramePr>
-          <p:cNvPr id="4" name="Tabela 3"/>
-          <p:cNvGraphicFramePr>
-            <a:graphicFrameLocks noGrp="1"/>
-          </p:cNvGraphicFramePr>
-          <p:nvPr/>
-        </p:nvGraphicFramePr>
-        <p:xfrm>
-          <a:off x="1475656" y="2420888"/>
-          <a:ext cx="6096000" cy="1854200"/>
-        </p:xfrm>
-        <a:graphic>
-          <a:graphicData uri="http://schemas.openxmlformats.org/drawingml/2006/table">
-            <a:tbl>
-              <a:tblPr firstRow="1" bandRow="1">
-                <a:effectLst/>
-              </a:tblPr>
-              <a:tblGrid>
-                <a:gridCol w="2032000"/>
-                <a:gridCol w="2032000"/>
-                <a:gridCol w="2032000"/>
-              </a:tblGrid>
-              <a:tr h="370840">
-                <a:tc rowSpan="2">
-                  <a:txBody>
-                    <a:bodyPr/>
-                    <a:lstStyle/>
-                    <a:p>
-                      <a:pPr algn="ctr"/>
-                      <a:r>
-                        <a:rPr lang="pt-BR" dirty="0" smtClean="0">
-                          <a:latin typeface="Arial" pitchFamily="34" charset="0"/>
-                          <a:cs typeface="Arial" pitchFamily="34" charset="0"/>
-                        </a:rPr>
-                        <a:t>Faixa</a:t>
-                      </a:r>
-                      <a:r>
-                        <a:rPr lang="pt-BR" baseline="0" dirty="0" smtClean="0">
-                          <a:latin typeface="Arial" pitchFamily="34" charset="0"/>
-                          <a:cs typeface="Arial" pitchFamily="34" charset="0"/>
-                        </a:rPr>
-                        <a:t> de frequência (MHz)</a:t>
-                      </a:r>
-                      <a:endParaRPr lang="pt-BR" dirty="0">
-                        <a:latin typeface="Arial" pitchFamily="34" charset="0"/>
-                        <a:cs typeface="Arial" pitchFamily="34" charset="0"/>
-                      </a:endParaRPr>
-                    </a:p>
-                  </a:txBody>
-                  <a:tcPr anchor="ctr">
-                    <a:lnL w="12700" cap="flat" cmpd="sng" algn="ctr">
-                      <a:solidFill>
-                        <a:schemeClr val="tx1"/>
-                      </a:solidFill>
-                      <a:prstDash val="solid"/>
-                      <a:round/>
-                      <a:headEnd type="none" w="med" len="med"/>
-                      <a:tailEnd type="none" w="med" len="med"/>
-                    </a:lnL>
-                    <a:lnR w="12700" cap="flat" cmpd="sng" algn="ctr">
-                      <a:solidFill>
-                        <a:schemeClr val="tx1"/>
-                      </a:solidFill>
-                      <a:prstDash val="solid"/>
-                      <a:round/>
-                      <a:headEnd type="none" w="med" len="med"/>
-                      <a:tailEnd type="none" w="med" len="med"/>
-                    </a:lnR>
-                    <a:lnT w="12700" cap="flat" cmpd="sng" algn="ctr">
-                      <a:solidFill>
-                        <a:schemeClr val="tx1"/>
-                      </a:solidFill>
-                      <a:prstDash val="solid"/>
-                      <a:round/>
-                      <a:headEnd type="none" w="med" len="med"/>
-                      <a:tailEnd type="none" w="med" len="med"/>
-                    </a:lnT>
-                    <a:lnB w="12700" cap="flat" cmpd="sng" algn="ctr">
-                      <a:solidFill>
-                        <a:schemeClr val="tx1"/>
-                      </a:solidFill>
-                      <a:prstDash val="solid"/>
-                      <a:round/>
-                      <a:headEnd type="none" w="med" len="med"/>
-                      <a:tailEnd type="none" w="med" len="med"/>
-                    </a:lnB>
-                    <a:lnTlToBr w="12700" cmpd="sng">
-                      <a:noFill/>
-                      <a:prstDash val="solid"/>
-                    </a:lnTlToBr>
-                    <a:lnBlToTr w="12700" cmpd="sng">
-                      <a:noFill/>
-                      <a:prstDash val="solid"/>
-                    </a:lnBlToTr>
-                  </a:tcPr>
-                </a:tc>
-                <a:tc gridSpan="2">
-                  <a:txBody>
-                    <a:bodyPr/>
-                    <a:lstStyle/>
-                    <a:p>
-                      <a:pPr algn="ctr"/>
-                      <a:r>
-                        <a:rPr lang="pt-BR" dirty="0" smtClean="0">
-                          <a:latin typeface="Arial" pitchFamily="34" charset="0"/>
-                          <a:cs typeface="Arial" pitchFamily="34" charset="0"/>
-                        </a:rPr>
-                        <a:t>Limites dB(</a:t>
-                      </a:r>
-                      <a:r>
-                        <a:rPr lang="pt-BR" dirty="0" err="1" smtClean="0">
-                          <a:latin typeface="Arial" pitchFamily="34" charset="0"/>
-                          <a:cs typeface="Arial" pitchFamily="34" charset="0"/>
-                        </a:rPr>
-                        <a:t>µV</a:t>
-                      </a:r>
-                      <a:r>
-                        <a:rPr lang="pt-BR" dirty="0" smtClean="0">
-                          <a:latin typeface="Arial" pitchFamily="34" charset="0"/>
-                          <a:cs typeface="Arial" pitchFamily="34" charset="0"/>
-                        </a:rPr>
-                        <a:t>)</a:t>
-                      </a:r>
-                      <a:endParaRPr lang="pt-BR" dirty="0">
-                        <a:latin typeface="Arial" pitchFamily="34" charset="0"/>
-                        <a:cs typeface="Arial" pitchFamily="34" charset="0"/>
-                      </a:endParaRPr>
-                    </a:p>
-                  </a:txBody>
-                  <a:tcPr anchor="ctr">
-                    <a:lnL w="12700" cap="flat" cmpd="sng" algn="ctr">
-                      <a:solidFill>
-                        <a:schemeClr val="tx1"/>
-                      </a:solidFill>
-                      <a:prstDash val="solid"/>
-                      <a:round/>
-                      <a:headEnd type="none" w="med" len="med"/>
-                      <a:tailEnd type="none" w="med" len="med"/>
-                    </a:lnL>
-                    <a:lnR w="12700" cap="flat" cmpd="sng" algn="ctr">
-                      <a:solidFill>
-                        <a:schemeClr val="tx1"/>
-                      </a:solidFill>
-                      <a:prstDash val="solid"/>
-                      <a:round/>
-                      <a:headEnd type="none" w="med" len="med"/>
-                      <a:tailEnd type="none" w="med" len="med"/>
-                    </a:lnR>
-                    <a:lnT w="12700" cap="flat" cmpd="sng" algn="ctr">
-                      <a:solidFill>
-                        <a:schemeClr val="tx1"/>
-                      </a:solidFill>
-                      <a:prstDash val="solid"/>
-                      <a:round/>
-                      <a:headEnd type="none" w="med" len="med"/>
-                      <a:tailEnd type="none" w="med" len="med"/>
-                    </a:lnT>
-                    <a:lnB w="12700" cap="flat" cmpd="sng" algn="ctr">
-                      <a:solidFill>
-                        <a:schemeClr val="tx1"/>
-                      </a:solidFill>
-                      <a:prstDash val="solid"/>
-                      <a:round/>
-                      <a:headEnd type="none" w="med" len="med"/>
-                      <a:tailEnd type="none" w="med" len="med"/>
-                    </a:lnB>
-                    <a:lnTlToBr w="12700" cmpd="sng">
-                      <a:noFill/>
-                      <a:prstDash val="solid"/>
-                    </a:lnTlToBr>
-                    <a:lnBlToTr w="12700" cmpd="sng">
-                      <a:noFill/>
-                      <a:prstDash val="solid"/>
-                    </a:lnBlToTr>
-                  </a:tcPr>
-                </a:tc>
-                <a:tc hMerge="1">
-                  <a:txBody>
-                    <a:bodyPr/>
-                    <a:lstStyle/>
-                    <a:p>
-                      <a:endParaRPr lang="pt-BR" dirty="0"/>
-                    </a:p>
-                  </a:txBody>
-                  <a:tcPr/>
-                </a:tc>
-              </a:tr>
-              <a:tr h="370840">
-                <a:tc vMerge="1">
-                  <a:txBody>
-                    <a:bodyPr/>
-                    <a:lstStyle/>
-                    <a:p>
-                      <a:endParaRPr lang="pt-BR"/>
-                    </a:p>
-                  </a:txBody>
-                  <a:tcPr/>
-                </a:tc>
-                <a:tc>
-                  <a:txBody>
-                    <a:bodyPr/>
-                    <a:lstStyle/>
-                    <a:p>
-                      <a:pPr algn="ctr"/>
-                      <a:r>
-                        <a:rPr lang="pt-BR" dirty="0" smtClean="0">
-                          <a:latin typeface="Arial" pitchFamily="34" charset="0"/>
-                          <a:cs typeface="Arial" pitchFamily="34" charset="0"/>
-                        </a:rPr>
-                        <a:t>Quase - pico</a:t>
-                      </a:r>
-                      <a:endParaRPr lang="pt-BR" dirty="0">
-                        <a:latin typeface="Arial" pitchFamily="34" charset="0"/>
-                        <a:cs typeface="Arial" pitchFamily="34" charset="0"/>
-                      </a:endParaRPr>
-                    </a:p>
-                  </a:txBody>
-                  <a:tcPr anchor="ctr">
-                    <a:lnL w="12700" cap="flat" cmpd="sng" algn="ctr">
-                      <a:solidFill>
-                        <a:schemeClr val="tx1"/>
-                      </a:solidFill>
-                      <a:prstDash val="solid"/>
-                      <a:round/>
-                      <a:headEnd type="none" w="med" len="med"/>
-                      <a:tailEnd type="none" w="med" len="med"/>
-                    </a:lnL>
-                    <a:lnR w="12700" cap="flat" cmpd="sng" algn="ctr">
-                      <a:solidFill>
-                        <a:schemeClr val="tx1"/>
-                      </a:solidFill>
-                      <a:prstDash val="solid"/>
-                      <a:round/>
-                      <a:headEnd type="none" w="med" len="med"/>
-                      <a:tailEnd type="none" w="med" len="med"/>
-                    </a:lnR>
-                    <a:lnT w="12700" cap="flat" cmpd="sng" algn="ctr">
-                      <a:solidFill>
-                        <a:schemeClr val="tx1"/>
-                      </a:solidFill>
-                      <a:prstDash val="solid"/>
-                      <a:round/>
-                      <a:headEnd type="none" w="med" len="med"/>
-                      <a:tailEnd type="none" w="med" len="med"/>
-                    </a:lnT>
-                    <a:lnB w="12700" cap="flat" cmpd="sng" algn="ctr">
-                      <a:solidFill>
-                        <a:schemeClr val="tx1"/>
-                      </a:solidFill>
-                      <a:prstDash val="solid"/>
-                      <a:round/>
-                      <a:headEnd type="none" w="med" len="med"/>
-                      <a:tailEnd type="none" w="med" len="med"/>
-                    </a:lnB>
-                    <a:lnTlToBr w="12700" cmpd="sng">
-                      <a:noFill/>
-                      <a:prstDash val="solid"/>
-                    </a:lnTlToBr>
-                    <a:lnBlToTr w="12700" cmpd="sng">
-                      <a:noFill/>
-                      <a:prstDash val="solid"/>
-                    </a:lnBlToTr>
-                  </a:tcPr>
-                </a:tc>
-                <a:tc>
-                  <a:txBody>
-                    <a:bodyPr/>
-                    <a:lstStyle/>
-                    <a:p>
-                      <a:pPr algn="ctr"/>
-                      <a:r>
-                        <a:rPr lang="pt-BR" dirty="0" smtClean="0">
-                          <a:latin typeface="Arial" pitchFamily="34" charset="0"/>
-                          <a:cs typeface="Arial" pitchFamily="34" charset="0"/>
-                        </a:rPr>
-                        <a:t>Média</a:t>
-                      </a:r>
-                      <a:endParaRPr lang="pt-BR" dirty="0">
-                        <a:latin typeface="Arial" pitchFamily="34" charset="0"/>
-                        <a:cs typeface="Arial" pitchFamily="34" charset="0"/>
-                      </a:endParaRPr>
-                    </a:p>
-                  </a:txBody>
-                  <a:tcPr anchor="ctr">
-                    <a:lnL w="12700" cap="flat" cmpd="sng" algn="ctr">
-                      <a:solidFill>
-                        <a:schemeClr val="tx1"/>
-                      </a:solidFill>
-                      <a:prstDash val="solid"/>
-                      <a:round/>
-                      <a:headEnd type="none" w="med" len="med"/>
-                      <a:tailEnd type="none" w="med" len="med"/>
-                    </a:lnL>
-                    <a:lnR w="12700" cap="flat" cmpd="sng" algn="ctr">
-                      <a:solidFill>
-                        <a:schemeClr val="tx1"/>
-                      </a:solidFill>
-                      <a:prstDash val="solid"/>
-                      <a:round/>
-                      <a:headEnd type="none" w="med" len="med"/>
-                      <a:tailEnd type="none" w="med" len="med"/>
-                    </a:lnR>
-                    <a:lnT w="12700" cap="flat" cmpd="sng" algn="ctr">
-                      <a:solidFill>
-                        <a:schemeClr val="tx1"/>
-                      </a:solidFill>
-                      <a:prstDash val="solid"/>
-                      <a:round/>
-                      <a:headEnd type="none" w="med" len="med"/>
-                      <a:tailEnd type="none" w="med" len="med"/>
-                    </a:lnT>
-                    <a:lnB w="12700" cap="flat" cmpd="sng" algn="ctr">
-                      <a:solidFill>
-                        <a:schemeClr val="tx1"/>
-                      </a:solidFill>
-                      <a:prstDash val="solid"/>
-                      <a:round/>
-                      <a:headEnd type="none" w="med" len="med"/>
-                      <a:tailEnd type="none" w="med" len="med"/>
-                    </a:lnB>
-                    <a:lnTlToBr w="12700" cmpd="sng">
-                      <a:noFill/>
-                      <a:prstDash val="solid"/>
-                    </a:lnTlToBr>
-                    <a:lnBlToTr w="12700" cmpd="sng">
-                      <a:noFill/>
-                      <a:prstDash val="solid"/>
-                    </a:lnBlToTr>
-                  </a:tcPr>
-                </a:tc>
-              </a:tr>
-              <a:tr h="370840">
-                <a:tc>
-                  <a:txBody>
-                    <a:bodyPr/>
-                    <a:lstStyle/>
-                    <a:p>
-                      <a:pPr algn="ctr"/>
-                      <a:r>
-                        <a:rPr lang="pt-BR" dirty="0" smtClean="0">
-                          <a:latin typeface="Arial" pitchFamily="34" charset="0"/>
-                          <a:cs typeface="Arial" pitchFamily="34" charset="0"/>
-                        </a:rPr>
-                        <a:t>0,15 a 0,50</a:t>
-                      </a:r>
-                      <a:endParaRPr lang="pt-BR" dirty="0">
-                        <a:latin typeface="Arial" pitchFamily="34" charset="0"/>
-                        <a:cs typeface="Arial" pitchFamily="34" charset="0"/>
-                      </a:endParaRPr>
-                    </a:p>
-                  </a:txBody>
-                  <a:tcPr anchor="ctr">
-                    <a:lnL w="12700" cap="flat" cmpd="sng" algn="ctr">
-                      <a:solidFill>
-                        <a:schemeClr val="tx1"/>
-                      </a:solidFill>
-                      <a:prstDash val="solid"/>
-                      <a:round/>
-                      <a:headEnd type="none" w="med" len="med"/>
-                      <a:tailEnd type="none" w="med" len="med"/>
-                    </a:lnL>
-                    <a:lnR w="12700" cap="flat" cmpd="sng" algn="ctr">
-                      <a:solidFill>
-                        <a:schemeClr val="tx1"/>
-                      </a:solidFill>
-                      <a:prstDash val="solid"/>
-                      <a:round/>
-                      <a:headEnd type="none" w="med" len="med"/>
-                      <a:tailEnd type="none" w="med" len="med"/>
-                    </a:lnR>
-                    <a:lnT w="12700" cap="flat" cmpd="sng" algn="ctr">
-                      <a:solidFill>
-                        <a:schemeClr val="tx1"/>
-                      </a:solidFill>
-                      <a:prstDash val="solid"/>
-                      <a:round/>
-                      <a:headEnd type="none" w="med" len="med"/>
-                      <a:tailEnd type="none" w="med" len="med"/>
-                    </a:lnT>
-                    <a:lnB w="12700" cap="flat" cmpd="sng" algn="ctr">
-                      <a:solidFill>
-                        <a:schemeClr val="tx1"/>
-                      </a:solidFill>
-                      <a:prstDash val="solid"/>
-                      <a:round/>
-                      <a:headEnd type="none" w="med" len="med"/>
-                      <a:tailEnd type="none" w="med" len="med"/>
-                    </a:lnB>
-                    <a:lnTlToBr w="12700" cmpd="sng">
-                      <a:noFill/>
-                      <a:prstDash val="solid"/>
-                    </a:lnTlToBr>
-                    <a:lnBlToTr w="12700" cmpd="sng">
-                      <a:noFill/>
-                      <a:prstDash val="solid"/>
-                    </a:lnBlToTr>
-                  </a:tcPr>
-                </a:tc>
-                <a:tc>
-                  <a:txBody>
-                    <a:bodyPr/>
-                    <a:lstStyle/>
-                    <a:p>
-                      <a:pPr algn="ctr"/>
-                      <a:r>
-                        <a:rPr lang="pt-BR" dirty="0" smtClean="0">
-                          <a:latin typeface="Arial" pitchFamily="34" charset="0"/>
-                          <a:cs typeface="Arial" pitchFamily="34" charset="0"/>
-                        </a:rPr>
-                        <a:t>66 a 56</a:t>
-                      </a:r>
-                      <a:endParaRPr lang="pt-BR" dirty="0">
-                        <a:latin typeface="Arial" pitchFamily="34" charset="0"/>
-                        <a:cs typeface="Arial" pitchFamily="34" charset="0"/>
-                      </a:endParaRPr>
-                    </a:p>
-                  </a:txBody>
-                  <a:tcPr anchor="ctr">
-                    <a:lnL w="12700" cap="flat" cmpd="sng" algn="ctr">
-                      <a:solidFill>
-                        <a:schemeClr val="tx1"/>
-                      </a:solidFill>
-                      <a:prstDash val="solid"/>
-                      <a:round/>
-                      <a:headEnd type="none" w="med" len="med"/>
-                      <a:tailEnd type="none" w="med" len="med"/>
-                    </a:lnL>
-                    <a:lnR w="12700" cap="flat" cmpd="sng" algn="ctr">
-                      <a:solidFill>
-                        <a:schemeClr val="tx1"/>
-                      </a:solidFill>
-                      <a:prstDash val="solid"/>
-                      <a:round/>
-                      <a:headEnd type="none" w="med" len="med"/>
-                      <a:tailEnd type="none" w="med" len="med"/>
-                    </a:lnR>
-                    <a:lnT w="12700" cap="flat" cmpd="sng" algn="ctr">
-                      <a:solidFill>
-                        <a:schemeClr val="tx1"/>
-                      </a:solidFill>
-                      <a:prstDash val="solid"/>
-                      <a:round/>
-                      <a:headEnd type="none" w="med" len="med"/>
-                      <a:tailEnd type="none" w="med" len="med"/>
-                    </a:lnT>
-                    <a:lnB w="12700" cap="flat" cmpd="sng" algn="ctr">
-                      <a:solidFill>
-                        <a:schemeClr val="tx1"/>
-                      </a:solidFill>
-                      <a:prstDash val="solid"/>
-                      <a:round/>
-                      <a:headEnd type="none" w="med" len="med"/>
-                      <a:tailEnd type="none" w="med" len="med"/>
-                    </a:lnB>
-                    <a:lnTlToBr w="12700" cmpd="sng">
-                      <a:noFill/>
-                      <a:prstDash val="solid"/>
-                    </a:lnTlToBr>
-                    <a:lnBlToTr w="12700" cmpd="sng">
-                      <a:noFill/>
-                      <a:prstDash val="solid"/>
-                    </a:lnBlToTr>
-                  </a:tcPr>
-                </a:tc>
-                <a:tc>
-                  <a:txBody>
-                    <a:bodyPr/>
-                    <a:lstStyle/>
-                    <a:p>
-                      <a:pPr algn="ctr"/>
-                      <a:r>
-                        <a:rPr lang="pt-BR" dirty="0" smtClean="0">
-                          <a:latin typeface="Arial" pitchFamily="34" charset="0"/>
-                          <a:cs typeface="Arial" pitchFamily="34" charset="0"/>
-                        </a:rPr>
-                        <a:t>56 a 46</a:t>
-                      </a:r>
-                      <a:endParaRPr lang="pt-BR" dirty="0">
-                        <a:latin typeface="Arial" pitchFamily="34" charset="0"/>
-                        <a:cs typeface="Arial" pitchFamily="34" charset="0"/>
-                      </a:endParaRPr>
-                    </a:p>
-                  </a:txBody>
-                  <a:tcPr anchor="ctr">
-                    <a:lnL w="12700" cap="flat" cmpd="sng" algn="ctr">
-                      <a:solidFill>
-                        <a:schemeClr val="tx1"/>
-                      </a:solidFill>
-                      <a:prstDash val="solid"/>
-                      <a:round/>
-                      <a:headEnd type="none" w="med" len="med"/>
-                      <a:tailEnd type="none" w="med" len="med"/>
-                    </a:lnL>
-                    <a:lnR w="12700" cap="flat" cmpd="sng" algn="ctr">
-                      <a:solidFill>
-                        <a:schemeClr val="tx1"/>
-                      </a:solidFill>
-                      <a:prstDash val="solid"/>
-                      <a:round/>
-                      <a:headEnd type="none" w="med" len="med"/>
-                      <a:tailEnd type="none" w="med" len="med"/>
-                    </a:lnR>
-                    <a:lnT w="12700" cap="flat" cmpd="sng" algn="ctr">
-                      <a:solidFill>
-                        <a:schemeClr val="tx1"/>
-                      </a:solidFill>
-                      <a:prstDash val="solid"/>
-                      <a:round/>
-                      <a:headEnd type="none" w="med" len="med"/>
-                      <a:tailEnd type="none" w="med" len="med"/>
-                    </a:lnT>
-                    <a:lnB w="12700" cap="flat" cmpd="sng" algn="ctr">
-                      <a:solidFill>
-                        <a:schemeClr val="tx1"/>
-                      </a:solidFill>
-                      <a:prstDash val="solid"/>
-                      <a:round/>
-                      <a:headEnd type="none" w="med" len="med"/>
-                      <a:tailEnd type="none" w="med" len="med"/>
-                    </a:lnB>
-                    <a:lnTlToBr w="12700" cmpd="sng">
-                      <a:noFill/>
-                      <a:prstDash val="solid"/>
-                    </a:lnTlToBr>
-                    <a:lnBlToTr w="12700" cmpd="sng">
-                      <a:noFill/>
-                      <a:prstDash val="solid"/>
-                    </a:lnBlToTr>
-                  </a:tcPr>
-                </a:tc>
-              </a:tr>
-              <a:tr h="370840">
-                <a:tc>
-                  <a:txBody>
-                    <a:bodyPr/>
-                    <a:lstStyle/>
-                    <a:p>
-                      <a:pPr algn="ctr"/>
-                      <a:r>
-                        <a:rPr lang="pt-BR" dirty="0" smtClean="0">
-                          <a:latin typeface="Arial" pitchFamily="34" charset="0"/>
-                          <a:cs typeface="Arial" pitchFamily="34" charset="0"/>
-                        </a:rPr>
-                        <a:t>0,50 a 5</a:t>
-                      </a:r>
-                      <a:endParaRPr lang="pt-BR" dirty="0">
-                        <a:latin typeface="Arial" pitchFamily="34" charset="0"/>
-                        <a:cs typeface="Arial" pitchFamily="34" charset="0"/>
-                      </a:endParaRPr>
-                    </a:p>
-                  </a:txBody>
-                  <a:tcPr anchor="ctr">
-                    <a:lnL w="12700" cap="flat" cmpd="sng" algn="ctr">
-                      <a:solidFill>
-                        <a:schemeClr val="tx1"/>
-                      </a:solidFill>
-                      <a:prstDash val="solid"/>
-                      <a:round/>
-                      <a:headEnd type="none" w="med" len="med"/>
-                      <a:tailEnd type="none" w="med" len="med"/>
-                    </a:lnL>
-                    <a:lnR w="12700" cap="flat" cmpd="sng" algn="ctr">
-                      <a:solidFill>
-                        <a:schemeClr val="tx1"/>
-                      </a:solidFill>
-                      <a:prstDash val="solid"/>
-                      <a:round/>
-                      <a:headEnd type="none" w="med" len="med"/>
-                      <a:tailEnd type="none" w="med" len="med"/>
-                    </a:lnR>
-                    <a:lnT w="12700" cap="flat" cmpd="sng" algn="ctr">
-                      <a:solidFill>
-                        <a:schemeClr val="tx1"/>
-                      </a:solidFill>
-                      <a:prstDash val="solid"/>
-                      <a:round/>
-                      <a:headEnd type="none" w="med" len="med"/>
-                      <a:tailEnd type="none" w="med" len="med"/>
-                    </a:lnT>
-                    <a:lnB w="12700" cap="flat" cmpd="sng" algn="ctr">
-                      <a:solidFill>
-                        <a:schemeClr val="tx1"/>
-                      </a:solidFill>
-                      <a:prstDash val="solid"/>
-                      <a:round/>
-                      <a:headEnd type="none" w="med" len="med"/>
-                      <a:tailEnd type="none" w="med" len="med"/>
-                    </a:lnB>
-                    <a:lnTlToBr w="12700" cmpd="sng">
-                      <a:noFill/>
-                      <a:prstDash val="solid"/>
-                    </a:lnTlToBr>
-                    <a:lnBlToTr w="12700" cmpd="sng">
-                      <a:noFill/>
-                      <a:prstDash val="solid"/>
-                    </a:lnBlToTr>
-                  </a:tcPr>
-                </a:tc>
-                <a:tc>
-                  <a:txBody>
-                    <a:bodyPr/>
-                    <a:lstStyle/>
-                    <a:p>
-                      <a:pPr algn="ctr"/>
-                      <a:r>
-                        <a:rPr lang="pt-BR" dirty="0" smtClean="0">
-                          <a:latin typeface="Arial" pitchFamily="34" charset="0"/>
-                          <a:cs typeface="Arial" pitchFamily="34" charset="0"/>
-                        </a:rPr>
-                        <a:t>56</a:t>
-                      </a:r>
-                      <a:endParaRPr lang="pt-BR" dirty="0">
-                        <a:latin typeface="Arial" pitchFamily="34" charset="0"/>
-                        <a:cs typeface="Arial" pitchFamily="34" charset="0"/>
-                      </a:endParaRPr>
-                    </a:p>
-                  </a:txBody>
-                  <a:tcPr anchor="ctr">
-                    <a:lnL w="12700" cap="flat" cmpd="sng" algn="ctr">
-                      <a:solidFill>
-                        <a:schemeClr val="tx1"/>
-                      </a:solidFill>
-                      <a:prstDash val="solid"/>
-                      <a:round/>
-                      <a:headEnd type="none" w="med" len="med"/>
-                      <a:tailEnd type="none" w="med" len="med"/>
-                    </a:lnL>
-                    <a:lnR w="12700" cap="flat" cmpd="sng" algn="ctr">
-                      <a:solidFill>
-                        <a:schemeClr val="tx1"/>
-                      </a:solidFill>
-                      <a:prstDash val="solid"/>
-                      <a:round/>
-                      <a:headEnd type="none" w="med" len="med"/>
-                      <a:tailEnd type="none" w="med" len="med"/>
-                    </a:lnR>
-                    <a:lnT w="12700" cap="flat" cmpd="sng" algn="ctr">
-                      <a:solidFill>
-                        <a:schemeClr val="tx1"/>
-                      </a:solidFill>
-                      <a:prstDash val="solid"/>
-                      <a:round/>
-                      <a:headEnd type="none" w="med" len="med"/>
-                      <a:tailEnd type="none" w="med" len="med"/>
-                    </a:lnT>
-                    <a:lnB w="12700" cap="flat" cmpd="sng" algn="ctr">
-                      <a:solidFill>
-                        <a:schemeClr val="tx1"/>
-                      </a:solidFill>
-                      <a:prstDash val="solid"/>
-                      <a:round/>
-                      <a:headEnd type="none" w="med" len="med"/>
-                      <a:tailEnd type="none" w="med" len="med"/>
-                    </a:lnB>
-                    <a:lnTlToBr w="12700" cmpd="sng">
-                      <a:noFill/>
-                      <a:prstDash val="solid"/>
-                    </a:lnTlToBr>
-                    <a:lnBlToTr w="12700" cmpd="sng">
-                      <a:noFill/>
-                      <a:prstDash val="solid"/>
-                    </a:lnBlToTr>
-                  </a:tcPr>
-                </a:tc>
-                <a:tc>
-                  <a:txBody>
-                    <a:bodyPr/>
-                    <a:lstStyle/>
-                    <a:p>
-                      <a:pPr algn="ctr"/>
-                      <a:r>
-                        <a:rPr lang="pt-BR" dirty="0" smtClean="0">
-                          <a:latin typeface="Arial" pitchFamily="34" charset="0"/>
-                          <a:cs typeface="Arial" pitchFamily="34" charset="0"/>
-                        </a:rPr>
-                        <a:t>46</a:t>
-                      </a:r>
-                      <a:endParaRPr lang="pt-BR" dirty="0">
-                        <a:latin typeface="Arial" pitchFamily="34" charset="0"/>
-                        <a:cs typeface="Arial" pitchFamily="34" charset="0"/>
-                      </a:endParaRPr>
-                    </a:p>
-                  </a:txBody>
-                  <a:tcPr anchor="ctr">
-                    <a:lnL w="12700" cap="flat" cmpd="sng" algn="ctr">
-                      <a:solidFill>
-                        <a:schemeClr val="tx1"/>
-                      </a:solidFill>
-                      <a:prstDash val="solid"/>
-                      <a:round/>
-                      <a:headEnd type="none" w="med" len="med"/>
-                      <a:tailEnd type="none" w="med" len="med"/>
-                    </a:lnL>
-                    <a:lnR w="12700" cap="flat" cmpd="sng" algn="ctr">
-                      <a:solidFill>
-                        <a:schemeClr val="tx1"/>
-                      </a:solidFill>
-                      <a:prstDash val="solid"/>
-                      <a:round/>
-                      <a:headEnd type="none" w="med" len="med"/>
-                      <a:tailEnd type="none" w="med" len="med"/>
-                    </a:lnR>
-                    <a:lnT w="12700" cap="flat" cmpd="sng" algn="ctr">
-                      <a:solidFill>
-                        <a:schemeClr val="tx1"/>
-                      </a:solidFill>
-                      <a:prstDash val="solid"/>
-                      <a:round/>
-                      <a:headEnd type="none" w="med" len="med"/>
-                      <a:tailEnd type="none" w="med" len="med"/>
-                    </a:lnT>
-                    <a:lnB w="12700" cap="flat" cmpd="sng" algn="ctr">
-                      <a:solidFill>
-                        <a:schemeClr val="tx1"/>
-                      </a:solidFill>
-                      <a:prstDash val="solid"/>
-                      <a:round/>
-                      <a:headEnd type="none" w="med" len="med"/>
-                      <a:tailEnd type="none" w="med" len="med"/>
-                    </a:lnB>
-                    <a:lnTlToBr w="12700" cmpd="sng">
-                      <a:noFill/>
-                      <a:prstDash val="solid"/>
-                    </a:lnTlToBr>
-                    <a:lnBlToTr w="12700" cmpd="sng">
-                      <a:noFill/>
-                      <a:prstDash val="solid"/>
-                    </a:lnBlToTr>
-                  </a:tcPr>
-                </a:tc>
-              </a:tr>
-              <a:tr h="370840">
-                <a:tc>
-                  <a:txBody>
-                    <a:bodyPr/>
-                    <a:lstStyle/>
-                    <a:p>
-                      <a:pPr algn="ctr"/>
-                      <a:r>
-                        <a:rPr lang="pt-BR" dirty="0" smtClean="0">
-                          <a:latin typeface="Arial" pitchFamily="34" charset="0"/>
-                          <a:cs typeface="Arial" pitchFamily="34" charset="0"/>
-                        </a:rPr>
-                        <a:t>5 a 30</a:t>
-                      </a:r>
-                      <a:endParaRPr lang="pt-BR" dirty="0">
-                        <a:latin typeface="Arial" pitchFamily="34" charset="0"/>
-                        <a:cs typeface="Arial" pitchFamily="34" charset="0"/>
-                      </a:endParaRPr>
-                    </a:p>
-                  </a:txBody>
-                  <a:tcPr anchor="ctr">
-                    <a:lnL w="12700" cap="flat" cmpd="sng" algn="ctr">
-                      <a:solidFill>
-                        <a:schemeClr val="tx1"/>
-                      </a:solidFill>
-                      <a:prstDash val="solid"/>
-                      <a:round/>
-                      <a:headEnd type="none" w="med" len="med"/>
-                      <a:tailEnd type="none" w="med" len="med"/>
-                    </a:lnL>
-                    <a:lnR w="12700" cap="flat" cmpd="sng" algn="ctr">
-                      <a:solidFill>
-                        <a:schemeClr val="tx1"/>
-                      </a:solidFill>
-                      <a:prstDash val="solid"/>
-                      <a:round/>
-                      <a:headEnd type="none" w="med" len="med"/>
-                      <a:tailEnd type="none" w="med" len="med"/>
-                    </a:lnR>
-                    <a:lnT w="12700" cap="flat" cmpd="sng" algn="ctr">
-                      <a:solidFill>
-                        <a:schemeClr val="tx1"/>
-                      </a:solidFill>
-                      <a:prstDash val="solid"/>
-                      <a:round/>
-                      <a:headEnd type="none" w="med" len="med"/>
-                      <a:tailEnd type="none" w="med" len="med"/>
-                    </a:lnT>
-                    <a:lnB w="12700" cap="flat" cmpd="sng" algn="ctr">
-                      <a:solidFill>
-                        <a:schemeClr val="tx1"/>
-                      </a:solidFill>
-                      <a:prstDash val="solid"/>
-                      <a:round/>
-                      <a:headEnd type="none" w="med" len="med"/>
-                      <a:tailEnd type="none" w="med" len="med"/>
-                    </a:lnB>
-                    <a:lnTlToBr w="12700" cmpd="sng">
-                      <a:noFill/>
-                      <a:prstDash val="solid"/>
-                    </a:lnTlToBr>
-                    <a:lnBlToTr w="12700" cmpd="sng">
-                      <a:noFill/>
-                      <a:prstDash val="solid"/>
-                    </a:lnBlToTr>
-                  </a:tcPr>
-                </a:tc>
-                <a:tc>
-                  <a:txBody>
-                    <a:bodyPr/>
-                    <a:lstStyle/>
-                    <a:p>
-                      <a:pPr algn="ctr"/>
-                      <a:r>
-                        <a:rPr lang="pt-BR" dirty="0" smtClean="0">
-                          <a:latin typeface="Arial" pitchFamily="34" charset="0"/>
-                          <a:cs typeface="Arial" pitchFamily="34" charset="0"/>
-                        </a:rPr>
-                        <a:t>60</a:t>
-                      </a:r>
-                      <a:endParaRPr lang="pt-BR" dirty="0">
-                        <a:latin typeface="Arial" pitchFamily="34" charset="0"/>
-                        <a:cs typeface="Arial" pitchFamily="34" charset="0"/>
-                      </a:endParaRPr>
-                    </a:p>
-                  </a:txBody>
-                  <a:tcPr anchor="ctr">
-                    <a:lnL w="12700" cap="flat" cmpd="sng" algn="ctr">
-                      <a:solidFill>
-                        <a:schemeClr val="tx1"/>
-                      </a:solidFill>
-                      <a:prstDash val="solid"/>
-                      <a:round/>
-                      <a:headEnd type="none" w="med" len="med"/>
-                      <a:tailEnd type="none" w="med" len="med"/>
-                    </a:lnL>
-                    <a:lnR w="12700" cap="flat" cmpd="sng" algn="ctr">
-                      <a:solidFill>
-                        <a:schemeClr val="tx1"/>
-                      </a:solidFill>
-                      <a:prstDash val="solid"/>
-                      <a:round/>
-                      <a:headEnd type="none" w="med" len="med"/>
-                      <a:tailEnd type="none" w="med" len="med"/>
-                    </a:lnR>
-                    <a:lnT w="12700" cap="flat" cmpd="sng" algn="ctr">
-                      <a:solidFill>
-                        <a:schemeClr val="tx1"/>
-                      </a:solidFill>
-                      <a:prstDash val="solid"/>
-                      <a:round/>
-                      <a:headEnd type="none" w="med" len="med"/>
-                      <a:tailEnd type="none" w="med" len="med"/>
-                    </a:lnT>
-                    <a:lnB w="12700" cap="flat" cmpd="sng" algn="ctr">
-                      <a:solidFill>
-                        <a:schemeClr val="tx1"/>
-                      </a:solidFill>
-                      <a:prstDash val="solid"/>
-                      <a:round/>
-                      <a:headEnd type="none" w="med" len="med"/>
-                      <a:tailEnd type="none" w="med" len="med"/>
-                    </a:lnB>
-                    <a:lnTlToBr w="12700" cmpd="sng">
-                      <a:noFill/>
-                      <a:prstDash val="solid"/>
-                    </a:lnTlToBr>
-                    <a:lnBlToTr w="12700" cmpd="sng">
-                      <a:noFill/>
-                      <a:prstDash val="solid"/>
-                    </a:lnBlToTr>
-                  </a:tcPr>
-                </a:tc>
-                <a:tc>
-                  <a:txBody>
-                    <a:bodyPr/>
-                    <a:lstStyle/>
-                    <a:p>
-                      <a:pPr algn="ctr"/>
-                      <a:r>
-                        <a:rPr lang="pt-BR" dirty="0" smtClean="0">
-                          <a:latin typeface="Arial" pitchFamily="34" charset="0"/>
-                          <a:cs typeface="Arial" pitchFamily="34" charset="0"/>
-                        </a:rPr>
-                        <a:t>50</a:t>
-                      </a:r>
-                      <a:endParaRPr lang="pt-BR" dirty="0">
-                        <a:latin typeface="Arial" pitchFamily="34" charset="0"/>
-                        <a:cs typeface="Arial" pitchFamily="34" charset="0"/>
-                      </a:endParaRPr>
-                    </a:p>
-                  </a:txBody>
-                  <a:tcPr anchor="ctr">
-                    <a:lnL w="12700" cap="flat" cmpd="sng" algn="ctr">
-                      <a:solidFill>
-                        <a:schemeClr val="tx1"/>
-                      </a:solidFill>
-                      <a:prstDash val="solid"/>
-                      <a:round/>
-                      <a:headEnd type="none" w="med" len="med"/>
-                      <a:tailEnd type="none" w="med" len="med"/>
-                    </a:lnL>
-                    <a:lnR w="12700" cap="flat" cmpd="sng" algn="ctr">
-                      <a:solidFill>
-                        <a:schemeClr val="tx1"/>
-                      </a:solidFill>
-                      <a:prstDash val="solid"/>
-                      <a:round/>
-                      <a:headEnd type="none" w="med" len="med"/>
-                      <a:tailEnd type="none" w="med" len="med"/>
-                    </a:lnR>
-                    <a:lnT w="12700" cap="flat" cmpd="sng" algn="ctr">
-                      <a:solidFill>
-                        <a:schemeClr val="tx1"/>
-                      </a:solidFill>
-                      <a:prstDash val="solid"/>
-                      <a:round/>
-                      <a:headEnd type="none" w="med" len="med"/>
-                      <a:tailEnd type="none" w="med" len="med"/>
-                    </a:lnT>
-                    <a:lnB w="12700" cap="flat" cmpd="sng" algn="ctr">
-                      <a:solidFill>
-                        <a:schemeClr val="tx1"/>
-                      </a:solidFill>
-                      <a:prstDash val="solid"/>
-                      <a:round/>
-                      <a:headEnd type="none" w="med" len="med"/>
-                      <a:tailEnd type="none" w="med" len="med"/>
-                    </a:lnB>
-                    <a:lnTlToBr w="12700" cmpd="sng">
-                      <a:noFill/>
-                      <a:prstDash val="solid"/>
-                    </a:lnTlToBr>
-                    <a:lnBlToTr w="12700" cmpd="sng">
-                      <a:noFill/>
-                      <a:prstDash val="solid"/>
-                    </a:lnBlToTr>
-                  </a:tcPr>
-                </a:tc>
-              </a:tr>
-            </a:tbl>
-          </a:graphicData>
-        </a:graphic>
-      </p:graphicFrame>
-      <p:sp>
-        <p:nvSpPr>
-          <p:cNvPr id="5" name="CaixaDeTexto 4"/>
-          <p:cNvSpPr txBox="1"/>
-          <p:nvPr/>
-        </p:nvSpPr>
-        <p:spPr>
-          <a:xfrm>
-            <a:off x="0" y="1988840"/>
-            <a:ext cx="9144000" cy="369332"/>
-          </a:xfrm>
-          <a:prstGeom prst="rect">
-            <a:avLst/>
-          </a:prstGeom>
-          <a:noFill/>
-        </p:spPr>
-        <p:txBody>
-          <a:bodyPr wrap="square" rtlCol="0">
-            <a:spAutoFit/>
-          </a:bodyPr>
-          <a:lstStyle/>
-          <a:p>
-            <a:pPr algn="ctr"/>
-            <a:r>
-              <a:rPr lang="pt-BR" dirty="0" smtClean="0">
-                <a:latin typeface="Arial" pitchFamily="34" charset="0"/>
-                <a:cs typeface="Arial" pitchFamily="34" charset="0"/>
-              </a:rPr>
-              <a:t>Tabela 3 – Limites para perturbação conduzida</a:t>
-            </a:r>
-            <a:endParaRPr lang="pt-BR" dirty="0">
-              <a:latin typeface="Arial" pitchFamily="34" charset="0"/>
-              <a:cs typeface="Arial" pitchFamily="34" charset="0"/>
-            </a:endParaRPr>
-          </a:p>
-        </p:txBody>
-      </p:sp>
-      <p:sp>
-        <p:nvSpPr>
-          <p:cNvPr id="6" name="CaixaDeTexto 5"/>
-          <p:cNvSpPr txBox="1"/>
-          <p:nvPr/>
-        </p:nvSpPr>
-        <p:spPr>
-          <a:xfrm>
-            <a:off x="0" y="4427820"/>
-            <a:ext cx="9144000" cy="369332"/>
-          </a:xfrm>
-          <a:prstGeom prst="rect">
-            <a:avLst/>
-          </a:prstGeom>
-          <a:noFill/>
-        </p:spPr>
-        <p:txBody>
-          <a:bodyPr wrap="square" rtlCol="0">
-            <a:spAutoFit/>
-          </a:bodyPr>
-          <a:lstStyle/>
-          <a:p>
-            <a:pPr algn="ctr"/>
-            <a:r>
-              <a:rPr lang="pt-BR" dirty="0" smtClean="0">
-                <a:latin typeface="Arial" pitchFamily="34" charset="0"/>
-                <a:cs typeface="Arial" pitchFamily="34" charset="0"/>
-              </a:rPr>
-              <a:t>Tabela 4 – Limites para perturbação conduzida de modo comum</a:t>
-            </a:r>
-            <a:endParaRPr lang="pt-BR" dirty="0">
-              <a:latin typeface="Arial" pitchFamily="34" charset="0"/>
-              <a:cs typeface="Arial" pitchFamily="34" charset="0"/>
-            </a:endParaRPr>
-          </a:p>
-        </p:txBody>
-      </p:sp>
-      <p:graphicFrame>
-        <p:nvGraphicFramePr>
-          <p:cNvPr id="7" name="Tabela 6"/>
-          <p:cNvGraphicFramePr>
-            <a:graphicFrameLocks noGrp="1"/>
-          </p:cNvGraphicFramePr>
-          <p:nvPr/>
-        </p:nvGraphicFramePr>
-        <p:xfrm>
-          <a:off x="467545" y="4869264"/>
-          <a:ext cx="8208910" cy="1656080"/>
-        </p:xfrm>
-        <a:graphic>
-          <a:graphicData uri="http://schemas.openxmlformats.org/drawingml/2006/table">
-            <a:tbl>
-              <a:tblPr firstRow="1" bandRow="1"/>
-              <a:tblGrid>
-                <a:gridCol w="1641782"/>
-                <a:gridCol w="1641782"/>
-                <a:gridCol w="1641782"/>
-                <a:gridCol w="1641782"/>
-                <a:gridCol w="1641782"/>
-              </a:tblGrid>
-              <a:tr h="370840">
-                <a:tc rowSpan="2">
-                  <a:txBody>
-                    <a:bodyPr/>
-                    <a:lstStyle/>
-                    <a:p>
-                      <a:pPr algn="ctr"/>
-                      <a:r>
-                        <a:rPr lang="pt-BR" dirty="0" smtClean="0">
-                          <a:latin typeface="Arial" pitchFamily="34" charset="0"/>
-                          <a:cs typeface="Arial" pitchFamily="34" charset="0"/>
-                        </a:rPr>
-                        <a:t>Faixa</a:t>
-                      </a:r>
-                      <a:r>
-                        <a:rPr lang="pt-BR" baseline="0" dirty="0" smtClean="0">
-                          <a:latin typeface="Arial" pitchFamily="34" charset="0"/>
-                          <a:cs typeface="Arial" pitchFamily="34" charset="0"/>
-                        </a:rPr>
-                        <a:t> de frequência (MHz)</a:t>
-                      </a:r>
-                      <a:endParaRPr lang="pt-BR" dirty="0">
-                        <a:latin typeface="Arial" pitchFamily="34" charset="0"/>
-                        <a:cs typeface="Arial" pitchFamily="34" charset="0"/>
-                      </a:endParaRPr>
-                    </a:p>
-                  </a:txBody>
-                  <a:tcPr anchor="ctr"/>
-                </a:tc>
-                <a:tc gridSpan="2">
-                  <a:txBody>
-                    <a:bodyPr/>
-                    <a:lstStyle/>
-                    <a:p>
-                      <a:pPr algn="ctr"/>
-                      <a:r>
-                        <a:rPr lang="pt-BR" dirty="0" smtClean="0">
-                          <a:latin typeface="Arial" pitchFamily="34" charset="0"/>
-                          <a:cs typeface="Arial" pitchFamily="34" charset="0"/>
-                        </a:rPr>
-                        <a:t>Limites de tensão</a:t>
-                      </a:r>
-                      <a:r>
-                        <a:rPr lang="pt-BR" baseline="0" dirty="0" smtClean="0">
-                          <a:latin typeface="Arial" pitchFamily="34" charset="0"/>
-                          <a:cs typeface="Arial" pitchFamily="34" charset="0"/>
-                        </a:rPr>
-                        <a:t> </a:t>
-                      </a:r>
-                      <a:r>
-                        <a:rPr lang="pt-BR" dirty="0" smtClean="0">
-                          <a:latin typeface="Arial" pitchFamily="34" charset="0"/>
-                          <a:cs typeface="Arial" pitchFamily="34" charset="0"/>
-                        </a:rPr>
-                        <a:t>dB (</a:t>
-                      </a:r>
-                      <a:r>
-                        <a:rPr lang="pt-BR" dirty="0" err="1" smtClean="0">
-                          <a:latin typeface="Arial" pitchFamily="34" charset="0"/>
-                          <a:cs typeface="Arial" pitchFamily="34" charset="0"/>
-                        </a:rPr>
-                        <a:t>µV</a:t>
-                      </a:r>
-                      <a:r>
-                        <a:rPr lang="pt-BR" dirty="0" smtClean="0">
-                          <a:latin typeface="Arial" pitchFamily="34" charset="0"/>
-                          <a:cs typeface="Arial" pitchFamily="34" charset="0"/>
-                        </a:rPr>
-                        <a:t>)</a:t>
-                      </a:r>
-                      <a:endParaRPr lang="pt-BR" dirty="0">
-                        <a:latin typeface="Arial" pitchFamily="34" charset="0"/>
-                        <a:cs typeface="Arial" pitchFamily="34" charset="0"/>
-                      </a:endParaRPr>
-                    </a:p>
-                  </a:txBody>
-                  <a:tcPr anchor="ctr"/>
-                </a:tc>
-                <a:tc hMerge="1">
-                  <a:txBody>
-                    <a:bodyPr/>
-                    <a:lstStyle/>
-                    <a:p>
-                      <a:endParaRPr lang="pt-BR"/>
-                    </a:p>
-                  </a:txBody>
-                  <a:tcPr/>
-                </a:tc>
-                <a:tc gridSpan="2">
-                  <a:txBody>
-                    <a:bodyPr/>
-                    <a:lstStyle/>
-                    <a:p>
-                      <a:pPr marL="0" marR="0" indent="0" algn="ctr" defTabSz="914400" rtl="0" eaLnBrk="1" fontAlgn="auto" latinLnBrk="0" hangingPunct="1">
-                        <a:lnSpc>
-                          <a:spcPct val="100000"/>
-                        </a:lnSpc>
-                        <a:spcBef>
-                          <a:spcPts val="0"/>
-                        </a:spcBef>
-                        <a:spcAft>
-                          <a:spcPts val="0"/>
-                        </a:spcAft>
-                        <a:buClrTx/>
-                        <a:buSzTx/>
-                        <a:buFontTx/>
-                        <a:buNone/>
-                        <a:tabLst/>
-                        <a:defRPr/>
-                      </a:pPr>
-                      <a:r>
-                        <a:rPr lang="pt-BR" dirty="0" smtClean="0">
-                          <a:latin typeface="Arial" pitchFamily="34" charset="0"/>
-                          <a:cs typeface="Arial" pitchFamily="34" charset="0"/>
-                        </a:rPr>
-                        <a:t>Limites de corrente</a:t>
-                      </a:r>
-                      <a:r>
-                        <a:rPr lang="pt-BR" baseline="0" dirty="0" smtClean="0">
-                          <a:latin typeface="Arial" pitchFamily="34" charset="0"/>
-                          <a:cs typeface="Arial" pitchFamily="34" charset="0"/>
-                        </a:rPr>
-                        <a:t> </a:t>
-                      </a:r>
-                      <a:r>
-                        <a:rPr lang="pt-BR" dirty="0" smtClean="0">
-                          <a:latin typeface="Arial" pitchFamily="34" charset="0"/>
-                          <a:cs typeface="Arial" pitchFamily="34" charset="0"/>
-                        </a:rPr>
-                        <a:t>dB (</a:t>
-                      </a:r>
-                      <a:r>
-                        <a:rPr lang="pt-BR" dirty="0" err="1" smtClean="0">
-                          <a:latin typeface="Arial" pitchFamily="34" charset="0"/>
-                          <a:cs typeface="Arial" pitchFamily="34" charset="0"/>
-                        </a:rPr>
-                        <a:t>µA</a:t>
-                      </a:r>
-                      <a:r>
-                        <a:rPr lang="pt-BR" dirty="0" smtClean="0">
-                          <a:latin typeface="Arial" pitchFamily="34" charset="0"/>
-                          <a:cs typeface="Arial" pitchFamily="34" charset="0"/>
-                        </a:rPr>
-                        <a:t>)</a:t>
-                      </a:r>
-                    </a:p>
-                  </a:txBody>
-                  <a:tcPr anchor="ctr"/>
-                </a:tc>
-                <a:tc hMerge="1">
-                  <a:txBody>
-                    <a:bodyPr/>
-                    <a:lstStyle/>
-                    <a:p>
-                      <a:endParaRPr lang="pt-BR"/>
-                    </a:p>
-                  </a:txBody>
-                  <a:tcPr/>
-                </a:tc>
-              </a:tr>
-              <a:tr h="370840">
-                <a:tc vMerge="1">
-                  <a:txBody>
-                    <a:bodyPr/>
-                    <a:lstStyle/>
-                    <a:p>
-                      <a:endParaRPr lang="pt-BR"/>
-                    </a:p>
-                  </a:txBody>
-                  <a:tcPr/>
-                </a:tc>
-                <a:tc>
-                  <a:txBody>
-                    <a:bodyPr/>
-                    <a:lstStyle/>
-                    <a:p>
-                      <a:pPr algn="ctr"/>
-                      <a:r>
-                        <a:rPr lang="pt-BR" dirty="0" smtClean="0">
-                          <a:latin typeface="Arial" pitchFamily="34" charset="0"/>
-                          <a:cs typeface="Arial" pitchFamily="34" charset="0"/>
-                        </a:rPr>
-                        <a:t>Quase - pico</a:t>
-                      </a:r>
-                      <a:endParaRPr lang="pt-BR" dirty="0">
-                        <a:latin typeface="Arial" pitchFamily="34" charset="0"/>
-                        <a:cs typeface="Arial" pitchFamily="34" charset="0"/>
-                      </a:endParaRPr>
-                    </a:p>
-                  </a:txBody>
-                  <a:tcPr anchor="ctr"/>
-                </a:tc>
-                <a:tc>
-                  <a:txBody>
-                    <a:bodyPr/>
-                    <a:lstStyle/>
-                    <a:p>
-                      <a:pPr algn="ctr"/>
-                      <a:r>
-                        <a:rPr lang="pt-BR" dirty="0" smtClean="0">
-                          <a:latin typeface="Arial" pitchFamily="34" charset="0"/>
-                          <a:cs typeface="Arial" pitchFamily="34" charset="0"/>
-                        </a:rPr>
-                        <a:t>Média</a:t>
-                      </a:r>
-                      <a:endParaRPr lang="pt-BR" dirty="0">
-                        <a:latin typeface="Arial" pitchFamily="34" charset="0"/>
-                        <a:cs typeface="Arial" pitchFamily="34" charset="0"/>
-                      </a:endParaRPr>
-                    </a:p>
-                  </a:txBody>
-                  <a:tcPr anchor="ctr"/>
-                </a:tc>
-                <a:tc>
-                  <a:txBody>
-                    <a:bodyPr/>
-                    <a:lstStyle/>
-                    <a:p>
-                      <a:pPr algn="ctr"/>
-                      <a:r>
-                        <a:rPr lang="pt-BR" dirty="0" smtClean="0">
-                          <a:latin typeface="Arial" pitchFamily="34" charset="0"/>
-                          <a:cs typeface="Arial" pitchFamily="34" charset="0"/>
-                        </a:rPr>
-                        <a:t>Quase</a:t>
-                      </a:r>
-                      <a:r>
-                        <a:rPr lang="pt-BR" baseline="0" dirty="0" smtClean="0">
-                          <a:latin typeface="Arial" pitchFamily="34" charset="0"/>
-                          <a:cs typeface="Arial" pitchFamily="34" charset="0"/>
-                        </a:rPr>
-                        <a:t> - pico</a:t>
-                      </a:r>
-                      <a:endParaRPr lang="pt-BR" dirty="0">
-                        <a:latin typeface="Arial" pitchFamily="34" charset="0"/>
-                        <a:cs typeface="Arial" pitchFamily="34" charset="0"/>
-                      </a:endParaRPr>
-                    </a:p>
-                  </a:txBody>
-                  <a:tcPr anchor="ctr"/>
-                </a:tc>
-                <a:tc>
-                  <a:txBody>
-                    <a:bodyPr/>
-                    <a:lstStyle/>
-                    <a:p>
-                      <a:pPr algn="ctr"/>
-                      <a:r>
-                        <a:rPr lang="pt-BR" dirty="0" smtClean="0">
-                          <a:latin typeface="Arial" pitchFamily="34" charset="0"/>
-                          <a:cs typeface="Arial" pitchFamily="34" charset="0"/>
-                        </a:rPr>
-                        <a:t>Média</a:t>
-                      </a:r>
-                      <a:endParaRPr lang="pt-BR" dirty="0">
-                        <a:latin typeface="Arial" pitchFamily="34" charset="0"/>
-                        <a:cs typeface="Arial" pitchFamily="34" charset="0"/>
-                      </a:endParaRPr>
-                    </a:p>
-                  </a:txBody>
-                  <a:tcPr anchor="ctr"/>
-                </a:tc>
-              </a:tr>
-              <a:tr h="370840">
-                <a:tc>
-                  <a:txBody>
-                    <a:bodyPr/>
-                    <a:lstStyle/>
-                    <a:p>
-                      <a:pPr algn="ctr"/>
-                      <a:r>
-                        <a:rPr lang="pt-BR" dirty="0" smtClean="0">
-                          <a:latin typeface="Arial" pitchFamily="34" charset="0"/>
-                          <a:cs typeface="Arial" pitchFamily="34" charset="0"/>
-                        </a:rPr>
-                        <a:t>0,15 a 0,50</a:t>
-                      </a:r>
-                      <a:endParaRPr lang="pt-BR" dirty="0">
-                        <a:latin typeface="Arial" pitchFamily="34" charset="0"/>
-                        <a:cs typeface="Arial" pitchFamily="34" charset="0"/>
-                      </a:endParaRPr>
-                    </a:p>
-                  </a:txBody>
-                  <a:tcPr anchor="ctr"/>
-                </a:tc>
-                <a:tc>
-                  <a:txBody>
-                    <a:bodyPr/>
-                    <a:lstStyle/>
-                    <a:p>
-                      <a:pPr algn="ctr"/>
-                      <a:r>
-                        <a:rPr lang="pt-BR" dirty="0" smtClean="0">
-                          <a:latin typeface="Arial" pitchFamily="34" charset="0"/>
-                          <a:cs typeface="Arial" pitchFamily="34" charset="0"/>
-                        </a:rPr>
-                        <a:t>84 a 74</a:t>
-                      </a:r>
-                      <a:endParaRPr lang="pt-BR" dirty="0">
-                        <a:latin typeface="Arial" pitchFamily="34" charset="0"/>
-                        <a:cs typeface="Arial" pitchFamily="34" charset="0"/>
-                      </a:endParaRPr>
-                    </a:p>
-                  </a:txBody>
-                  <a:tcPr anchor="ctr"/>
-                </a:tc>
-                <a:tc>
-                  <a:txBody>
-                    <a:bodyPr/>
-                    <a:lstStyle/>
-                    <a:p>
-                      <a:pPr algn="ctr"/>
-                      <a:r>
-                        <a:rPr lang="pt-BR" dirty="0" smtClean="0">
-                          <a:latin typeface="Arial" pitchFamily="34" charset="0"/>
-                          <a:cs typeface="Arial" pitchFamily="34" charset="0"/>
-                        </a:rPr>
-                        <a:t>74 a 64</a:t>
-                      </a:r>
-                      <a:endParaRPr lang="pt-BR" dirty="0">
-                        <a:latin typeface="Arial" pitchFamily="34" charset="0"/>
-                        <a:cs typeface="Arial" pitchFamily="34" charset="0"/>
-                      </a:endParaRPr>
-                    </a:p>
-                  </a:txBody>
-                  <a:tcPr anchor="ctr"/>
-                </a:tc>
-                <a:tc>
-                  <a:txBody>
-                    <a:bodyPr/>
-                    <a:lstStyle/>
-                    <a:p>
-                      <a:pPr algn="ctr"/>
-                      <a:r>
-                        <a:rPr lang="pt-BR" dirty="0" smtClean="0">
-                          <a:latin typeface="Arial" pitchFamily="34" charset="0"/>
-                          <a:cs typeface="Arial" pitchFamily="34" charset="0"/>
-                        </a:rPr>
-                        <a:t>40 a 30</a:t>
-                      </a:r>
-                      <a:endParaRPr lang="pt-BR" dirty="0">
-                        <a:latin typeface="Arial" pitchFamily="34" charset="0"/>
-                        <a:cs typeface="Arial" pitchFamily="34" charset="0"/>
-                      </a:endParaRPr>
-                    </a:p>
-                  </a:txBody>
-                  <a:tcPr anchor="ctr"/>
-                </a:tc>
-                <a:tc>
-                  <a:txBody>
-                    <a:bodyPr/>
-                    <a:lstStyle/>
-                    <a:p>
-                      <a:pPr algn="ctr"/>
-                      <a:r>
-                        <a:rPr lang="pt-BR" dirty="0" smtClean="0">
-                          <a:latin typeface="Arial" pitchFamily="34" charset="0"/>
-                          <a:cs typeface="Arial" pitchFamily="34" charset="0"/>
-                        </a:rPr>
-                        <a:t>30 a 20</a:t>
-                      </a:r>
-                      <a:endParaRPr lang="pt-BR" dirty="0">
-                        <a:latin typeface="Arial" pitchFamily="34" charset="0"/>
-                        <a:cs typeface="Arial" pitchFamily="34" charset="0"/>
-                      </a:endParaRPr>
-                    </a:p>
-                  </a:txBody>
-                  <a:tcPr anchor="ctr"/>
-                </a:tc>
-              </a:tr>
-              <a:tr h="370840">
-                <a:tc>
-                  <a:txBody>
-                    <a:bodyPr/>
-                    <a:lstStyle/>
-                    <a:p>
-                      <a:pPr algn="ctr"/>
-                      <a:r>
-                        <a:rPr lang="pt-BR" dirty="0" smtClean="0">
-                          <a:latin typeface="Arial" pitchFamily="34" charset="0"/>
-                          <a:cs typeface="Arial" pitchFamily="34" charset="0"/>
-                        </a:rPr>
-                        <a:t>0,50 a 30</a:t>
-                      </a:r>
-                      <a:endParaRPr lang="pt-BR" dirty="0">
-                        <a:latin typeface="Arial" pitchFamily="34" charset="0"/>
-                        <a:cs typeface="Arial" pitchFamily="34" charset="0"/>
-                      </a:endParaRPr>
-                    </a:p>
-                  </a:txBody>
-                  <a:tcPr anchor="ctr"/>
-                </a:tc>
-                <a:tc>
-                  <a:txBody>
-                    <a:bodyPr/>
-                    <a:lstStyle/>
-                    <a:p>
-                      <a:pPr algn="ctr"/>
-                      <a:r>
-                        <a:rPr lang="pt-BR" dirty="0" smtClean="0">
-                          <a:latin typeface="Arial" pitchFamily="34" charset="0"/>
-                          <a:cs typeface="Arial" pitchFamily="34" charset="0"/>
-                        </a:rPr>
-                        <a:t>74</a:t>
-                      </a:r>
-                      <a:endParaRPr lang="pt-BR" dirty="0">
-                        <a:latin typeface="Arial" pitchFamily="34" charset="0"/>
-                        <a:cs typeface="Arial" pitchFamily="34" charset="0"/>
-                      </a:endParaRPr>
-                    </a:p>
-                  </a:txBody>
-                  <a:tcPr anchor="ctr"/>
-                </a:tc>
-                <a:tc>
-                  <a:txBody>
-                    <a:bodyPr/>
-                    <a:lstStyle/>
-                    <a:p>
-                      <a:pPr algn="ctr"/>
-                      <a:r>
-                        <a:rPr lang="pt-BR" dirty="0" smtClean="0">
-                          <a:latin typeface="Arial" pitchFamily="34" charset="0"/>
-                          <a:cs typeface="Arial" pitchFamily="34" charset="0"/>
-                        </a:rPr>
-                        <a:t>64</a:t>
-                      </a:r>
-                      <a:endParaRPr lang="pt-BR" dirty="0">
-                        <a:latin typeface="Arial" pitchFamily="34" charset="0"/>
-                        <a:cs typeface="Arial" pitchFamily="34" charset="0"/>
-                      </a:endParaRPr>
-                    </a:p>
-                  </a:txBody>
-                  <a:tcPr anchor="ctr"/>
-                </a:tc>
-                <a:tc>
-                  <a:txBody>
-                    <a:bodyPr/>
-                    <a:lstStyle/>
-                    <a:p>
-                      <a:pPr algn="ctr"/>
-                      <a:r>
-                        <a:rPr lang="pt-BR" dirty="0" smtClean="0">
-                          <a:latin typeface="Arial" pitchFamily="34" charset="0"/>
-                          <a:cs typeface="Arial" pitchFamily="34" charset="0"/>
-                        </a:rPr>
-                        <a:t>30</a:t>
-                      </a:r>
-                      <a:endParaRPr lang="pt-BR" dirty="0">
-                        <a:latin typeface="Arial" pitchFamily="34" charset="0"/>
-                        <a:cs typeface="Arial" pitchFamily="34" charset="0"/>
-                      </a:endParaRPr>
-                    </a:p>
-                  </a:txBody>
-                  <a:tcPr anchor="ctr"/>
-                </a:tc>
-                <a:tc>
-                  <a:txBody>
-                    <a:bodyPr/>
-                    <a:lstStyle/>
-                    <a:p>
-                      <a:pPr algn="ctr"/>
-                      <a:r>
-                        <a:rPr lang="pt-BR" dirty="0" smtClean="0">
-                          <a:latin typeface="Arial" pitchFamily="34" charset="0"/>
-                          <a:cs typeface="Arial" pitchFamily="34" charset="0"/>
-                        </a:rPr>
-                        <a:t>20</a:t>
                       </a:r>
                       <a:endParaRPr lang="pt-BR" dirty="0">
                         <a:latin typeface="Arial" pitchFamily="34" charset="0"/>
@@ -6050,12 +6291,8 @@
                 <a:latin typeface="Arial" pitchFamily="34" charset="0"/>
                 <a:cs typeface="Arial" pitchFamily="34" charset="0"/>
               </a:rPr>
-              <a:t>Classe A:</a:t>
-            </a:r>
-            <a:endParaRPr lang="pt-BR" dirty="0" smtClean="0">
-              <a:latin typeface="Arial" pitchFamily="34" charset="0"/>
-              <a:cs typeface="Arial" pitchFamily="34" charset="0"/>
-            </a:endParaRPr>
+              <a:t>Classe B:</a:t>
+            </a:r>
           </a:p>
         </p:txBody>
       </p:sp>
@@ -6081,14 +6318,7 @@
                 <a:latin typeface="Arial" pitchFamily="34" charset="0"/>
                 <a:cs typeface="Arial" pitchFamily="34" charset="0"/>
               </a:rPr>
-              <a:t>LIMITES PARA PERTURBAÇÃO </a:t>
-            </a:r>
-            <a:r>
-              <a:rPr lang="pt-BR" dirty="0" smtClean="0">
-                <a:latin typeface="Arial" pitchFamily="34" charset="0"/>
-                <a:cs typeface="Arial" pitchFamily="34" charset="0"/>
-              </a:rPr>
-              <a:t>IRRADIADA</a:t>
+              <a:t>LIMITES PARA PERTURBAÇÃO CONDUZIDA</a:t>
             </a:r>
             <a:endParaRPr lang="pt-BR" dirty="0">
               <a:latin typeface="Arial" pitchFamily="34" charset="0"/>
@@ -6106,8 +6336,8 @@
           <p:nvPr/>
         </p:nvGraphicFramePr>
         <p:xfrm>
-          <a:off x="1475656" y="3284984"/>
-          <a:ext cx="6096000" cy="1483360"/>
+          <a:off x="1475656" y="2420888"/>
+          <a:ext cx="6096000" cy="1854200"/>
         </p:xfrm>
         <a:graphic>
           <a:graphicData uri="http://schemas.openxmlformats.org/drawingml/2006/table">
@@ -6117,9 +6347,185 @@
               </a:tblPr>
               <a:tblGrid>
                 <a:gridCol w="2032000"/>
-                <a:gridCol w="4064000"/>
+                <a:gridCol w="2032000"/>
+                <a:gridCol w="2032000"/>
               </a:tblGrid>
-              <a:tr h="741680">
+              <a:tr h="370840">
+                <a:tc rowSpan="2">
+                  <a:txBody>
+                    <a:bodyPr/>
+                    <a:lstStyle/>
+                    <a:p>
+                      <a:pPr algn="ctr"/>
+                      <a:r>
+                        <a:rPr lang="pt-BR" dirty="0" smtClean="0">
+                          <a:latin typeface="Arial" pitchFamily="34" charset="0"/>
+                          <a:cs typeface="Arial" pitchFamily="34" charset="0"/>
+                        </a:rPr>
+                        <a:t>Faixa</a:t>
+                      </a:r>
+                      <a:r>
+                        <a:rPr lang="pt-BR" baseline="0" dirty="0" smtClean="0">
+                          <a:latin typeface="Arial" pitchFamily="34" charset="0"/>
+                          <a:cs typeface="Arial" pitchFamily="34" charset="0"/>
+                        </a:rPr>
+                        <a:t> de frequência (MHz)</a:t>
+                      </a:r>
+                      <a:endParaRPr lang="pt-BR" dirty="0">
+                        <a:latin typeface="Arial" pitchFamily="34" charset="0"/>
+                        <a:cs typeface="Arial" pitchFamily="34" charset="0"/>
+                      </a:endParaRPr>
+                    </a:p>
+                  </a:txBody>
+                  <a:tcPr anchor="ctr">
+                    <a:lnL w="12700" cap="flat" cmpd="sng" algn="ctr">
+                      <a:solidFill>
+                        <a:schemeClr val="tx1"/>
+                      </a:solidFill>
+                      <a:prstDash val="solid"/>
+                      <a:round/>
+                      <a:headEnd type="none" w="med" len="med"/>
+                      <a:tailEnd type="none" w="med" len="med"/>
+                    </a:lnL>
+                    <a:lnR w="12700" cap="flat" cmpd="sng" algn="ctr">
+                      <a:solidFill>
+                        <a:schemeClr val="tx1"/>
+                      </a:solidFill>
+                      <a:prstDash val="solid"/>
+                      <a:round/>
+                      <a:headEnd type="none" w="med" len="med"/>
+                      <a:tailEnd type="none" w="med" len="med"/>
+                    </a:lnR>
+                    <a:lnT w="12700" cap="flat" cmpd="sng" algn="ctr">
+                      <a:solidFill>
+                        <a:schemeClr val="tx1"/>
+                      </a:solidFill>
+                      <a:prstDash val="solid"/>
+                      <a:round/>
+                      <a:headEnd type="none" w="med" len="med"/>
+                      <a:tailEnd type="none" w="med" len="med"/>
+                    </a:lnT>
+                    <a:lnB w="12700" cap="flat" cmpd="sng" algn="ctr">
+                      <a:solidFill>
+                        <a:schemeClr val="tx1"/>
+                      </a:solidFill>
+                      <a:prstDash val="solid"/>
+                      <a:round/>
+                      <a:headEnd type="none" w="med" len="med"/>
+                      <a:tailEnd type="none" w="med" len="med"/>
+                    </a:lnB>
+                    <a:lnTlToBr w="12700" cmpd="sng">
+                      <a:noFill/>
+                      <a:prstDash val="solid"/>
+                    </a:lnTlToBr>
+                    <a:lnBlToTr w="12700" cmpd="sng">
+                      <a:noFill/>
+                      <a:prstDash val="solid"/>
+                    </a:lnBlToTr>
+                  </a:tcPr>
+                </a:tc>
+                <a:tc gridSpan="2">
+                  <a:txBody>
+                    <a:bodyPr/>
+                    <a:lstStyle/>
+                    <a:p>
+                      <a:pPr algn="ctr"/>
+                      <a:r>
+                        <a:rPr lang="pt-BR" dirty="0" smtClean="0">
+                          <a:latin typeface="Arial" pitchFamily="34" charset="0"/>
+                          <a:cs typeface="Arial" pitchFamily="34" charset="0"/>
+                        </a:rPr>
+                        <a:t>Limites dB(</a:t>
+                      </a:r>
+                      <a:r>
+                        <a:rPr lang="pt-BR" dirty="0" err="1" smtClean="0">
+                          <a:latin typeface="Arial" pitchFamily="34" charset="0"/>
+                          <a:cs typeface="Arial" pitchFamily="34" charset="0"/>
+                        </a:rPr>
+                        <a:t>µV</a:t>
+                      </a:r>
+                      <a:r>
+                        <a:rPr lang="pt-BR" dirty="0" smtClean="0">
+                          <a:latin typeface="Arial" pitchFamily="34" charset="0"/>
+                          <a:cs typeface="Arial" pitchFamily="34" charset="0"/>
+                        </a:rPr>
+                        <a:t>)</a:t>
+                      </a:r>
+                      <a:endParaRPr lang="pt-BR" dirty="0">
+                        <a:latin typeface="Arial" pitchFamily="34" charset="0"/>
+                        <a:cs typeface="Arial" pitchFamily="34" charset="0"/>
+                      </a:endParaRPr>
+                    </a:p>
+                  </a:txBody>
+                  <a:tcPr anchor="ctr">
+                    <a:lnL w="12700" cap="flat" cmpd="sng" algn="ctr">
+                      <a:solidFill>
+                        <a:schemeClr val="tx1"/>
+                      </a:solidFill>
+                      <a:prstDash val="solid"/>
+                      <a:round/>
+                      <a:headEnd type="none" w="med" len="med"/>
+                      <a:tailEnd type="none" w="med" len="med"/>
+                    </a:lnL>
+                    <a:lnR w="12700" cap="flat" cmpd="sng" algn="ctr">
+                      <a:solidFill>
+                        <a:schemeClr val="tx1"/>
+                      </a:solidFill>
+                      <a:prstDash val="solid"/>
+                      <a:round/>
+                      <a:headEnd type="none" w="med" len="med"/>
+                      <a:tailEnd type="none" w="med" len="med"/>
+                    </a:lnR>
+                    <a:lnT w="12700" cap="flat" cmpd="sng" algn="ctr">
+                      <a:solidFill>
+                        <a:schemeClr val="tx1"/>
+                      </a:solidFill>
+                      <a:prstDash val="solid"/>
+                      <a:round/>
+                      <a:headEnd type="none" w="med" len="med"/>
+                      <a:tailEnd type="none" w="med" len="med"/>
+                    </a:lnT>
+                    <a:lnB w="12700" cap="flat" cmpd="sng" algn="ctr">
+                      <a:solidFill>
+                        <a:schemeClr val="tx1"/>
+                      </a:solidFill>
+                      <a:prstDash val="solid"/>
+                      <a:round/>
+                      <a:headEnd type="none" w="med" len="med"/>
+                      <a:tailEnd type="none" w="med" len="med"/>
+                    </a:lnB>
+                    <a:lnTlToBr w="12700" cmpd="sng">
+                      <a:noFill/>
+                      <a:prstDash val="solid"/>
+                    </a:lnTlToBr>
+                    <a:lnBlToTr w="12700" cmpd="sng">
+                      <a:noFill/>
+                      <a:prstDash val="solid"/>
+                    </a:lnBlToTr>
+                  </a:tcPr>
+                </a:tc>
+                <a:tc hMerge="1">
+                  <a:txBody>
+                    <a:bodyPr/>
+                    <a:lstStyle/>
+                    <a:p>
+                      <a:endParaRPr lang="pt-BR" dirty="0"/>
+                    </a:p>
+                  </a:txBody>
+                  <a:tcPr/>
+                </a:tc>
+              </a:tr>
+              <a:tr h="370840">
+                <a:tc vMerge="1">
+                  <a:txBody>
+                    <a:bodyPr/>
+                    <a:lstStyle/>
+                    <a:p>
+                      <a:endParaRPr lang="pt-BR"/>
+                    </a:p>
+                  </a:txBody>
+                  <a:tcPr/>
+                </a:tc>
                 <a:tc>
                   <a:txBody>
                     <a:bodyPr/>
@@ -6131,14 +6537,7 @@
                           <a:latin typeface="Arial" pitchFamily="34" charset="0"/>
                           <a:cs typeface="Arial" pitchFamily="34" charset="0"/>
                         </a:rPr>
-                        <a:t>Faixa</a:t>
-                      </a:r>
-                      <a:r>
-                        <a:rPr lang="pt-BR" baseline="0" dirty="0" smtClean="0">
-                          <a:latin typeface="Arial" pitchFamily="34" charset="0"/>
-                          <a:cs typeface="Arial" pitchFamily="34" charset="0"/>
-                        </a:rPr>
-                        <a:t> de frequência (MHz)</a:t>
+                        <a:t>Quase - pico</a:t>
                       </a:r>
                       <a:endParaRPr lang="pt-BR" dirty="0">
                         <a:latin typeface="Arial" pitchFamily="34" charset="0"/>
@@ -6204,28 +6603,7 @@
                           <a:latin typeface="Arial" pitchFamily="34" charset="0"/>
                           <a:cs typeface="Arial" pitchFamily="34" charset="0"/>
                         </a:rPr>
-                        <a:t>Limites </a:t>
-                      </a:r>
-                      <a:r>
-                        <a:rPr lang="pt-BR" dirty="0" smtClean="0">
-                          <a:latin typeface="Arial" pitchFamily="34" charset="0"/>
-                          <a:cs typeface="Arial" pitchFamily="34" charset="0"/>
-                        </a:rPr>
-                        <a:t>de quase-pico dB (</a:t>
-                      </a:r>
-                      <a:r>
-                        <a:rPr lang="pt-BR" dirty="0" err="1" smtClean="0">
-                          <a:latin typeface="Arial" pitchFamily="34" charset="0"/>
-                          <a:cs typeface="Arial" pitchFamily="34" charset="0"/>
-                        </a:rPr>
-                        <a:t>µV</a:t>
-                      </a:r>
-                      <a:r>
-                        <a:rPr lang="pt-BR" dirty="0" smtClean="0">
-                          <a:latin typeface="Arial" pitchFamily="34" charset="0"/>
-                          <a:cs typeface="Arial" pitchFamily="34" charset="0"/>
-                        </a:rPr>
-                        <a:t>/m)</a:t>
+                        <a:t>Média</a:t>
                       </a:r>
                       <a:endParaRPr lang="pt-BR" dirty="0">
                         <a:latin typeface="Arial" pitchFamily="34" charset="0"/>
@@ -6293,21 +6671,7 @@
                           <a:latin typeface="Arial" pitchFamily="34" charset="0"/>
                           <a:cs typeface="Arial" pitchFamily="34" charset="0"/>
                         </a:rPr>
-                        <a:t>30 </a:t>
-                      </a:r>
-                      <a:r>
-                        <a:rPr lang="pt-BR" dirty="0" smtClean="0">
-                          <a:latin typeface="Arial" pitchFamily="34" charset="0"/>
-                          <a:cs typeface="Arial" pitchFamily="34" charset="0"/>
-                        </a:rPr>
-                        <a:t>a </a:t>
-                      </a:r>
-                      <a:r>
-                        <a:rPr lang="pt-BR" dirty="0" smtClean="0">
-                          <a:latin typeface="Arial" pitchFamily="34" charset="0"/>
-                          <a:cs typeface="Arial" pitchFamily="34" charset="0"/>
-                        </a:rPr>
-                        <a:t>230</a:t>
+                        <a:t>0,15 a 0,50</a:t>
                       </a:r>
                       <a:endParaRPr lang="pt-BR" dirty="0">
                         <a:latin typeface="Arial" pitchFamily="34" charset="0"/>
@@ -6373,7 +6737,73 @@
                           <a:latin typeface="Arial" pitchFamily="34" charset="0"/>
                           <a:cs typeface="Arial" pitchFamily="34" charset="0"/>
                         </a:rPr>
-                        <a:t>40</a:t>
+                        <a:t>66 a 56</a:t>
+                      </a:r>
+                      <a:endParaRPr lang="pt-BR" dirty="0">
+                        <a:latin typeface="Arial" pitchFamily="34" charset="0"/>
+                        <a:cs typeface="Arial" pitchFamily="34" charset="0"/>
+                      </a:endParaRPr>
+                    </a:p>
+                  </a:txBody>
+                  <a:tcPr anchor="ctr">
+                    <a:lnL w="12700" cap="flat" cmpd="sng" algn="ctr">
+                      <a:solidFill>
+                        <a:schemeClr val="tx1"/>
+                      </a:solidFill>
+                      <a:prstDash val="solid"/>
+                      <a:round/>
+                      <a:headEnd type="none" w="med" len="med"/>
+                      <a:tailEnd type="none" w="med" len="med"/>
+                    </a:lnL>
+                    <a:lnR w="12700" cap="flat" cmpd="sng" algn="ctr">
+                      <a:solidFill>
+                        <a:schemeClr val="tx1"/>
+                      </a:solidFill>
+                      <a:prstDash val="solid"/>
+                      <a:round/>
+                      <a:headEnd type="none" w="med" len="med"/>
+                      <a:tailEnd type="none" w="med" len="med"/>
+                    </a:lnR>
+                    <a:lnT w="12700" cap="flat" cmpd="sng" algn="ctr">
+                      <a:solidFill>
+                        <a:schemeClr val="tx1"/>
+                      </a:solidFill>
+                      <a:prstDash val="solid"/>
+                      <a:round/>
+                      <a:headEnd type="none" w="med" len="med"/>
+                      <a:tailEnd type="none" w="med" len="med"/>
+                    </a:lnT>
+                    <a:lnB w="12700" cap="flat" cmpd="sng" algn="ctr">
+                      <a:solidFill>
+                        <a:schemeClr val="tx1"/>
+                      </a:solidFill>
+                      <a:prstDash val="solid"/>
+                      <a:round/>
+                      <a:headEnd type="none" w="med" len="med"/>
+                      <a:tailEnd type="none" w="med" len="med"/>
+                    </a:lnB>
+                    <a:lnTlToBr w="12700" cmpd="sng">
+                      <a:noFill/>
+                      <a:prstDash val="solid"/>
+                    </a:lnTlToBr>
+                    <a:lnBlToTr w="12700" cmpd="sng">
+                      <a:noFill/>
+                      <a:prstDash val="solid"/>
+                    </a:lnBlToTr>
+                  </a:tcPr>
+                </a:tc>
+                <a:tc>
+                  <a:txBody>
+                    <a:bodyPr/>
+                    <a:lstStyle/>
+                    <a:p>
+                      <a:pPr algn="ctr"/>
+                      <a:r>
+                        <a:rPr lang="pt-BR" dirty="0" smtClean="0">
+                          <a:latin typeface="Arial" pitchFamily="34" charset="0"/>
+                          <a:cs typeface="Arial" pitchFamily="34" charset="0"/>
+                        </a:rPr>
+                        <a:t>56 a 46</a:t>
                       </a:r>
                       <a:endParaRPr lang="pt-BR" dirty="0">
                         <a:latin typeface="Arial" pitchFamily="34" charset="0"/>
@@ -6441,7 +6871,7 @@
                           <a:latin typeface="Arial" pitchFamily="34" charset="0"/>
                           <a:cs typeface="Arial" pitchFamily="34" charset="0"/>
                         </a:rPr>
-                        <a:t>230 a 1000</a:t>
+                        <a:t>0,50 a 5</a:t>
                       </a:r>
                       <a:endParaRPr lang="pt-BR" dirty="0">
                         <a:latin typeface="Arial" pitchFamily="34" charset="0"/>
@@ -6507,7 +6937,7 @@
                           <a:latin typeface="Arial" pitchFamily="34" charset="0"/>
                           <a:cs typeface="Arial" pitchFamily="34" charset="0"/>
                         </a:rPr>
-                        <a:t>47</a:t>
+                        <a:t>56</a:t>
                       </a:r>
                       <a:endParaRPr lang="pt-BR" dirty="0">
                         <a:latin typeface="Arial" pitchFamily="34" charset="0"/>
@@ -6562,6 +6992,272 @@
                     </a:lnBlToTr>
                   </a:tcPr>
                 </a:tc>
+                <a:tc>
+                  <a:txBody>
+                    <a:bodyPr/>
+                    <a:lstStyle/>
+                    <a:p>
+                      <a:pPr algn="ctr"/>
+                      <a:r>
+                        <a:rPr lang="pt-BR" dirty="0" smtClean="0">
+                          <a:latin typeface="Arial" pitchFamily="34" charset="0"/>
+                          <a:cs typeface="Arial" pitchFamily="34" charset="0"/>
+                        </a:rPr>
+                        <a:t>46</a:t>
+                      </a:r>
+                      <a:endParaRPr lang="pt-BR" dirty="0">
+                        <a:latin typeface="Arial" pitchFamily="34" charset="0"/>
+                        <a:cs typeface="Arial" pitchFamily="34" charset="0"/>
+                      </a:endParaRPr>
+                    </a:p>
+                  </a:txBody>
+                  <a:tcPr anchor="ctr">
+                    <a:lnL w="12700" cap="flat" cmpd="sng" algn="ctr">
+                      <a:solidFill>
+                        <a:schemeClr val="tx1"/>
+                      </a:solidFill>
+                      <a:prstDash val="solid"/>
+                      <a:round/>
+                      <a:headEnd type="none" w="med" len="med"/>
+                      <a:tailEnd type="none" w="med" len="med"/>
+                    </a:lnL>
+                    <a:lnR w="12700" cap="flat" cmpd="sng" algn="ctr">
+                      <a:solidFill>
+                        <a:schemeClr val="tx1"/>
+                      </a:solidFill>
+                      <a:prstDash val="solid"/>
+                      <a:round/>
+                      <a:headEnd type="none" w="med" len="med"/>
+                      <a:tailEnd type="none" w="med" len="med"/>
+                    </a:lnR>
+                    <a:lnT w="12700" cap="flat" cmpd="sng" algn="ctr">
+                      <a:solidFill>
+                        <a:schemeClr val="tx1"/>
+                      </a:solidFill>
+                      <a:prstDash val="solid"/>
+                      <a:round/>
+                      <a:headEnd type="none" w="med" len="med"/>
+                      <a:tailEnd type="none" w="med" len="med"/>
+                    </a:lnT>
+                    <a:lnB w="12700" cap="flat" cmpd="sng" algn="ctr">
+                      <a:solidFill>
+                        <a:schemeClr val="tx1"/>
+                      </a:solidFill>
+                      <a:prstDash val="solid"/>
+                      <a:round/>
+                      <a:headEnd type="none" w="med" len="med"/>
+                      <a:tailEnd type="none" w="med" len="med"/>
+                    </a:lnB>
+                    <a:lnTlToBr w="12700" cmpd="sng">
+                      <a:noFill/>
+                      <a:prstDash val="solid"/>
+                    </a:lnTlToBr>
+                    <a:lnBlToTr w="12700" cmpd="sng">
+                      <a:noFill/>
+                      <a:prstDash val="solid"/>
+                    </a:lnBlToTr>
+                  </a:tcPr>
+                </a:tc>
+              </a:tr>
+              <a:tr h="370840">
+                <a:tc>
+                  <a:txBody>
+                    <a:bodyPr/>
+                    <a:lstStyle/>
+                    <a:p>
+                      <a:pPr algn="ctr"/>
+                      <a:r>
+                        <a:rPr lang="pt-BR" dirty="0" smtClean="0">
+                          <a:latin typeface="Arial" pitchFamily="34" charset="0"/>
+                          <a:cs typeface="Arial" pitchFamily="34" charset="0"/>
+                        </a:rPr>
+                        <a:t>5 a 30</a:t>
+                      </a:r>
+                      <a:endParaRPr lang="pt-BR" dirty="0">
+                        <a:latin typeface="Arial" pitchFamily="34" charset="0"/>
+                        <a:cs typeface="Arial" pitchFamily="34" charset="0"/>
+                      </a:endParaRPr>
+                    </a:p>
+                  </a:txBody>
+                  <a:tcPr anchor="ctr">
+                    <a:lnL w="12700" cap="flat" cmpd="sng" algn="ctr">
+                      <a:solidFill>
+                        <a:schemeClr val="tx1"/>
+                      </a:solidFill>
+                      <a:prstDash val="solid"/>
+                      <a:round/>
+                      <a:headEnd type="none" w="med" len="med"/>
+                      <a:tailEnd type="none" w="med" len="med"/>
+                    </a:lnL>
+                    <a:lnR w="12700" cap="flat" cmpd="sng" algn="ctr">
+                      <a:solidFill>
+                        <a:schemeClr val="tx1"/>
+                      </a:solidFill>
+                      <a:prstDash val="solid"/>
+                      <a:round/>
+                      <a:headEnd type="none" w="med" len="med"/>
+                      <a:tailEnd type="none" w="med" len="med"/>
+                    </a:lnR>
+                    <a:lnT w="12700" cap="flat" cmpd="sng" algn="ctr">
+                      <a:solidFill>
+                        <a:schemeClr val="tx1"/>
+                      </a:solidFill>
+                      <a:prstDash val="solid"/>
+                      <a:round/>
+                      <a:headEnd type="none" w="med" len="med"/>
+                      <a:tailEnd type="none" w="med" len="med"/>
+                    </a:lnT>
+                    <a:lnB w="12700" cap="flat" cmpd="sng" algn="ctr">
+                      <a:solidFill>
+                        <a:schemeClr val="tx1"/>
+                      </a:solidFill>
+                      <a:prstDash val="solid"/>
+                      <a:round/>
+                      <a:headEnd type="none" w="med" len="med"/>
+                      <a:tailEnd type="none" w="med" len="med"/>
+                    </a:lnB>
+                    <a:lnTlToBr w="12700" cmpd="sng">
+                      <a:noFill/>
+                      <a:prstDash val="solid"/>
+                    </a:lnTlToBr>
+                    <a:lnBlToTr w="12700" cmpd="sng">
+                      <a:noFill/>
+                      <a:prstDash val="solid"/>
+                    </a:lnBlToTr>
+                  </a:tcPr>
+                </a:tc>
+                <a:tc>
+                  <a:txBody>
+                    <a:bodyPr/>
+                    <a:lstStyle/>
+                    <a:p>
+                      <a:pPr algn="ctr"/>
+                      <a:r>
+                        <a:rPr lang="pt-BR" dirty="0" smtClean="0">
+                          <a:latin typeface="Arial" pitchFamily="34" charset="0"/>
+                          <a:cs typeface="Arial" pitchFamily="34" charset="0"/>
+                        </a:rPr>
+                        <a:t>60</a:t>
+                      </a:r>
+                      <a:endParaRPr lang="pt-BR" dirty="0">
+                        <a:latin typeface="Arial" pitchFamily="34" charset="0"/>
+                        <a:cs typeface="Arial" pitchFamily="34" charset="0"/>
+                      </a:endParaRPr>
+                    </a:p>
+                  </a:txBody>
+                  <a:tcPr anchor="ctr">
+                    <a:lnL w="12700" cap="flat" cmpd="sng" algn="ctr">
+                      <a:solidFill>
+                        <a:schemeClr val="tx1"/>
+                      </a:solidFill>
+                      <a:prstDash val="solid"/>
+                      <a:round/>
+                      <a:headEnd type="none" w="med" len="med"/>
+                      <a:tailEnd type="none" w="med" len="med"/>
+                    </a:lnL>
+                    <a:lnR w="12700" cap="flat" cmpd="sng" algn="ctr">
+                      <a:solidFill>
+                        <a:schemeClr val="tx1"/>
+                      </a:solidFill>
+                      <a:prstDash val="solid"/>
+                      <a:round/>
+                      <a:headEnd type="none" w="med" len="med"/>
+                      <a:tailEnd type="none" w="med" len="med"/>
+                    </a:lnR>
+                    <a:lnT w="12700" cap="flat" cmpd="sng" algn="ctr">
+                      <a:solidFill>
+                        <a:schemeClr val="tx1"/>
+                      </a:solidFill>
+                      <a:prstDash val="solid"/>
+                      <a:round/>
+                      <a:headEnd type="none" w="med" len="med"/>
+                      <a:tailEnd type="none" w="med" len="med"/>
+                    </a:lnT>
+                    <a:lnB w="12700" cap="flat" cmpd="sng" algn="ctr">
+                      <a:solidFill>
+                        <a:schemeClr val="tx1"/>
+                      </a:solidFill>
+                      <a:prstDash val="solid"/>
+                      <a:round/>
+                      <a:headEnd type="none" w="med" len="med"/>
+                      <a:tailEnd type="none" w="med" len="med"/>
+                    </a:lnB>
+                    <a:lnTlToBr w="12700" cmpd="sng">
+                      <a:noFill/>
+                      <a:prstDash val="solid"/>
+                    </a:lnTlToBr>
+                    <a:lnBlToTr w="12700" cmpd="sng">
+                      <a:noFill/>
+                      <a:prstDash val="solid"/>
+                    </a:lnBlToTr>
+                  </a:tcPr>
+                </a:tc>
+                <a:tc>
+                  <a:txBody>
+                    <a:bodyPr/>
+                    <a:lstStyle/>
+                    <a:p>
+                      <a:pPr algn="ctr"/>
+                      <a:r>
+                        <a:rPr lang="pt-BR" dirty="0" smtClean="0">
+                          <a:latin typeface="Arial" pitchFamily="34" charset="0"/>
+                          <a:cs typeface="Arial" pitchFamily="34" charset="0"/>
+                        </a:rPr>
+                        <a:t>50</a:t>
+                      </a:r>
+                      <a:endParaRPr lang="pt-BR" dirty="0">
+                        <a:latin typeface="Arial" pitchFamily="34" charset="0"/>
+                        <a:cs typeface="Arial" pitchFamily="34" charset="0"/>
+                      </a:endParaRPr>
+                    </a:p>
+                  </a:txBody>
+                  <a:tcPr anchor="ctr">
+                    <a:lnL w="12700" cap="flat" cmpd="sng" algn="ctr">
+                      <a:solidFill>
+                        <a:schemeClr val="tx1"/>
+                      </a:solidFill>
+                      <a:prstDash val="solid"/>
+                      <a:round/>
+                      <a:headEnd type="none" w="med" len="med"/>
+                      <a:tailEnd type="none" w="med" len="med"/>
+                    </a:lnL>
+                    <a:lnR w="12700" cap="flat" cmpd="sng" algn="ctr">
+                      <a:solidFill>
+                        <a:schemeClr val="tx1"/>
+                      </a:solidFill>
+                      <a:prstDash val="solid"/>
+                      <a:round/>
+                      <a:headEnd type="none" w="med" len="med"/>
+                      <a:tailEnd type="none" w="med" len="med"/>
+                    </a:lnR>
+                    <a:lnT w="12700" cap="flat" cmpd="sng" algn="ctr">
+                      <a:solidFill>
+                        <a:schemeClr val="tx1"/>
+                      </a:solidFill>
+                      <a:prstDash val="solid"/>
+                      <a:round/>
+                      <a:headEnd type="none" w="med" len="med"/>
+                      <a:tailEnd type="none" w="med" len="med"/>
+                    </a:lnT>
+                    <a:lnB w="12700" cap="flat" cmpd="sng" algn="ctr">
+                      <a:solidFill>
+                        <a:schemeClr val="tx1"/>
+                      </a:solidFill>
+                      <a:prstDash val="solid"/>
+                      <a:round/>
+                      <a:headEnd type="none" w="med" len="med"/>
+                      <a:tailEnd type="none" w="med" len="med"/>
+                    </a:lnB>
+                    <a:lnTlToBr w="12700" cmpd="sng">
+                      <a:noFill/>
+                      <a:prstDash val="solid"/>
+                    </a:lnTlToBr>
+                    <a:lnBlToTr w="12700" cmpd="sng">
+                      <a:noFill/>
+                      <a:prstDash val="solid"/>
+                    </a:lnBlToTr>
+                  </a:tcPr>
+                </a:tc>
               </a:tr>
             </a:tbl>
           </a:graphicData>
@@ -6575,7 +7271,7 @@
         </p:nvSpPr>
         <p:spPr>
           <a:xfrm>
-            <a:off x="0" y="2924944"/>
+            <a:off x="0" y="1988840"/>
             <a:ext cx="9144000" cy="369332"/>
           </a:xfrm>
           <a:prstGeom prst="rect">
@@ -6595,7 +7291,7 @@
                 <a:latin typeface="Arial" pitchFamily="34" charset="0"/>
                 <a:cs typeface="Arial" pitchFamily="34" charset="0"/>
               </a:rPr>
-              <a:t>Tabela 5 – Limites para perturbação irradiada em uma distância de 10 m</a:t>
+              <a:t>Tabela 3 – Limites para perturbação conduzida</a:t>
             </a:r>
             <a:endParaRPr lang="pt-BR" dirty="0">
               <a:latin typeface="Arial" pitchFamily="34" charset="0"/>
@@ -6604,6 +7300,547 @@
           </a:p>
         </p:txBody>
       </p:sp>
+      <p:sp>
+        <p:nvSpPr>
+          <p:cNvPr id="6" name="CaixaDeTexto 5"/>
+          <p:cNvSpPr txBox="1"/>
+          <p:nvPr/>
+        </p:nvSpPr>
+        <p:spPr>
+          <a:xfrm>
+            <a:off x="0" y="4427820"/>
+            <a:ext cx="9144000" cy="369332"/>
+          </a:xfrm>
+          <a:prstGeom prst="rect">
+            <a:avLst/>
+          </a:prstGeom>
+          <a:noFill/>
+        </p:spPr>
+        <p:txBody>
+          <a:bodyPr wrap="square" rtlCol="0">
+            <a:spAutoFit/>
+          </a:bodyPr>
+          <a:lstStyle/>
+          <a:p>
+            <a:pPr algn="ctr"/>
+            <a:r>
+              <a:rPr lang="pt-BR" dirty="0" smtClean="0">
+                <a:latin typeface="Arial" pitchFamily="34" charset="0"/>
+                <a:cs typeface="Arial" pitchFamily="34" charset="0"/>
+              </a:rPr>
+              <a:t>Tabela 4 – Limites para perturbação conduzida de modo comum</a:t>
+            </a:r>
+            <a:endParaRPr lang="pt-BR" dirty="0">
+              <a:latin typeface="Arial" pitchFamily="34" charset="0"/>
+              <a:cs typeface="Arial" pitchFamily="34" charset="0"/>
+            </a:endParaRPr>
+          </a:p>
+        </p:txBody>
+      </p:sp>
+      <p:graphicFrame>
+        <p:nvGraphicFramePr>
+          <p:cNvPr id="7" name="Tabela 6"/>
+          <p:cNvGraphicFramePr>
+            <a:graphicFrameLocks noGrp="1"/>
+          </p:cNvGraphicFramePr>
+          <p:nvPr/>
+        </p:nvGraphicFramePr>
+        <p:xfrm>
+          <a:off x="467545" y="4869264"/>
+          <a:ext cx="8208910" cy="1656080"/>
+        </p:xfrm>
+        <a:graphic>
+          <a:graphicData uri="http://schemas.openxmlformats.org/drawingml/2006/table">
+            <a:tbl>
+              <a:tblPr firstRow="1" bandRow="1"/>
+              <a:tblGrid>
+                <a:gridCol w="1641782"/>
+                <a:gridCol w="1641782"/>
+                <a:gridCol w="1641782"/>
+                <a:gridCol w="1641782"/>
+                <a:gridCol w="1641782"/>
+              </a:tblGrid>
+              <a:tr h="370840">
+                <a:tc rowSpan="2">
+                  <a:txBody>
+                    <a:bodyPr/>
+                    <a:lstStyle/>
+                    <a:p>
+                      <a:pPr algn="ctr"/>
+                      <a:r>
+                        <a:rPr lang="pt-BR" dirty="0" smtClean="0">
+                          <a:latin typeface="Arial" pitchFamily="34" charset="0"/>
+                          <a:cs typeface="Arial" pitchFamily="34" charset="0"/>
+                        </a:rPr>
+                        <a:t>Faixa</a:t>
+                      </a:r>
+                      <a:r>
+                        <a:rPr lang="pt-BR" baseline="0" dirty="0" smtClean="0">
+                          <a:latin typeface="Arial" pitchFamily="34" charset="0"/>
+                          <a:cs typeface="Arial" pitchFamily="34" charset="0"/>
+                        </a:rPr>
+                        <a:t> de frequência (MHz)</a:t>
+                      </a:r>
+                      <a:endParaRPr lang="pt-BR" dirty="0">
+                        <a:latin typeface="Arial" pitchFamily="34" charset="0"/>
+                        <a:cs typeface="Arial" pitchFamily="34" charset="0"/>
+                      </a:endParaRPr>
+                    </a:p>
+                  </a:txBody>
+                  <a:tcPr anchor="ctr"/>
+                </a:tc>
+                <a:tc gridSpan="2">
+                  <a:txBody>
+                    <a:bodyPr/>
+                    <a:lstStyle/>
+                    <a:p>
+                      <a:pPr algn="ctr"/>
+                      <a:r>
+                        <a:rPr lang="pt-BR" dirty="0" smtClean="0">
+                          <a:latin typeface="Arial" pitchFamily="34" charset="0"/>
+                          <a:cs typeface="Arial" pitchFamily="34" charset="0"/>
+                        </a:rPr>
+                        <a:t>Limites de tensão</a:t>
+                      </a:r>
+                      <a:r>
+                        <a:rPr lang="pt-BR" baseline="0" dirty="0" smtClean="0">
+                          <a:latin typeface="Arial" pitchFamily="34" charset="0"/>
+                          <a:cs typeface="Arial" pitchFamily="34" charset="0"/>
+                        </a:rPr>
+                        <a:t> </a:t>
+                      </a:r>
+                      <a:r>
+                        <a:rPr lang="pt-BR" dirty="0" smtClean="0">
+                          <a:latin typeface="Arial" pitchFamily="34" charset="0"/>
+                          <a:cs typeface="Arial" pitchFamily="34" charset="0"/>
+                        </a:rPr>
+                        <a:t>dB (</a:t>
+                      </a:r>
+                      <a:r>
+                        <a:rPr lang="pt-BR" dirty="0" err="1" smtClean="0">
+                          <a:latin typeface="Arial" pitchFamily="34" charset="0"/>
+                          <a:cs typeface="Arial" pitchFamily="34" charset="0"/>
+                        </a:rPr>
+                        <a:t>µV</a:t>
+                      </a:r>
+                      <a:r>
+                        <a:rPr lang="pt-BR" dirty="0" smtClean="0">
+                          <a:latin typeface="Arial" pitchFamily="34" charset="0"/>
+                          <a:cs typeface="Arial" pitchFamily="34" charset="0"/>
+                        </a:rPr>
+                        <a:t>)</a:t>
+                      </a:r>
+                      <a:endParaRPr lang="pt-BR" dirty="0">
+                        <a:latin typeface="Arial" pitchFamily="34" charset="0"/>
+                        <a:cs typeface="Arial" pitchFamily="34" charset="0"/>
+                      </a:endParaRPr>
+                    </a:p>
+                  </a:txBody>
+                  <a:tcPr anchor="ctr"/>
+                </a:tc>
+                <a:tc hMerge="1">
+                  <a:txBody>
+                    <a:bodyPr/>
+                    <a:lstStyle/>
+                    <a:p>
+                      <a:endParaRPr lang="pt-BR"/>
+                    </a:p>
+                  </a:txBody>
+                  <a:tcPr/>
+                </a:tc>
+                <a:tc gridSpan="2">
+                  <a:txBody>
+                    <a:bodyPr/>
+                    <a:lstStyle/>
+                    <a:p>
+                      <a:pPr marL="0" marR="0" indent="0" algn="ctr" defTabSz="914400" rtl="0" eaLnBrk="1" fontAlgn="auto" latinLnBrk="0" hangingPunct="1">
+                        <a:lnSpc>
+                          <a:spcPct val="100000"/>
+                        </a:lnSpc>
+                        <a:spcBef>
+                          <a:spcPts val="0"/>
+                        </a:spcBef>
+                        <a:spcAft>
+                          <a:spcPts val="0"/>
+                        </a:spcAft>
+                        <a:buClrTx/>
+                        <a:buSzTx/>
+                        <a:buFontTx/>
+                        <a:buNone/>
+                        <a:tabLst/>
+                        <a:defRPr/>
+                      </a:pPr>
+                      <a:r>
+                        <a:rPr lang="pt-BR" dirty="0" smtClean="0">
+                          <a:latin typeface="Arial" pitchFamily="34" charset="0"/>
+                          <a:cs typeface="Arial" pitchFamily="34" charset="0"/>
+                        </a:rPr>
+                        <a:t>Limites de corrente</a:t>
+                      </a:r>
+                      <a:r>
+                        <a:rPr lang="pt-BR" baseline="0" dirty="0" smtClean="0">
+                          <a:latin typeface="Arial" pitchFamily="34" charset="0"/>
+                          <a:cs typeface="Arial" pitchFamily="34" charset="0"/>
+                        </a:rPr>
+                        <a:t> </a:t>
+                      </a:r>
+                      <a:r>
+                        <a:rPr lang="pt-BR" dirty="0" smtClean="0">
+                          <a:latin typeface="Arial" pitchFamily="34" charset="0"/>
+                          <a:cs typeface="Arial" pitchFamily="34" charset="0"/>
+                        </a:rPr>
+                        <a:t>dB (</a:t>
+                      </a:r>
+                      <a:r>
+                        <a:rPr lang="pt-BR" dirty="0" err="1" smtClean="0">
+                          <a:latin typeface="Arial" pitchFamily="34" charset="0"/>
+                          <a:cs typeface="Arial" pitchFamily="34" charset="0"/>
+                        </a:rPr>
+                        <a:t>µA</a:t>
+                      </a:r>
+                      <a:r>
+                        <a:rPr lang="pt-BR" dirty="0" smtClean="0">
+                          <a:latin typeface="Arial" pitchFamily="34" charset="0"/>
+                          <a:cs typeface="Arial" pitchFamily="34" charset="0"/>
+                        </a:rPr>
+                        <a:t>)</a:t>
+                      </a:r>
+                    </a:p>
+                  </a:txBody>
+                  <a:tcPr anchor="ctr"/>
+                </a:tc>
+                <a:tc hMerge="1">
+                  <a:txBody>
+                    <a:bodyPr/>
+                    <a:lstStyle/>
+                    <a:p>
+                      <a:endParaRPr lang="pt-BR"/>
+                    </a:p>
+                  </a:txBody>
+                  <a:tcPr/>
+                </a:tc>
+              </a:tr>
+              <a:tr h="370840">
+                <a:tc vMerge="1">
+                  <a:txBody>
+                    <a:bodyPr/>
+                    <a:lstStyle/>
+                    <a:p>
+                      <a:endParaRPr lang="pt-BR"/>
+                    </a:p>
+                  </a:txBody>
+                  <a:tcPr/>
+                </a:tc>
+                <a:tc>
+                  <a:txBody>
+                    <a:bodyPr/>
+                    <a:lstStyle/>
+                    <a:p>
+                      <a:pPr algn="ctr"/>
+                      <a:r>
+                        <a:rPr lang="pt-BR" dirty="0" smtClean="0">
+                          <a:latin typeface="Arial" pitchFamily="34" charset="0"/>
+                          <a:cs typeface="Arial" pitchFamily="34" charset="0"/>
+                        </a:rPr>
+                        <a:t>Quase - pico</a:t>
+                      </a:r>
+                      <a:endParaRPr lang="pt-BR" dirty="0">
+                        <a:latin typeface="Arial" pitchFamily="34" charset="0"/>
+                        <a:cs typeface="Arial" pitchFamily="34" charset="0"/>
+                      </a:endParaRPr>
+                    </a:p>
+                  </a:txBody>
+                  <a:tcPr anchor="ctr"/>
+                </a:tc>
+                <a:tc>
+                  <a:txBody>
+                    <a:bodyPr/>
+                    <a:lstStyle/>
+                    <a:p>
+                      <a:pPr algn="ctr"/>
+                      <a:r>
+                        <a:rPr lang="pt-BR" dirty="0" smtClean="0">
+                          <a:latin typeface="Arial" pitchFamily="34" charset="0"/>
+                          <a:cs typeface="Arial" pitchFamily="34" charset="0"/>
+                        </a:rPr>
+                        <a:t>Média</a:t>
+                      </a:r>
+                      <a:endParaRPr lang="pt-BR" dirty="0">
+                        <a:latin typeface="Arial" pitchFamily="34" charset="0"/>
+                        <a:cs typeface="Arial" pitchFamily="34" charset="0"/>
+                      </a:endParaRPr>
+                    </a:p>
+                  </a:txBody>
+                  <a:tcPr anchor="ctr"/>
+                </a:tc>
+                <a:tc>
+                  <a:txBody>
+                    <a:bodyPr/>
+                    <a:lstStyle/>
+                    <a:p>
+                      <a:pPr algn="ctr"/>
+                      <a:r>
+                        <a:rPr lang="pt-BR" dirty="0" smtClean="0">
+                          <a:latin typeface="Arial" pitchFamily="34" charset="0"/>
+                          <a:cs typeface="Arial" pitchFamily="34" charset="0"/>
+                        </a:rPr>
+                        <a:t>Quase</a:t>
+                      </a:r>
+                      <a:r>
+                        <a:rPr lang="pt-BR" baseline="0" dirty="0" smtClean="0">
+                          <a:latin typeface="Arial" pitchFamily="34" charset="0"/>
+                          <a:cs typeface="Arial" pitchFamily="34" charset="0"/>
+                        </a:rPr>
+                        <a:t> - pico</a:t>
+                      </a:r>
+                      <a:endParaRPr lang="pt-BR" dirty="0">
+                        <a:latin typeface="Arial" pitchFamily="34" charset="0"/>
+                        <a:cs typeface="Arial" pitchFamily="34" charset="0"/>
+                      </a:endParaRPr>
+                    </a:p>
+                  </a:txBody>
+                  <a:tcPr anchor="ctr"/>
+                </a:tc>
+                <a:tc>
+                  <a:txBody>
+                    <a:bodyPr/>
+                    <a:lstStyle/>
+                    <a:p>
+                      <a:pPr algn="ctr"/>
+                      <a:r>
+                        <a:rPr lang="pt-BR" dirty="0" smtClean="0">
+                          <a:latin typeface="Arial" pitchFamily="34" charset="0"/>
+                          <a:cs typeface="Arial" pitchFamily="34" charset="0"/>
+                        </a:rPr>
+                        <a:t>Média</a:t>
+                      </a:r>
+                      <a:endParaRPr lang="pt-BR" dirty="0">
+                        <a:latin typeface="Arial" pitchFamily="34" charset="0"/>
+                        <a:cs typeface="Arial" pitchFamily="34" charset="0"/>
+                      </a:endParaRPr>
+                    </a:p>
+                  </a:txBody>
+                  <a:tcPr anchor="ctr"/>
+                </a:tc>
+              </a:tr>
+              <a:tr h="370840">
+                <a:tc>
+                  <a:txBody>
+                    <a:bodyPr/>
+                    <a:lstStyle/>
+                    <a:p>
+                      <a:pPr algn="ctr"/>
+                      <a:r>
+                        <a:rPr lang="pt-BR" dirty="0" smtClean="0">
+                          <a:latin typeface="Arial" pitchFamily="34" charset="0"/>
+                          <a:cs typeface="Arial" pitchFamily="34" charset="0"/>
+                        </a:rPr>
+                        <a:t>0,15 a 0,50</a:t>
+                      </a:r>
+                      <a:endParaRPr lang="pt-BR" dirty="0">
+                        <a:latin typeface="Arial" pitchFamily="34" charset="0"/>
+                        <a:cs typeface="Arial" pitchFamily="34" charset="0"/>
+                      </a:endParaRPr>
+                    </a:p>
+                  </a:txBody>
+                  <a:tcPr anchor="ctr"/>
+                </a:tc>
+                <a:tc>
+                  <a:txBody>
+                    <a:bodyPr/>
+                    <a:lstStyle/>
+                    <a:p>
+                      <a:pPr algn="ctr"/>
+                      <a:r>
+                        <a:rPr lang="pt-BR" dirty="0" smtClean="0">
+                          <a:latin typeface="Arial" pitchFamily="34" charset="0"/>
+                          <a:cs typeface="Arial" pitchFamily="34" charset="0"/>
+                        </a:rPr>
+                        <a:t>84 a 74</a:t>
+                      </a:r>
+                      <a:endParaRPr lang="pt-BR" dirty="0">
+                        <a:latin typeface="Arial" pitchFamily="34" charset="0"/>
+                        <a:cs typeface="Arial" pitchFamily="34" charset="0"/>
+                      </a:endParaRPr>
+                    </a:p>
+                  </a:txBody>
+                  <a:tcPr anchor="ctr"/>
+                </a:tc>
+                <a:tc>
+                  <a:txBody>
+                    <a:bodyPr/>
+                    <a:lstStyle/>
+                    <a:p>
+                      <a:pPr algn="ctr"/>
+                      <a:r>
+                        <a:rPr lang="pt-BR" dirty="0" smtClean="0">
+                          <a:latin typeface="Arial" pitchFamily="34" charset="0"/>
+                          <a:cs typeface="Arial" pitchFamily="34" charset="0"/>
+                        </a:rPr>
+                        <a:t>74 a 64</a:t>
+                      </a:r>
+                      <a:endParaRPr lang="pt-BR" dirty="0">
+                        <a:latin typeface="Arial" pitchFamily="34" charset="0"/>
+                        <a:cs typeface="Arial" pitchFamily="34" charset="0"/>
+                      </a:endParaRPr>
+                    </a:p>
+                  </a:txBody>
+                  <a:tcPr anchor="ctr"/>
+                </a:tc>
+                <a:tc>
+                  <a:txBody>
+                    <a:bodyPr/>
+                    <a:lstStyle/>
+                    <a:p>
+                      <a:pPr algn="ctr"/>
+                      <a:r>
+                        <a:rPr lang="pt-BR" dirty="0" smtClean="0">
+                          <a:latin typeface="Arial" pitchFamily="34" charset="0"/>
+                          <a:cs typeface="Arial" pitchFamily="34" charset="0"/>
+                        </a:rPr>
+                        <a:t>40 a 30</a:t>
+                      </a:r>
+                      <a:endParaRPr lang="pt-BR" dirty="0">
+                        <a:latin typeface="Arial" pitchFamily="34" charset="0"/>
+                        <a:cs typeface="Arial" pitchFamily="34" charset="0"/>
+                      </a:endParaRPr>
+                    </a:p>
+                  </a:txBody>
+                  <a:tcPr anchor="ctr"/>
+                </a:tc>
+                <a:tc>
+                  <a:txBody>
+                    <a:bodyPr/>
+                    <a:lstStyle/>
+                    <a:p>
+                      <a:pPr algn="ctr"/>
+                      <a:r>
+                        <a:rPr lang="pt-BR" dirty="0" smtClean="0">
+                          <a:latin typeface="Arial" pitchFamily="34" charset="0"/>
+                          <a:cs typeface="Arial" pitchFamily="34" charset="0"/>
+                        </a:rPr>
+                        <a:t>30 a 20</a:t>
+                      </a:r>
+                      <a:endParaRPr lang="pt-BR" dirty="0">
+                        <a:latin typeface="Arial" pitchFamily="34" charset="0"/>
+                        <a:cs typeface="Arial" pitchFamily="34" charset="0"/>
+                      </a:endParaRPr>
+                    </a:p>
+                  </a:txBody>
+                  <a:tcPr anchor="ctr"/>
+                </a:tc>
+              </a:tr>
+              <a:tr h="370840">
+                <a:tc>
+                  <a:txBody>
+                    <a:bodyPr/>
+                    <a:lstStyle/>
+                    <a:p>
+                      <a:pPr algn="ctr"/>
+                      <a:r>
+                        <a:rPr lang="pt-BR" dirty="0" smtClean="0">
+                          <a:latin typeface="Arial" pitchFamily="34" charset="0"/>
+                          <a:cs typeface="Arial" pitchFamily="34" charset="0"/>
+                        </a:rPr>
+                        <a:t>0,50 a 30</a:t>
+                      </a:r>
+                      <a:endParaRPr lang="pt-BR" dirty="0">
+                        <a:latin typeface="Arial" pitchFamily="34" charset="0"/>
+                        <a:cs typeface="Arial" pitchFamily="34" charset="0"/>
+                      </a:endParaRPr>
+                    </a:p>
+                  </a:txBody>
+                  <a:tcPr anchor="ctr"/>
+                </a:tc>
+                <a:tc>
+                  <a:txBody>
+                    <a:bodyPr/>
+                    <a:lstStyle/>
+                    <a:p>
+                      <a:pPr algn="ctr"/>
+                      <a:r>
+                        <a:rPr lang="pt-BR" dirty="0" smtClean="0">
+                          <a:latin typeface="Arial" pitchFamily="34" charset="0"/>
+                          <a:cs typeface="Arial" pitchFamily="34" charset="0"/>
+                        </a:rPr>
+                        <a:t>74</a:t>
+                      </a:r>
+                      <a:endParaRPr lang="pt-BR" dirty="0">
+                        <a:latin typeface="Arial" pitchFamily="34" charset="0"/>
+                        <a:cs typeface="Arial" pitchFamily="34" charset="0"/>
+                      </a:endParaRPr>
+                    </a:p>
+                  </a:txBody>
+                  <a:tcPr anchor="ctr"/>
+                </a:tc>
+                <a:tc>
+                  <a:txBody>
+                    <a:bodyPr/>
+                    <a:lstStyle/>
+                    <a:p>
+                      <a:pPr algn="ctr"/>
+                      <a:r>
+                        <a:rPr lang="pt-BR" dirty="0" smtClean="0">
+                          <a:latin typeface="Arial" pitchFamily="34" charset="0"/>
+                          <a:cs typeface="Arial" pitchFamily="34" charset="0"/>
+                        </a:rPr>
+                        <a:t>64</a:t>
+                      </a:r>
+                      <a:endParaRPr lang="pt-BR" dirty="0">
+                        <a:latin typeface="Arial" pitchFamily="34" charset="0"/>
+                        <a:cs typeface="Arial" pitchFamily="34" charset="0"/>
+                      </a:endParaRPr>
+                    </a:p>
+                  </a:txBody>
+                  <a:tcPr anchor="ctr"/>
+                </a:tc>
+                <a:tc>
+                  <a:txBody>
+                    <a:bodyPr/>
+                    <a:lstStyle/>
+                    <a:p>
+                      <a:pPr algn="ctr"/>
+                      <a:r>
+                        <a:rPr lang="pt-BR" dirty="0" smtClean="0">
+                          <a:latin typeface="Arial" pitchFamily="34" charset="0"/>
+                          <a:cs typeface="Arial" pitchFamily="34" charset="0"/>
+                        </a:rPr>
+                        <a:t>30</a:t>
+                      </a:r>
+                      <a:endParaRPr lang="pt-BR" dirty="0">
+                        <a:latin typeface="Arial" pitchFamily="34" charset="0"/>
+                        <a:cs typeface="Arial" pitchFamily="34" charset="0"/>
+                      </a:endParaRPr>
+                    </a:p>
+                  </a:txBody>
+                  <a:tcPr anchor="ctr"/>
+                </a:tc>
+                <a:tc>
+                  <a:txBody>
+                    <a:bodyPr/>
+                    <a:lstStyle/>
+                    <a:p>
+                      <a:pPr algn="ctr"/>
+                      <a:r>
+                        <a:rPr lang="pt-BR" dirty="0" smtClean="0">
+                          <a:latin typeface="Arial" pitchFamily="34" charset="0"/>
+                          <a:cs typeface="Arial" pitchFamily="34" charset="0"/>
+                        </a:rPr>
+                        <a:t>20</a:t>
+                      </a:r>
+                      <a:endParaRPr lang="pt-BR" dirty="0">
+                        <a:latin typeface="Arial" pitchFamily="34" charset="0"/>
+                        <a:cs typeface="Arial" pitchFamily="34" charset="0"/>
+                      </a:endParaRPr>
+                    </a:p>
+                  </a:txBody>
+                  <a:tcPr anchor="ctr"/>
+                </a:tc>
+              </a:tr>
+            </a:tbl>
+          </a:graphicData>
+        </a:graphic>
+      </p:graphicFrame>
     </p:spTree>
   </p:cSld>
   <p:clrMapOvr>
@@ -6656,12 +7893,8 @@
                 <a:latin typeface="Arial" pitchFamily="34" charset="0"/>
                 <a:cs typeface="Arial" pitchFamily="34" charset="0"/>
               </a:rPr>
-              <a:t>Classe B:</a:t>
-            </a:r>
-            <a:endParaRPr lang="pt-BR" dirty="0" smtClean="0">
-              <a:latin typeface="Arial" pitchFamily="34" charset="0"/>
-              <a:cs typeface="Arial" pitchFamily="34" charset="0"/>
-            </a:endParaRPr>
+              <a:t>Classe A:</a:t>
+            </a:r>
           </a:p>
         </p:txBody>
       </p:sp>
@@ -6687,14 +7920,7 @@
                 <a:latin typeface="Arial" pitchFamily="34" charset="0"/>
                 <a:cs typeface="Arial" pitchFamily="34" charset="0"/>
               </a:rPr>
-              <a:t>LIMITES PARA PERTURBAÇÃO </a:t>
-            </a:r>
-            <a:r>
-              <a:rPr lang="pt-BR" dirty="0" smtClean="0">
-                <a:latin typeface="Arial" pitchFamily="34" charset="0"/>
-                <a:cs typeface="Arial" pitchFamily="34" charset="0"/>
-              </a:rPr>
-              <a:t>IRRADIADA</a:t>
+              <a:t>LIMITES PARA PERTURBAÇÃO IRRADIADA</a:t>
             </a:r>
             <a:endParaRPr lang="pt-BR" dirty="0">
               <a:latin typeface="Arial" pitchFamily="34" charset="0"/>
@@ -6810,14 +8036,7 @@
                           <a:latin typeface="Arial" pitchFamily="34" charset="0"/>
                           <a:cs typeface="Arial" pitchFamily="34" charset="0"/>
                         </a:rPr>
-                        <a:t>Limites </a:t>
-                      </a:r>
-                      <a:r>
-                        <a:rPr lang="pt-BR" dirty="0" smtClean="0">
-                          <a:latin typeface="Arial" pitchFamily="34" charset="0"/>
-                          <a:cs typeface="Arial" pitchFamily="34" charset="0"/>
-                        </a:rPr>
-                        <a:t>de quase-pico dB (</a:t>
+                        <a:t>Limites de quase-pico dB (</a:t>
                       </a:r>
                       <a:r>
                         <a:rPr lang="pt-BR" dirty="0" err="1" smtClean="0">
@@ -6899,21 +8118,7 @@
                           <a:latin typeface="Arial" pitchFamily="34" charset="0"/>
                           <a:cs typeface="Arial" pitchFamily="34" charset="0"/>
                         </a:rPr>
-                        <a:t>30 </a:t>
-                      </a:r>
-                      <a:r>
-                        <a:rPr lang="pt-BR" dirty="0" smtClean="0">
-                          <a:latin typeface="Arial" pitchFamily="34" charset="0"/>
-                          <a:cs typeface="Arial" pitchFamily="34" charset="0"/>
-                        </a:rPr>
-                        <a:t>a </a:t>
-                      </a:r>
-                      <a:r>
-                        <a:rPr lang="pt-BR" dirty="0" smtClean="0">
-                          <a:latin typeface="Arial" pitchFamily="34" charset="0"/>
-                          <a:cs typeface="Arial" pitchFamily="34" charset="0"/>
-                        </a:rPr>
-                        <a:t>230</a:t>
+                        <a:t>30 a 230</a:t>
                       </a:r>
                       <a:endParaRPr lang="pt-BR" dirty="0">
                         <a:latin typeface="Arial" pitchFamily="34" charset="0"/>
@@ -6979,7 +8184,7 @@
                           <a:latin typeface="Arial" pitchFamily="34" charset="0"/>
                           <a:cs typeface="Arial" pitchFamily="34" charset="0"/>
                         </a:rPr>
-                        <a:t>30</a:t>
+                        <a:t>40</a:t>
                       </a:r>
                       <a:endParaRPr lang="pt-BR" dirty="0">
                         <a:latin typeface="Arial" pitchFamily="34" charset="0"/>
@@ -7113,7 +8318,7 @@
                           <a:latin typeface="Arial" pitchFamily="34" charset="0"/>
                           <a:cs typeface="Arial" pitchFamily="34" charset="0"/>
                         </a:rPr>
-                        <a:t>37</a:t>
+                        <a:t>47</a:t>
                       </a:r>
                       <a:endParaRPr lang="pt-BR" dirty="0">
                         <a:latin typeface="Arial" pitchFamily="34" charset="0"/>
@@ -7201,7 +8406,7 @@
                 <a:latin typeface="Arial" pitchFamily="34" charset="0"/>
                 <a:cs typeface="Arial" pitchFamily="34" charset="0"/>
               </a:rPr>
-              <a:t>Tabela 6 – Limites para perturbação irradiada em uma distância de 10 m</a:t>
+              <a:t>Tabela 5 – Limites para perturbação irradiada em uma distância de 10 m</a:t>
             </a:r>
             <a:endParaRPr lang="pt-BR" dirty="0">
               <a:latin typeface="Arial" pitchFamily="34" charset="0"/>
@@ -7257,6 +8462,580 @@
           <a:bodyPr/>
           <a:lstStyle/>
           <a:p>
+            <a:r>
+              <a:rPr lang="pt-BR" dirty="0" smtClean="0">
+                <a:latin typeface="Arial" pitchFamily="34" charset="0"/>
+                <a:cs typeface="Arial" pitchFamily="34" charset="0"/>
+              </a:rPr>
+              <a:t>Classe B:</a:t>
+            </a:r>
+          </a:p>
+        </p:txBody>
+      </p:sp>
+      <p:sp>
+        <p:nvSpPr>
+          <p:cNvPr id="3" name="Título 2"/>
+          <p:cNvSpPr>
+            <a:spLocks noGrp="1"/>
+          </p:cNvSpPr>
+          <p:nvPr>
+            <p:ph type="title"/>
+          </p:nvPr>
+        </p:nvSpPr>
+        <p:spPr/>
+        <p:txBody>
+          <a:bodyPr>
+            <a:normAutofit fontScale="90000"/>
+          </a:bodyPr>
+          <a:lstStyle/>
+          <a:p>
+            <a:r>
+              <a:rPr lang="pt-BR" dirty="0" smtClean="0">
+                <a:latin typeface="Arial" pitchFamily="34" charset="0"/>
+                <a:cs typeface="Arial" pitchFamily="34" charset="0"/>
+              </a:rPr>
+              <a:t>LIMITES PARA PERTURBAÇÃO IRRADIADA</a:t>
+            </a:r>
+            <a:endParaRPr lang="pt-BR" dirty="0">
+              <a:latin typeface="Arial" pitchFamily="34" charset="0"/>
+              <a:cs typeface="Arial" pitchFamily="34" charset="0"/>
+            </a:endParaRPr>
+          </a:p>
+        </p:txBody>
+      </p:sp>
+      <p:graphicFrame>
+        <p:nvGraphicFramePr>
+          <p:cNvPr id="4" name="Tabela 3"/>
+          <p:cNvGraphicFramePr>
+            <a:graphicFrameLocks noGrp="1"/>
+          </p:cNvGraphicFramePr>
+          <p:nvPr/>
+        </p:nvGraphicFramePr>
+        <p:xfrm>
+          <a:off x="1475656" y="3284984"/>
+          <a:ext cx="6096000" cy="1483360"/>
+        </p:xfrm>
+        <a:graphic>
+          <a:graphicData uri="http://schemas.openxmlformats.org/drawingml/2006/table">
+            <a:tbl>
+              <a:tblPr firstRow="1" bandRow="1">
+                <a:effectLst/>
+              </a:tblPr>
+              <a:tblGrid>
+                <a:gridCol w="2032000"/>
+                <a:gridCol w="4064000"/>
+              </a:tblGrid>
+              <a:tr h="741680">
+                <a:tc>
+                  <a:txBody>
+                    <a:bodyPr/>
+                    <a:lstStyle/>
+                    <a:p>
+                      <a:pPr algn="ctr"/>
+                      <a:r>
+                        <a:rPr lang="pt-BR" dirty="0" smtClean="0">
+                          <a:latin typeface="Arial" pitchFamily="34" charset="0"/>
+                          <a:cs typeface="Arial" pitchFamily="34" charset="0"/>
+                        </a:rPr>
+                        <a:t>Faixa</a:t>
+                      </a:r>
+                      <a:r>
+                        <a:rPr lang="pt-BR" baseline="0" dirty="0" smtClean="0">
+                          <a:latin typeface="Arial" pitchFamily="34" charset="0"/>
+                          <a:cs typeface="Arial" pitchFamily="34" charset="0"/>
+                        </a:rPr>
+                        <a:t> de frequência (MHz)</a:t>
+                      </a:r>
+                      <a:endParaRPr lang="pt-BR" dirty="0">
+                        <a:latin typeface="Arial" pitchFamily="34" charset="0"/>
+                        <a:cs typeface="Arial" pitchFamily="34" charset="0"/>
+                      </a:endParaRPr>
+                    </a:p>
+                  </a:txBody>
+                  <a:tcPr anchor="ctr">
+                    <a:lnL w="12700" cap="flat" cmpd="sng" algn="ctr">
+                      <a:solidFill>
+                        <a:schemeClr val="tx1"/>
+                      </a:solidFill>
+                      <a:prstDash val="solid"/>
+                      <a:round/>
+                      <a:headEnd type="none" w="med" len="med"/>
+                      <a:tailEnd type="none" w="med" len="med"/>
+                    </a:lnL>
+                    <a:lnR w="12700" cap="flat" cmpd="sng" algn="ctr">
+                      <a:solidFill>
+                        <a:schemeClr val="tx1"/>
+                      </a:solidFill>
+                      <a:prstDash val="solid"/>
+                      <a:round/>
+                      <a:headEnd type="none" w="med" len="med"/>
+                      <a:tailEnd type="none" w="med" len="med"/>
+                    </a:lnR>
+                    <a:lnT w="12700" cap="flat" cmpd="sng" algn="ctr">
+                      <a:solidFill>
+                        <a:schemeClr val="tx1"/>
+                      </a:solidFill>
+                      <a:prstDash val="solid"/>
+                      <a:round/>
+                      <a:headEnd type="none" w="med" len="med"/>
+                      <a:tailEnd type="none" w="med" len="med"/>
+                    </a:lnT>
+                    <a:lnB w="12700" cap="flat" cmpd="sng" algn="ctr">
+                      <a:solidFill>
+                        <a:schemeClr val="tx1"/>
+                      </a:solidFill>
+                      <a:prstDash val="solid"/>
+                      <a:round/>
+                      <a:headEnd type="none" w="med" len="med"/>
+                      <a:tailEnd type="none" w="med" len="med"/>
+                    </a:lnB>
+                    <a:lnTlToBr w="12700" cmpd="sng">
+                      <a:noFill/>
+                      <a:prstDash val="solid"/>
+                    </a:lnTlToBr>
+                    <a:lnBlToTr w="12700" cmpd="sng">
+                      <a:noFill/>
+                      <a:prstDash val="solid"/>
+                    </a:lnBlToTr>
+                  </a:tcPr>
+                </a:tc>
+                <a:tc>
+                  <a:txBody>
+                    <a:bodyPr/>
+                    <a:lstStyle/>
+                    <a:p>
+                      <a:pPr algn="ctr"/>
+                      <a:r>
+                        <a:rPr lang="pt-BR" dirty="0" smtClean="0">
+                          <a:latin typeface="Arial" pitchFamily="34" charset="0"/>
+                          <a:cs typeface="Arial" pitchFamily="34" charset="0"/>
+                        </a:rPr>
+                        <a:t>Limites de quase-pico dB (</a:t>
+                      </a:r>
+                      <a:r>
+                        <a:rPr lang="pt-BR" dirty="0" err="1" smtClean="0">
+                          <a:latin typeface="Arial" pitchFamily="34" charset="0"/>
+                          <a:cs typeface="Arial" pitchFamily="34" charset="0"/>
+                        </a:rPr>
+                        <a:t>µV</a:t>
+                      </a:r>
+                      <a:r>
+                        <a:rPr lang="pt-BR" dirty="0" smtClean="0">
+                          <a:latin typeface="Arial" pitchFamily="34" charset="0"/>
+                          <a:cs typeface="Arial" pitchFamily="34" charset="0"/>
+                        </a:rPr>
+                        <a:t>/m)</a:t>
+                      </a:r>
+                      <a:endParaRPr lang="pt-BR" dirty="0">
+                        <a:latin typeface="Arial" pitchFamily="34" charset="0"/>
+                        <a:cs typeface="Arial" pitchFamily="34" charset="0"/>
+                      </a:endParaRPr>
+                    </a:p>
+                  </a:txBody>
+                  <a:tcPr anchor="ctr">
+                    <a:lnL w="12700" cap="flat" cmpd="sng" algn="ctr">
+                      <a:solidFill>
+                        <a:schemeClr val="tx1"/>
+                      </a:solidFill>
+                      <a:prstDash val="solid"/>
+                      <a:round/>
+                      <a:headEnd type="none" w="med" len="med"/>
+                      <a:tailEnd type="none" w="med" len="med"/>
+                    </a:lnL>
+                    <a:lnR w="12700" cap="flat" cmpd="sng" algn="ctr">
+                      <a:solidFill>
+                        <a:schemeClr val="tx1"/>
+                      </a:solidFill>
+                      <a:prstDash val="solid"/>
+                      <a:round/>
+                      <a:headEnd type="none" w="med" len="med"/>
+                      <a:tailEnd type="none" w="med" len="med"/>
+                    </a:lnR>
+                    <a:lnT w="12700" cap="flat" cmpd="sng" algn="ctr">
+                      <a:solidFill>
+                        <a:schemeClr val="tx1"/>
+                      </a:solidFill>
+                      <a:prstDash val="solid"/>
+                      <a:round/>
+                      <a:headEnd type="none" w="med" len="med"/>
+                      <a:tailEnd type="none" w="med" len="med"/>
+                    </a:lnT>
+                    <a:lnB w="12700" cap="flat" cmpd="sng" algn="ctr">
+                      <a:solidFill>
+                        <a:schemeClr val="tx1"/>
+                      </a:solidFill>
+                      <a:prstDash val="solid"/>
+                      <a:round/>
+                      <a:headEnd type="none" w="med" len="med"/>
+                      <a:tailEnd type="none" w="med" len="med"/>
+                    </a:lnB>
+                    <a:lnTlToBr w="12700" cmpd="sng">
+                      <a:noFill/>
+                      <a:prstDash val="solid"/>
+                    </a:lnTlToBr>
+                    <a:lnBlToTr w="12700" cmpd="sng">
+                      <a:noFill/>
+                      <a:prstDash val="solid"/>
+                    </a:lnBlToTr>
+                  </a:tcPr>
+                </a:tc>
+              </a:tr>
+              <a:tr h="370840">
+                <a:tc>
+                  <a:txBody>
+                    <a:bodyPr/>
+                    <a:lstStyle/>
+                    <a:p>
+                      <a:pPr algn="ctr"/>
+                      <a:r>
+                        <a:rPr lang="pt-BR" dirty="0" smtClean="0">
+                          <a:latin typeface="Arial" pitchFamily="34" charset="0"/>
+                          <a:cs typeface="Arial" pitchFamily="34" charset="0"/>
+                        </a:rPr>
+                        <a:t>30 a 230</a:t>
+                      </a:r>
+                      <a:endParaRPr lang="pt-BR" dirty="0">
+                        <a:latin typeface="Arial" pitchFamily="34" charset="0"/>
+                        <a:cs typeface="Arial" pitchFamily="34" charset="0"/>
+                      </a:endParaRPr>
+                    </a:p>
+                  </a:txBody>
+                  <a:tcPr anchor="ctr">
+                    <a:lnL w="12700" cap="flat" cmpd="sng" algn="ctr">
+                      <a:solidFill>
+                        <a:schemeClr val="tx1"/>
+                      </a:solidFill>
+                      <a:prstDash val="solid"/>
+                      <a:round/>
+                      <a:headEnd type="none" w="med" len="med"/>
+                      <a:tailEnd type="none" w="med" len="med"/>
+                    </a:lnL>
+                    <a:lnR w="12700" cap="flat" cmpd="sng" algn="ctr">
+                      <a:solidFill>
+                        <a:schemeClr val="tx1"/>
+                      </a:solidFill>
+                      <a:prstDash val="solid"/>
+                      <a:round/>
+                      <a:headEnd type="none" w="med" len="med"/>
+                      <a:tailEnd type="none" w="med" len="med"/>
+                    </a:lnR>
+                    <a:lnT w="12700" cap="flat" cmpd="sng" algn="ctr">
+                      <a:solidFill>
+                        <a:schemeClr val="tx1"/>
+                      </a:solidFill>
+                      <a:prstDash val="solid"/>
+                      <a:round/>
+                      <a:headEnd type="none" w="med" len="med"/>
+                      <a:tailEnd type="none" w="med" len="med"/>
+                    </a:lnT>
+                    <a:lnB w="12700" cap="flat" cmpd="sng" algn="ctr">
+                      <a:solidFill>
+                        <a:schemeClr val="tx1"/>
+                      </a:solidFill>
+                      <a:prstDash val="solid"/>
+                      <a:round/>
+                      <a:headEnd type="none" w="med" len="med"/>
+                      <a:tailEnd type="none" w="med" len="med"/>
+                    </a:lnB>
+                    <a:lnTlToBr w="12700" cmpd="sng">
+                      <a:noFill/>
+                      <a:prstDash val="solid"/>
+                    </a:lnTlToBr>
+                    <a:lnBlToTr w="12700" cmpd="sng">
+                      <a:noFill/>
+                      <a:prstDash val="solid"/>
+                    </a:lnBlToTr>
+                  </a:tcPr>
+                </a:tc>
+                <a:tc>
+                  <a:txBody>
+                    <a:bodyPr/>
+                    <a:lstStyle/>
+                    <a:p>
+                      <a:pPr algn="ctr"/>
+                      <a:r>
+                        <a:rPr lang="pt-BR" dirty="0" smtClean="0">
+                          <a:latin typeface="Arial" pitchFamily="34" charset="0"/>
+                          <a:cs typeface="Arial" pitchFamily="34" charset="0"/>
+                        </a:rPr>
+                        <a:t>30</a:t>
+                      </a:r>
+                      <a:endParaRPr lang="pt-BR" dirty="0">
+                        <a:latin typeface="Arial" pitchFamily="34" charset="0"/>
+                        <a:cs typeface="Arial" pitchFamily="34" charset="0"/>
+                      </a:endParaRPr>
+                    </a:p>
+                  </a:txBody>
+                  <a:tcPr anchor="ctr">
+                    <a:lnL w="12700" cap="flat" cmpd="sng" algn="ctr">
+                      <a:solidFill>
+                        <a:schemeClr val="tx1"/>
+                      </a:solidFill>
+                      <a:prstDash val="solid"/>
+                      <a:round/>
+                      <a:headEnd type="none" w="med" len="med"/>
+                      <a:tailEnd type="none" w="med" len="med"/>
+                    </a:lnL>
+                    <a:lnR w="12700" cap="flat" cmpd="sng" algn="ctr">
+                      <a:solidFill>
+                        <a:schemeClr val="tx1"/>
+                      </a:solidFill>
+                      <a:prstDash val="solid"/>
+                      <a:round/>
+                      <a:headEnd type="none" w="med" len="med"/>
+                      <a:tailEnd type="none" w="med" len="med"/>
+                    </a:lnR>
+                    <a:lnT w="12700" cap="flat" cmpd="sng" algn="ctr">
+                      <a:solidFill>
+                        <a:schemeClr val="tx1"/>
+                      </a:solidFill>
+                      <a:prstDash val="solid"/>
+                      <a:round/>
+                      <a:headEnd type="none" w="med" len="med"/>
+                      <a:tailEnd type="none" w="med" len="med"/>
+                    </a:lnT>
+                    <a:lnB w="12700" cap="flat" cmpd="sng" algn="ctr">
+                      <a:solidFill>
+                        <a:schemeClr val="tx1"/>
+                      </a:solidFill>
+                      <a:prstDash val="solid"/>
+                      <a:round/>
+                      <a:headEnd type="none" w="med" len="med"/>
+                      <a:tailEnd type="none" w="med" len="med"/>
+                    </a:lnB>
+                    <a:lnTlToBr w="12700" cmpd="sng">
+                      <a:noFill/>
+                      <a:prstDash val="solid"/>
+                    </a:lnTlToBr>
+                    <a:lnBlToTr w="12700" cmpd="sng">
+                      <a:noFill/>
+                      <a:prstDash val="solid"/>
+                    </a:lnBlToTr>
+                  </a:tcPr>
+                </a:tc>
+              </a:tr>
+              <a:tr h="370840">
+                <a:tc>
+                  <a:txBody>
+                    <a:bodyPr/>
+                    <a:lstStyle/>
+                    <a:p>
+                      <a:pPr algn="ctr"/>
+                      <a:r>
+                        <a:rPr lang="pt-BR" dirty="0" smtClean="0">
+                          <a:latin typeface="Arial" pitchFamily="34" charset="0"/>
+                          <a:cs typeface="Arial" pitchFamily="34" charset="0"/>
+                        </a:rPr>
+                        <a:t>230 a 1000</a:t>
+                      </a:r>
+                      <a:endParaRPr lang="pt-BR" dirty="0">
+                        <a:latin typeface="Arial" pitchFamily="34" charset="0"/>
+                        <a:cs typeface="Arial" pitchFamily="34" charset="0"/>
+                      </a:endParaRPr>
+                    </a:p>
+                  </a:txBody>
+                  <a:tcPr anchor="ctr">
+                    <a:lnL w="12700" cap="flat" cmpd="sng" algn="ctr">
+                      <a:solidFill>
+                        <a:schemeClr val="tx1"/>
+                      </a:solidFill>
+                      <a:prstDash val="solid"/>
+                      <a:round/>
+                      <a:headEnd type="none" w="med" len="med"/>
+                      <a:tailEnd type="none" w="med" len="med"/>
+                    </a:lnL>
+                    <a:lnR w="12700" cap="flat" cmpd="sng" algn="ctr">
+                      <a:solidFill>
+                        <a:schemeClr val="tx1"/>
+                      </a:solidFill>
+                      <a:prstDash val="solid"/>
+                      <a:round/>
+                      <a:headEnd type="none" w="med" len="med"/>
+                      <a:tailEnd type="none" w="med" len="med"/>
+                    </a:lnR>
+                    <a:lnT w="12700" cap="flat" cmpd="sng" algn="ctr">
+                      <a:solidFill>
+                        <a:schemeClr val="tx1"/>
+                      </a:solidFill>
+                      <a:prstDash val="solid"/>
+                      <a:round/>
+                      <a:headEnd type="none" w="med" len="med"/>
+                      <a:tailEnd type="none" w="med" len="med"/>
+                    </a:lnT>
+                    <a:lnB w="12700" cap="flat" cmpd="sng" algn="ctr">
+                      <a:solidFill>
+                        <a:schemeClr val="tx1"/>
+                      </a:solidFill>
+                      <a:prstDash val="solid"/>
+                      <a:round/>
+                      <a:headEnd type="none" w="med" len="med"/>
+                      <a:tailEnd type="none" w="med" len="med"/>
+                    </a:lnB>
+                    <a:lnTlToBr w="12700" cmpd="sng">
+                      <a:noFill/>
+                      <a:prstDash val="solid"/>
+                    </a:lnTlToBr>
+                    <a:lnBlToTr w="12700" cmpd="sng">
+                      <a:noFill/>
+                      <a:prstDash val="solid"/>
+                    </a:lnBlToTr>
+                  </a:tcPr>
+                </a:tc>
+                <a:tc>
+                  <a:txBody>
+                    <a:bodyPr/>
+                    <a:lstStyle/>
+                    <a:p>
+                      <a:pPr algn="ctr"/>
+                      <a:r>
+                        <a:rPr lang="pt-BR" dirty="0" smtClean="0">
+                          <a:latin typeface="Arial" pitchFamily="34" charset="0"/>
+                          <a:cs typeface="Arial" pitchFamily="34" charset="0"/>
+                        </a:rPr>
+                        <a:t>37</a:t>
+                      </a:r>
+                      <a:endParaRPr lang="pt-BR" dirty="0">
+                        <a:latin typeface="Arial" pitchFamily="34" charset="0"/>
+                        <a:cs typeface="Arial" pitchFamily="34" charset="0"/>
+                      </a:endParaRPr>
+                    </a:p>
+                  </a:txBody>
+                  <a:tcPr anchor="ctr">
+                    <a:lnL w="12700" cap="flat" cmpd="sng" algn="ctr">
+                      <a:solidFill>
+                        <a:schemeClr val="tx1"/>
+                      </a:solidFill>
+                      <a:prstDash val="solid"/>
+                      <a:round/>
+                      <a:headEnd type="none" w="med" len="med"/>
+                      <a:tailEnd type="none" w="med" len="med"/>
+                    </a:lnL>
+                    <a:lnR w="12700" cap="flat" cmpd="sng" algn="ctr">
+                      <a:solidFill>
+                        <a:schemeClr val="tx1"/>
+                      </a:solidFill>
+                      <a:prstDash val="solid"/>
+                      <a:round/>
+                      <a:headEnd type="none" w="med" len="med"/>
+                      <a:tailEnd type="none" w="med" len="med"/>
+                    </a:lnR>
+                    <a:lnT w="12700" cap="flat" cmpd="sng" algn="ctr">
+                      <a:solidFill>
+                        <a:schemeClr val="tx1"/>
+                      </a:solidFill>
+                      <a:prstDash val="solid"/>
+                      <a:round/>
+                      <a:headEnd type="none" w="med" len="med"/>
+                      <a:tailEnd type="none" w="med" len="med"/>
+                    </a:lnT>
+                    <a:lnB w="12700" cap="flat" cmpd="sng" algn="ctr">
+                      <a:solidFill>
+                        <a:schemeClr val="tx1"/>
+                      </a:solidFill>
+                      <a:prstDash val="solid"/>
+                      <a:round/>
+                      <a:headEnd type="none" w="med" len="med"/>
+                      <a:tailEnd type="none" w="med" len="med"/>
+                    </a:lnB>
+                    <a:lnTlToBr w="12700" cmpd="sng">
+                      <a:noFill/>
+                      <a:prstDash val="solid"/>
+                    </a:lnTlToBr>
+                    <a:lnBlToTr w="12700" cmpd="sng">
+                      <a:noFill/>
+                      <a:prstDash val="solid"/>
+                    </a:lnBlToTr>
+                  </a:tcPr>
+                </a:tc>
+              </a:tr>
+            </a:tbl>
+          </a:graphicData>
+        </a:graphic>
+      </p:graphicFrame>
+      <p:sp>
+        <p:nvSpPr>
+          <p:cNvPr id="5" name="CaixaDeTexto 4"/>
+          <p:cNvSpPr txBox="1"/>
+          <p:nvPr/>
+        </p:nvSpPr>
+        <p:spPr>
+          <a:xfrm>
+            <a:off x="0" y="2924944"/>
+            <a:ext cx="9144000" cy="369332"/>
+          </a:xfrm>
+          <a:prstGeom prst="rect">
+            <a:avLst/>
+          </a:prstGeom>
+          <a:noFill/>
+        </p:spPr>
+        <p:txBody>
+          <a:bodyPr wrap="square" rtlCol="0">
+            <a:spAutoFit/>
+          </a:bodyPr>
+          <a:lstStyle/>
+          <a:p>
+            <a:pPr algn="ctr"/>
+            <a:r>
+              <a:rPr lang="pt-BR" dirty="0" smtClean="0">
+                <a:latin typeface="Arial" pitchFamily="34" charset="0"/>
+                <a:cs typeface="Arial" pitchFamily="34" charset="0"/>
+              </a:rPr>
+              <a:t>Tabela 6 – Limites para perturbação irradiada em uma distância de 10 m</a:t>
+            </a:r>
+            <a:endParaRPr lang="pt-BR" dirty="0">
+              <a:latin typeface="Arial" pitchFamily="34" charset="0"/>
+              <a:cs typeface="Arial" pitchFamily="34" charset="0"/>
+            </a:endParaRPr>
+          </a:p>
+        </p:txBody>
+      </p:sp>
+    </p:spTree>
+  </p:cSld>
+  <p:clrMapOvr>
+    <a:masterClrMapping/>
+  </p:clrMapOvr>
+  <p:timing>
+    <p:tnLst>
+      <p:par>
+        <p:cTn id="1" dur="indefinite" restart="never" nodeType="tmRoot"/>
+      </p:par>
+    </p:tnLst>
+  </p:timing>
+</p:sld>
+</file>
+
+<file path=ppt/slides/slide9.xml><?xml version="1.0" encoding="utf-8"?>
+<p:sld xmlns:a="http://schemas.openxmlformats.org/drawingml/2006/main" xmlns:r="http://schemas.openxmlformats.org/officeDocument/2006/relationships" xmlns:p="http://schemas.openxmlformats.org/presentationml/2006/main">
+  <p:cSld>
+    <p:spTree>
+      <p:nvGrpSpPr>
+        <p:cNvPr id="1" name=""/>
+        <p:cNvGrpSpPr/>
+        <p:nvPr/>
+      </p:nvGrpSpPr>
+      <p:grpSpPr>
+        <a:xfrm>
+          <a:off x="0" y="0"/>
+          <a:ext cx="0" cy="0"/>
+          <a:chOff x="0" y="0"/>
+          <a:chExt cx="0" cy="0"/>
+        </a:xfrm>
+      </p:grpSpPr>
+      <p:sp>
+        <p:nvSpPr>
+          <p:cNvPr id="2" name="Espaço Reservado para Texto 1"/>
+          <p:cNvSpPr>
+            <a:spLocks noGrp="1"/>
+          </p:cNvSpPr>
+          <p:nvPr>
+            <p:ph type="body" idx="1"/>
+          </p:nvPr>
+        </p:nvSpPr>
+        <p:spPr/>
+        <p:txBody>
+          <a:bodyPr/>
+          <a:lstStyle/>
+          <a:p>
             <a:pPr>
               <a:lnSpc>
                 <a:spcPct val="150000"/>
@@ -7297,10 +9076,6 @@
               </a:rPr>
               <a:t>Assegurar o nível de ruído, pelo menos, 6 dB abaixo dos limites especificados nas tabelas 1, 2, 3, 4, 5 e 6.</a:t>
             </a:r>
-            <a:endParaRPr lang="pt-BR" dirty="0" smtClean="0">
-              <a:latin typeface="Arial" pitchFamily="34" charset="0"/>
-              <a:cs typeface="Arial" pitchFamily="34" charset="0"/>
-            </a:endParaRPr>
           </a:p>
         </p:txBody>
       </p:sp>

--- a/cem_20308/docs/cispr22.pptx
+++ b/cem_20308/docs/cispr22.pptx
@@ -5,10 +5,10 @@
     <p:sldMasterId id="2147483648" r:id="rId2"/>
   </p:sldMasterIdLst>
   <p:notesMasterIdLst>
-    <p:notesMasterId r:id="rId17"/>
+    <p:notesMasterId r:id="rId18"/>
   </p:notesMasterIdLst>
   <p:handoutMasterIdLst>
-    <p:handoutMasterId r:id="rId18"/>
+    <p:handoutMasterId r:id="rId19"/>
   </p:handoutMasterIdLst>
   <p:sldIdLst>
     <p:sldId id="256" r:id="rId3"/>
@@ -21,10 +21,11 @@
     <p:sldId id="262" r:id="rId10"/>
     <p:sldId id="263" r:id="rId11"/>
     <p:sldId id="267" r:id="rId12"/>
-    <p:sldId id="268" r:id="rId13"/>
-    <p:sldId id="270" r:id="rId14"/>
-    <p:sldId id="266" r:id="rId15"/>
-    <p:sldId id="265" r:id="rId16"/>
+    <p:sldId id="271" r:id="rId13"/>
+    <p:sldId id="268" r:id="rId14"/>
+    <p:sldId id="270" r:id="rId15"/>
+    <p:sldId id="266" r:id="rId16"/>
+    <p:sldId id="265" r:id="rId17"/>
   </p:sldIdLst>
   <p:sldSz cx="9144000" cy="6858000" type="screen4x3"/>
   <p:notesSz cx="6858000" cy="9144000"/>
@@ -204,7 +205,7 @@
             <a:fld id="{A849C5AD-4428-4E9C-9C84-11B72C9365FB}" type="datetimeFigureOut">
               <a:rPr lang="pt-BR" smtClean="0"/>
               <a:pPr/>
-              <a:t>8/11/2010</a:t>
+              <a:t>21/11/2010</a:t>
             </a:fld>
             <a:endParaRPr lang="pt-BR" smtClean="0"/>
           </a:p>
@@ -270,6 +271,11 @@
         </p:txBody>
       </p:sp>
     </p:spTree>
+    <p:extLst>
+      <p:ext uri="{BB962C8B-B14F-4D97-AF65-F5344CB8AC3E}">
+        <p14:creationId xmlns:p14="http://schemas.microsoft.com/office/powerpoint/2010/main" val="106172645"/>
+      </p:ext>
+    </p:extLst>
   </p:cSld>
   <p:clrMap bg1="lt1" tx1="dk1" bg2="lt2" tx2="dk2" accent1="accent1" accent2="accent2" accent3="accent3" accent4="accent4" accent5="accent5" accent6="accent6" hlink="hlink" folHlink="folHlink"/>
 </p:handoutMaster>
@@ -511,6 +517,11 @@
         </p:txBody>
       </p:sp>
     </p:spTree>
+    <p:extLst>
+      <p:ext uri="{BB962C8B-B14F-4D97-AF65-F5344CB8AC3E}">
+        <p14:creationId xmlns:p14="http://schemas.microsoft.com/office/powerpoint/2010/main" val="2669197626"/>
+      </p:ext>
+    </p:extLst>
   </p:cSld>
   <p:clrMap bg1="lt1" tx1="dk1" bg2="lt2" tx2="dk2" accent1="accent1" accent2="accent2" accent3="accent3" accent4="accent4" accent5="accent5" accent6="accent6" hlink="hlink" folHlink="folHlink"/>
   <p:notesStyle>
@@ -1087,6 +1098,88 @@
               <a:rPr lang="pt-BR" smtClean="0"/>
               <a:pPr/>
               <a:t>14</a:t>
+            </a:fld>
+            <a:endParaRPr lang="pt-BR"/>
+          </a:p>
+        </p:txBody>
+      </p:sp>
+    </p:spTree>
+  </p:cSld>
+  <p:clrMapOvr>
+    <a:masterClrMapping/>
+  </p:clrMapOvr>
+</p:notes>
+</file>
+
+<file path=ppt/notesSlides/notesSlide7.xml><?xml version="1.0" encoding="utf-8"?>
+<p:notes xmlns:a="http://schemas.openxmlformats.org/drawingml/2006/main" xmlns:r="http://schemas.openxmlformats.org/officeDocument/2006/relationships" xmlns:p="http://schemas.openxmlformats.org/presentationml/2006/main">
+  <p:cSld>
+    <p:spTree>
+      <p:nvGrpSpPr>
+        <p:cNvPr id="1" name=""/>
+        <p:cNvGrpSpPr/>
+        <p:nvPr/>
+      </p:nvGrpSpPr>
+      <p:grpSpPr>
+        <a:xfrm>
+          <a:off x="0" y="0"/>
+          <a:ext cx="0" cy="0"/>
+          <a:chOff x="0" y="0"/>
+          <a:chExt cx="0" cy="0"/>
+        </a:xfrm>
+      </p:grpSpPr>
+      <p:sp>
+        <p:nvSpPr>
+          <p:cNvPr id="2" name="Espaço Reservado para Imagem de Slide 1"/>
+          <p:cNvSpPr>
+            <a:spLocks noGrp="1" noRot="1" noChangeAspect="1"/>
+          </p:cNvSpPr>
+          <p:nvPr>
+            <p:ph type="sldImg"/>
+          </p:nvPr>
+        </p:nvSpPr>
+        <p:spPr/>
+      </p:sp>
+      <p:sp>
+        <p:nvSpPr>
+          <p:cNvPr id="3" name="Espaço Reservado para Anotações 2"/>
+          <p:cNvSpPr>
+            <a:spLocks noGrp="1"/>
+          </p:cNvSpPr>
+          <p:nvPr>
+            <p:ph type="body" idx="1"/>
+          </p:nvPr>
+        </p:nvSpPr>
+        <p:spPr/>
+        <p:txBody>
+          <a:bodyPr>
+            <a:normAutofit/>
+          </a:bodyPr>
+          <a:lstStyle/>
+          <a:p>
+            <a:endParaRPr lang="pt-BR" dirty="0"/>
+          </a:p>
+        </p:txBody>
+      </p:sp>
+      <p:sp>
+        <p:nvSpPr>
+          <p:cNvPr id="4" name="Espaço Reservado para Número de Slide 3"/>
+          <p:cNvSpPr>
+            <a:spLocks noGrp="1"/>
+          </p:cNvSpPr>
+          <p:nvPr>
+            <p:ph type="sldNum" sz="quarter" idx="10"/>
+          </p:nvPr>
+        </p:nvSpPr>
+        <p:spPr/>
+        <p:txBody>
+          <a:bodyPr/>
+          <a:lstStyle/>
+          <a:p>
+            <a:fld id="{CA077768-21C8-4125-A345-258E48D2EED0}" type="slidenum">
+              <a:rPr lang="pt-BR" smtClean="0"/>
+              <a:pPr/>
+              <a:t>15</a:t>
             </a:fld>
             <a:endParaRPr lang="pt-BR"/>
           </a:p>
@@ -3081,7 +3174,9 @@
         </p:nvSpPr>
         <p:spPr/>
         <p:txBody>
-          <a:bodyPr/>
+          <a:bodyPr>
+            <a:normAutofit fontScale="85000" lnSpcReduction="10000"/>
+          </a:bodyPr>
           <a:lstStyle/>
           <a:p>
             <a:pPr>
@@ -3090,46 +3185,114 @@
               </a:lnSpc>
             </a:pPr>
             <a:r>
-              <a:rPr smtClean="0">
+              <a:rPr dirty="0" smtClean="0">
                 <a:latin typeface="Arial" pitchFamily="34" charset="0"/>
                 <a:cs typeface="Arial" pitchFamily="34" charset="0"/>
               </a:rPr>
-              <a:t>Arranjos gerais.</a:t>
-            </a:r>
-          </a:p>
-          <a:p>
-            <a:pPr>
+              <a:t>Arranjos gerais</a:t>
+            </a:r>
+            <a:r>
+              <a:rPr dirty="0" smtClean="0">
+                <a:latin typeface="Arial" pitchFamily="34" charset="0"/>
+                <a:cs typeface="Arial" pitchFamily="34" charset="0"/>
+              </a:rPr>
+              <a:t>.</a:t>
+            </a:r>
+          </a:p>
+          <a:p>
+            <a:pPr lvl="1">
               <a:lnSpc>
                 <a:spcPct val="150000"/>
               </a:lnSpc>
             </a:pPr>
             <a:r>
-              <a:rPr smtClean="0">
+              <a:rPr lang="pt-BR" dirty="0" smtClean="0">
                 <a:latin typeface="Arial" pitchFamily="34" charset="0"/>
                 <a:cs typeface="Arial" pitchFamily="34" charset="0"/>
               </a:rPr>
-              <a:t>Arranjo dos equipamentos em teste.</a:t>
-            </a:r>
-          </a:p>
-          <a:p>
-            <a:pPr>
+              <a:t>Configuração de teste para um computador pessoal:</a:t>
+            </a:r>
+          </a:p>
+          <a:p>
+            <a:pPr lvl="2">
               <a:lnSpc>
                 <a:spcPct val="150000"/>
               </a:lnSpc>
             </a:pPr>
             <a:r>
-              <a:rPr smtClean="0">
+              <a:rPr lang="pt-BR" dirty="0" smtClean="0">
                 <a:latin typeface="Arial" pitchFamily="34" charset="0"/>
                 <a:cs typeface="Arial" pitchFamily="34" charset="0"/>
               </a:rPr>
-              <a:t>Operação dos equipamentos em teste.</a:t>
-            </a:r>
-          </a:p>
-          <a:p>
-            <a:pPr>
+              <a:t>Computador Pessoal.</a:t>
+            </a:r>
+          </a:p>
+          <a:p>
+            <a:pPr lvl="2">
               <a:lnSpc>
                 <a:spcPct val="150000"/>
               </a:lnSpc>
+            </a:pPr>
+            <a:r>
+              <a:rPr lang="pt-BR" dirty="0" smtClean="0">
+                <a:latin typeface="Arial" pitchFamily="34" charset="0"/>
+                <a:cs typeface="Arial" pitchFamily="34" charset="0"/>
+              </a:rPr>
+              <a:t>Teclado.</a:t>
+            </a:r>
+          </a:p>
+          <a:p>
+            <a:pPr lvl="2">
+              <a:lnSpc>
+                <a:spcPct val="150000"/>
+              </a:lnSpc>
+            </a:pPr>
+            <a:r>
+              <a:rPr lang="pt-BR" dirty="0" smtClean="0">
+                <a:latin typeface="Arial" pitchFamily="34" charset="0"/>
+                <a:cs typeface="Arial" pitchFamily="34" charset="0"/>
+              </a:rPr>
+              <a:t>Unidade de display visual.</a:t>
+            </a:r>
+          </a:p>
+          <a:p>
+            <a:pPr lvl="2">
+              <a:lnSpc>
+                <a:spcPct val="150000"/>
+              </a:lnSpc>
+            </a:pPr>
+            <a:r>
+              <a:rPr lang="pt-BR" dirty="0" smtClean="0">
+                <a:latin typeface="Arial" pitchFamily="34" charset="0"/>
+                <a:cs typeface="Arial" pitchFamily="34" charset="0"/>
+              </a:rPr>
+              <a:t>Periféricos externos para cada um dos dois tipos diferentes de entrada e saída (Serial, Paralelo).</a:t>
+            </a:r>
+          </a:p>
+          <a:p>
+            <a:pPr lvl="2">
+              <a:lnSpc>
+                <a:spcPct val="150000"/>
+              </a:lnSpc>
+            </a:pPr>
+            <a:r>
+              <a:rPr lang="pt-BR" dirty="0" smtClean="0">
+                <a:latin typeface="Arial" pitchFamily="34" charset="0"/>
+                <a:cs typeface="Arial" pitchFamily="34" charset="0"/>
+              </a:rPr>
+              <a:t>Se o equipamento possuir uma porta dedicada, por exemplo, um mouse, este deve fazer parte da configuração mínima para os teste.</a:t>
+            </a:r>
+            <a:endParaRPr dirty="0" smtClean="0">
+              <a:latin typeface="Arial" pitchFamily="34" charset="0"/>
+              <a:cs typeface="Arial" pitchFamily="34" charset="0"/>
+            </a:endParaRPr>
+          </a:p>
+          <a:p>
+            <a:pPr marL="0" indent="0">
+              <a:lnSpc>
+                <a:spcPct val="150000"/>
+              </a:lnSpc>
+              <a:buNone/>
             </a:pPr>
             <a:endParaRPr lang="pt-BR" dirty="0" smtClean="0">
               <a:latin typeface="Arial" pitchFamily="34" charset="0"/>
@@ -3214,7 +3377,7 @@
         <p:spPr/>
         <p:txBody>
           <a:bodyPr>
-            <a:normAutofit fontScale="92500"/>
+            <a:normAutofit/>
           </a:bodyPr>
           <a:lstStyle/>
           <a:p>
@@ -3224,11 +3387,11 @@
               </a:lnSpc>
             </a:pPr>
             <a:r>
-              <a:rPr smtClean="0">
+              <a:rPr lang="pt-BR" dirty="0">
                 <a:latin typeface="Arial" pitchFamily="34" charset="0"/>
                 <a:cs typeface="Arial" pitchFamily="34" charset="0"/>
               </a:rPr>
-              <a:t>Detectores de medições.</a:t>
+              <a:t>Arranjo dos equipamentos em teste.</a:t>
             </a:r>
           </a:p>
           <a:p>
@@ -3238,111 +3401,19 @@
               </a:lnSpc>
             </a:pPr>
             <a:r>
-              <a:rPr smtClean="0">
+              <a:rPr lang="pt-BR">
                 <a:latin typeface="Arial" pitchFamily="34" charset="0"/>
                 <a:cs typeface="Arial" pitchFamily="34" charset="0"/>
               </a:rPr>
-              <a:t>Receptores de medições.</a:t>
-            </a:r>
-          </a:p>
-          <a:p>
-            <a:pPr>
-              <a:lnSpc>
-                <a:spcPct val="150000"/>
-              </a:lnSpc>
-            </a:pPr>
-            <a:r>
-              <a:rPr smtClean="0">
-                <a:latin typeface="Arial" pitchFamily="34" charset="0"/>
-                <a:cs typeface="Arial" pitchFamily="34" charset="0"/>
-              </a:rPr>
-              <a:t>Redes artificiais </a:t>
-            </a:r>
-            <a:r>
-              <a:rPr i="1" smtClean="0">
-                <a:latin typeface="Arial" pitchFamily="34" charset="0"/>
-                <a:cs typeface="Arial" pitchFamily="34" charset="0"/>
-              </a:rPr>
-              <a:t>(Artificial Mains Network - AMN).</a:t>
-            </a:r>
-          </a:p>
-          <a:p>
-            <a:pPr>
-              <a:lnSpc>
-                <a:spcPct val="150000"/>
-              </a:lnSpc>
-            </a:pPr>
-            <a:r>
-              <a:rPr smtClean="0">
-                <a:latin typeface="Arial" pitchFamily="34" charset="0"/>
-                <a:cs typeface="Arial" pitchFamily="34" charset="0"/>
-              </a:rPr>
-              <a:t>Plano de terra.</a:t>
-            </a:r>
-          </a:p>
-          <a:p>
-            <a:pPr>
-              <a:lnSpc>
-                <a:spcPct val="150000"/>
-              </a:lnSpc>
-            </a:pPr>
-            <a:r>
-              <a:rPr smtClean="0">
-                <a:latin typeface="Arial" pitchFamily="34" charset="0"/>
-                <a:cs typeface="Arial" pitchFamily="34" charset="0"/>
-              </a:rPr>
-              <a:t>Arranjo dos equipamentos em teste.</a:t>
-            </a:r>
-          </a:p>
-          <a:p>
-            <a:pPr>
-              <a:lnSpc>
-                <a:spcPct val="150000"/>
-              </a:lnSpc>
-            </a:pPr>
-            <a:r>
-              <a:rPr smtClean="0">
-                <a:latin typeface="Arial" pitchFamily="34" charset="0"/>
-                <a:cs typeface="Arial" pitchFamily="34" charset="0"/>
-              </a:rPr>
-              <a:t>Medida das perturbações nos pontos de rede.</a:t>
-            </a:r>
-          </a:p>
-          <a:p>
-            <a:pPr>
-              <a:lnSpc>
-                <a:spcPct val="150000"/>
-              </a:lnSpc>
-            </a:pPr>
-            <a:r>
-              <a:rPr smtClean="0">
-                <a:latin typeface="Arial" pitchFamily="34" charset="0"/>
-                <a:cs typeface="Arial" pitchFamily="34" charset="0"/>
-              </a:rPr>
-              <a:t>Gravação das medidas.</a:t>
-            </a:r>
-            <a:endParaRPr smtClean="0">
-              <a:latin typeface="Arial" pitchFamily="34" charset="0"/>
-              <a:cs typeface="Arial" pitchFamily="34" charset="0"/>
-            </a:endParaRPr>
-          </a:p>
-          <a:p>
-            <a:pPr>
+              <a:t>Operação dos equipamentos em teste.</a:t>
+            </a:r>
+          </a:p>
+          <a:p>
+            <a:pPr marL="0" indent="0">
               <a:lnSpc>
                 <a:spcPct val="150000"/>
               </a:lnSpc>
               <a:buNone/>
-            </a:pPr>
-            <a:endParaRPr smtClean="0">
-              <a:latin typeface="Arial" pitchFamily="34" charset="0"/>
-              <a:cs typeface="Arial" pitchFamily="34" charset="0"/>
-            </a:endParaRPr>
-          </a:p>
-          <a:p>
-            <a:pPr>
-              <a:lnSpc>
-                <a:spcPct val="150000"/>
-              </a:lnSpc>
             </a:pPr>
             <a:endParaRPr lang="pt-BR" dirty="0" smtClean="0">
               <a:latin typeface="Arial" pitchFamily="34" charset="0"/>
@@ -3364,7 +3435,7 @@
         <p:spPr/>
         <p:txBody>
           <a:bodyPr>
-            <a:normAutofit fontScale="90000"/>
+            <a:normAutofit/>
           </a:bodyPr>
           <a:lstStyle/>
           <a:p>
@@ -3373,7 +3444,7 @@
                 <a:latin typeface="Arial" pitchFamily="34" charset="0"/>
                 <a:cs typeface="Arial" pitchFamily="34" charset="0"/>
               </a:rPr>
-              <a:t>MÉTODO DE MEDIDA DA PERTURBAÇÃO CONDUZIDA</a:t>
+              <a:t>CONDIÇÃO GERAL DE MEDIÇÃO</a:t>
             </a:r>
             <a:endParaRPr lang="pt-BR" dirty="0">
               <a:latin typeface="Arial" pitchFamily="34" charset="0"/>
@@ -3383,6 +3454,11 @@
         </p:txBody>
       </p:sp>
     </p:spTree>
+    <p:extLst>
+      <p:ext uri="{BB962C8B-B14F-4D97-AF65-F5344CB8AC3E}">
+        <p14:creationId xmlns:p14="http://schemas.microsoft.com/office/powerpoint/2010/main" val="2271265954"/>
+      </p:ext>
+    </p:extLst>
   </p:cSld>
   <p:clrMapOvr>
     <a:masterClrMapping/>
@@ -3427,7 +3503,7 @@
         <p:spPr/>
         <p:txBody>
           <a:bodyPr>
-            <a:normAutofit fontScale="92500" lnSpcReduction="20000"/>
+            <a:normAutofit fontScale="92500"/>
           </a:bodyPr>
           <a:lstStyle/>
           <a:p>
@@ -3441,26 +3517,8 @@
                 <a:latin typeface="Arial" pitchFamily="34" charset="0"/>
                 <a:cs typeface="Arial" pitchFamily="34" charset="0"/>
               </a:rPr>
-              <a:t>Detectores </a:t>
-            </a:r>
-            <a:r>
-              <a:rPr smtClean="0">
-                <a:latin typeface="Arial" pitchFamily="34" charset="0"/>
-                <a:cs typeface="Arial" pitchFamily="34" charset="0"/>
-              </a:rPr>
-              <a:t>de </a:t>
-            </a:r>
-            <a:r>
-              <a:rPr smtClean="0">
-                <a:latin typeface="Arial" pitchFamily="34" charset="0"/>
-                <a:cs typeface="Arial" pitchFamily="34" charset="0"/>
-              </a:rPr>
-              <a:t>medições.</a:t>
-            </a:r>
-            <a:endParaRPr smtClean="0">
-              <a:latin typeface="Arial" pitchFamily="34" charset="0"/>
-              <a:cs typeface="Arial" pitchFamily="34" charset="0"/>
-            </a:endParaRPr>
+              <a:t>Detectores de medições.</a:t>
+            </a:r>
           </a:p>
           <a:p>
             <a:pPr>
@@ -3473,21 +3531,7 @@
                 <a:latin typeface="Arial" pitchFamily="34" charset="0"/>
                 <a:cs typeface="Arial" pitchFamily="34" charset="0"/>
               </a:rPr>
-              <a:t>Receptores </a:t>
-            </a:r>
-            <a:r>
-              <a:rPr smtClean="0">
-                <a:latin typeface="Arial" pitchFamily="34" charset="0"/>
-                <a:cs typeface="Arial" pitchFamily="34" charset="0"/>
-              </a:rPr>
-              <a:t>de </a:t>
-            </a:r>
-            <a:r>
-              <a:rPr smtClean="0">
-                <a:latin typeface="Arial" pitchFamily="34" charset="0"/>
-                <a:cs typeface="Arial" pitchFamily="34" charset="0"/>
-              </a:rPr>
-              <a:t>medições.</a:t>
+              <a:t>Receptores de medições.</a:t>
             </a:r>
           </a:p>
           <a:p>
@@ -3501,7 +3545,14 @@
                 <a:latin typeface="Arial" pitchFamily="34" charset="0"/>
                 <a:cs typeface="Arial" pitchFamily="34" charset="0"/>
               </a:rPr>
-              <a:t>Antena.</a:t>
+              <a:t>Redes artificiais </a:t>
+            </a:r>
+            <a:r>
+              <a:rPr i="1" smtClean="0">
+                <a:latin typeface="Arial" pitchFamily="34" charset="0"/>
+                <a:cs typeface="Arial" pitchFamily="34" charset="0"/>
+              </a:rPr>
+              <a:t>(Artificial Mains Network - AMN).</a:t>
             </a:r>
           </a:p>
           <a:p>
@@ -3515,12 +3566,8 @@
                 <a:latin typeface="Arial" pitchFamily="34" charset="0"/>
                 <a:cs typeface="Arial" pitchFamily="34" charset="0"/>
               </a:rPr>
-              <a:t>Local de medição.</a:t>
-            </a:r>
-            <a:endParaRPr smtClean="0">
-              <a:latin typeface="Arial" pitchFamily="34" charset="0"/>
-              <a:cs typeface="Arial" pitchFamily="34" charset="0"/>
-            </a:endParaRPr>
+              <a:t>Plano de terra.</a:t>
+            </a:r>
           </a:p>
           <a:p>
             <a:pPr>
@@ -3533,14 +3580,7 @@
                 <a:latin typeface="Arial" pitchFamily="34" charset="0"/>
                 <a:cs typeface="Arial" pitchFamily="34" charset="0"/>
               </a:rPr>
-              <a:t>Arranjo </a:t>
-            </a:r>
-            <a:r>
-              <a:rPr smtClean="0">
-                <a:latin typeface="Arial" pitchFamily="34" charset="0"/>
-                <a:cs typeface="Arial" pitchFamily="34" charset="0"/>
-              </a:rPr>
-              <a:t>dos equipamentos em teste.</a:t>
+              <a:t>Arranjo dos equipamentos em teste.</a:t>
             </a:r>
           </a:p>
           <a:p>
@@ -3554,21 +3594,7 @@
                 <a:latin typeface="Arial" pitchFamily="34" charset="0"/>
                 <a:cs typeface="Arial" pitchFamily="34" charset="0"/>
               </a:rPr>
-              <a:t>Gravação </a:t>
-            </a:r>
-            <a:r>
-              <a:rPr smtClean="0">
-                <a:latin typeface="Arial" pitchFamily="34" charset="0"/>
-                <a:cs typeface="Arial" pitchFamily="34" charset="0"/>
-              </a:rPr>
-              <a:t>das </a:t>
-            </a:r>
-            <a:r>
-              <a:rPr smtClean="0">
-                <a:latin typeface="Arial" pitchFamily="34" charset="0"/>
-                <a:cs typeface="Arial" pitchFamily="34" charset="0"/>
-              </a:rPr>
-              <a:t>medidas.</a:t>
+              <a:t>Medida das perturbações nos pontos de rede.</a:t>
             </a:r>
           </a:p>
           <a:p>
@@ -3582,7 +3608,7 @@
                 <a:latin typeface="Arial" pitchFamily="34" charset="0"/>
                 <a:cs typeface="Arial" pitchFamily="34" charset="0"/>
               </a:rPr>
-              <a:t>Medições na presença de sinais de ambiente.</a:t>
+              <a:t>Gravação das medidas.</a:t>
             </a:r>
           </a:p>
           <a:p>
@@ -3590,14 +3616,8 @@
               <a:lnSpc>
                 <a:spcPct val="150000"/>
               </a:lnSpc>
+              <a:buNone/>
             </a:pPr>
-            <a:r>
-              <a:rPr smtClean="0">
-                <a:latin typeface="Arial" pitchFamily="34" charset="0"/>
-                <a:cs typeface="Arial" pitchFamily="34" charset="0"/>
-              </a:rPr>
-              <a:t>Teste de instalação de usuário.</a:t>
-            </a:r>
             <a:endParaRPr smtClean="0">
               <a:latin typeface="Arial" pitchFamily="34" charset="0"/>
               <a:cs typeface="Arial" pitchFamily="34" charset="0"/>
@@ -3638,7 +3658,7 @@
                 <a:latin typeface="Arial" pitchFamily="34" charset="0"/>
                 <a:cs typeface="Arial" pitchFamily="34" charset="0"/>
               </a:rPr>
-              <a:t>MÉTODO DE MEDIDA DA PERTURBAÇÃO IRRADIADA</a:t>
+              <a:t>MÉTODO DE MEDIDA DA PERTURBAÇÃO CONDUZIDA</a:t>
             </a:r>
             <a:endParaRPr lang="pt-BR" dirty="0">
               <a:latin typeface="Arial" pitchFamily="34" charset="0"/>
@@ -3691,7 +3711,9 @@
         </p:nvSpPr>
         <p:spPr/>
         <p:txBody>
-          <a:bodyPr/>
+          <a:bodyPr>
+            <a:normAutofit fontScale="92500" lnSpcReduction="20000"/>
+          </a:bodyPr>
           <a:lstStyle/>
           <a:p>
             <a:pPr>
@@ -3704,29 +3726,113 @@
                 <a:latin typeface="Arial" pitchFamily="34" charset="0"/>
                 <a:cs typeface="Arial" pitchFamily="34" charset="0"/>
               </a:rPr>
-              <a:t>CISPR22:2005. </a:t>
-            </a:r>
-            <a:r>
-              <a:rPr b="1" smtClean="0">
-                <a:latin typeface="Arial" pitchFamily="34" charset="0"/>
-                <a:cs typeface="Arial" pitchFamily="34" charset="0"/>
-              </a:rPr>
-              <a:t>Information technology equipment - Radio disturbance characteristics - Limits and methods of </a:t>
-            </a:r>
-            <a:r>
-              <a:rPr b="1" smtClean="0">
-                <a:latin typeface="Arial" pitchFamily="34" charset="0"/>
-                <a:cs typeface="Arial" pitchFamily="34" charset="0"/>
-              </a:rPr>
-              <a:t>measurement</a:t>
-            </a:r>
+              <a:t>Detectores de medições.</a:t>
+            </a:r>
+          </a:p>
+          <a:p>
+            <a:pPr>
+              <a:lnSpc>
+                <a:spcPct val="150000"/>
+              </a:lnSpc>
+            </a:pPr>
             <a:r>
               <a:rPr smtClean="0">
                 <a:latin typeface="Arial" pitchFamily="34" charset="0"/>
                 <a:cs typeface="Arial" pitchFamily="34" charset="0"/>
               </a:rPr>
-              <a:t>.</a:t>
-            </a:r>
+              <a:t>Receptores de medições.</a:t>
+            </a:r>
+          </a:p>
+          <a:p>
+            <a:pPr>
+              <a:lnSpc>
+                <a:spcPct val="150000"/>
+              </a:lnSpc>
+            </a:pPr>
+            <a:r>
+              <a:rPr smtClean="0">
+                <a:latin typeface="Arial" pitchFamily="34" charset="0"/>
+                <a:cs typeface="Arial" pitchFamily="34" charset="0"/>
+              </a:rPr>
+              <a:t>Antena.</a:t>
+            </a:r>
+          </a:p>
+          <a:p>
+            <a:pPr>
+              <a:lnSpc>
+                <a:spcPct val="150000"/>
+              </a:lnSpc>
+            </a:pPr>
+            <a:r>
+              <a:rPr smtClean="0">
+                <a:latin typeface="Arial" pitchFamily="34" charset="0"/>
+                <a:cs typeface="Arial" pitchFamily="34" charset="0"/>
+              </a:rPr>
+              <a:t>Local de medição.</a:t>
+            </a:r>
+          </a:p>
+          <a:p>
+            <a:pPr>
+              <a:lnSpc>
+                <a:spcPct val="150000"/>
+              </a:lnSpc>
+            </a:pPr>
+            <a:r>
+              <a:rPr smtClean="0">
+                <a:latin typeface="Arial" pitchFamily="34" charset="0"/>
+                <a:cs typeface="Arial" pitchFamily="34" charset="0"/>
+              </a:rPr>
+              <a:t>Arranjo dos equipamentos em teste.</a:t>
+            </a:r>
+          </a:p>
+          <a:p>
+            <a:pPr>
+              <a:lnSpc>
+                <a:spcPct val="150000"/>
+              </a:lnSpc>
+            </a:pPr>
+            <a:r>
+              <a:rPr smtClean="0">
+                <a:latin typeface="Arial" pitchFamily="34" charset="0"/>
+                <a:cs typeface="Arial" pitchFamily="34" charset="0"/>
+              </a:rPr>
+              <a:t>Gravação das medidas.</a:t>
+            </a:r>
+          </a:p>
+          <a:p>
+            <a:pPr>
+              <a:lnSpc>
+                <a:spcPct val="150000"/>
+              </a:lnSpc>
+            </a:pPr>
+            <a:r>
+              <a:rPr smtClean="0">
+                <a:latin typeface="Arial" pitchFamily="34" charset="0"/>
+                <a:cs typeface="Arial" pitchFamily="34" charset="0"/>
+              </a:rPr>
+              <a:t>Medições na presença de sinais de ambiente.</a:t>
+            </a:r>
+          </a:p>
+          <a:p>
+            <a:pPr>
+              <a:lnSpc>
+                <a:spcPct val="150000"/>
+              </a:lnSpc>
+            </a:pPr>
+            <a:r>
+              <a:rPr smtClean="0">
+                <a:latin typeface="Arial" pitchFamily="34" charset="0"/>
+                <a:cs typeface="Arial" pitchFamily="34" charset="0"/>
+              </a:rPr>
+              <a:t>Teste de instalação de usuário.</a:t>
+            </a:r>
+          </a:p>
+          <a:p>
+            <a:pPr>
+              <a:lnSpc>
+                <a:spcPct val="150000"/>
+              </a:lnSpc>
+            </a:pPr>
             <a:endParaRPr lang="pt-BR" dirty="0" smtClean="0">
               <a:latin typeface="Arial" pitchFamily="34" charset="0"/>
               <a:cs typeface="Arial" pitchFamily="34" charset="0"/>
@@ -3747,16 +3853,16 @@
         <p:spPr/>
         <p:txBody>
           <a:bodyPr>
-            <a:normAutofit/>
+            <a:normAutofit fontScale="90000"/>
           </a:bodyPr>
           <a:lstStyle/>
           <a:p>
             <a:r>
-              <a:rPr smtClean="0">
+              <a:rPr lang="pt-BR" dirty="0" smtClean="0">
                 <a:latin typeface="Arial" pitchFamily="34" charset="0"/>
                 <a:cs typeface="Arial" pitchFamily="34" charset="0"/>
               </a:rPr>
-              <a:t>REFERÊNCIAS</a:t>
+              <a:t>MÉTODO DE MEDIDA DA PERTURBAÇÃO IRRADIADA</a:t>
             </a:r>
             <a:endParaRPr lang="pt-BR" dirty="0">
               <a:latin typeface="Arial" pitchFamily="34" charset="0"/>
@@ -3817,6 +3923,117 @@
                 <a:spcPct val="150000"/>
               </a:lnSpc>
             </a:pPr>
+            <a:r>
+              <a:rPr smtClean="0">
+                <a:latin typeface="Arial" pitchFamily="34" charset="0"/>
+                <a:cs typeface="Arial" pitchFamily="34" charset="0"/>
+              </a:rPr>
+              <a:t>CISPR22:2005. </a:t>
+            </a:r>
+            <a:r>
+              <a:rPr b="1" smtClean="0">
+                <a:latin typeface="Arial" pitchFamily="34" charset="0"/>
+                <a:cs typeface="Arial" pitchFamily="34" charset="0"/>
+              </a:rPr>
+              <a:t>Information technology equipment - Radio disturbance characteristics - Limits and methods of measurement</a:t>
+            </a:r>
+            <a:r>
+              <a:rPr smtClean="0">
+                <a:latin typeface="Arial" pitchFamily="34" charset="0"/>
+                <a:cs typeface="Arial" pitchFamily="34" charset="0"/>
+              </a:rPr>
+              <a:t>.</a:t>
+            </a:r>
+            <a:endParaRPr lang="pt-BR" dirty="0" smtClean="0">
+              <a:latin typeface="Arial" pitchFamily="34" charset="0"/>
+              <a:cs typeface="Arial" pitchFamily="34" charset="0"/>
+            </a:endParaRPr>
+          </a:p>
+        </p:txBody>
+      </p:sp>
+      <p:sp>
+        <p:nvSpPr>
+          <p:cNvPr id="3" name="Título 2"/>
+          <p:cNvSpPr>
+            <a:spLocks noGrp="1"/>
+          </p:cNvSpPr>
+          <p:nvPr>
+            <p:ph type="title"/>
+          </p:nvPr>
+        </p:nvSpPr>
+        <p:spPr/>
+        <p:txBody>
+          <a:bodyPr>
+            <a:normAutofit/>
+          </a:bodyPr>
+          <a:lstStyle/>
+          <a:p>
+            <a:r>
+              <a:rPr smtClean="0">
+                <a:latin typeface="Arial" pitchFamily="34" charset="0"/>
+                <a:cs typeface="Arial" pitchFamily="34" charset="0"/>
+              </a:rPr>
+              <a:t>REFERÊNCIAS</a:t>
+            </a:r>
+            <a:endParaRPr lang="pt-BR" dirty="0">
+              <a:latin typeface="Arial" pitchFamily="34" charset="0"/>
+              <a:cs typeface="Arial" pitchFamily="34" charset="0"/>
+            </a:endParaRPr>
+          </a:p>
+        </p:txBody>
+      </p:sp>
+    </p:spTree>
+  </p:cSld>
+  <p:clrMapOvr>
+    <a:masterClrMapping/>
+  </p:clrMapOvr>
+  <p:timing>
+    <p:tnLst>
+      <p:par>
+        <p:cTn id="1" dur="indefinite" restart="never" nodeType="tmRoot"/>
+      </p:par>
+    </p:tnLst>
+  </p:timing>
+</p:sld>
+</file>
+
+<file path=ppt/slides/slide15.xml><?xml version="1.0" encoding="utf-8"?>
+<p:sld xmlns:a="http://schemas.openxmlformats.org/drawingml/2006/main" xmlns:r="http://schemas.openxmlformats.org/officeDocument/2006/relationships" xmlns:p="http://schemas.openxmlformats.org/presentationml/2006/main">
+  <p:cSld>
+    <p:spTree>
+      <p:nvGrpSpPr>
+        <p:cNvPr id="1" name=""/>
+        <p:cNvGrpSpPr/>
+        <p:nvPr/>
+      </p:nvGrpSpPr>
+      <p:grpSpPr>
+        <a:xfrm>
+          <a:off x="0" y="0"/>
+          <a:ext cx="0" cy="0"/>
+          <a:chOff x="0" y="0"/>
+          <a:chExt cx="0" cy="0"/>
+        </a:xfrm>
+      </p:grpSpPr>
+      <p:sp>
+        <p:nvSpPr>
+          <p:cNvPr id="2" name="Espaço Reservado para Texto 1"/>
+          <p:cNvSpPr>
+            <a:spLocks noGrp="1"/>
+          </p:cNvSpPr>
+          <p:nvPr>
+            <p:ph type="body" idx="1"/>
+          </p:nvPr>
+        </p:nvSpPr>
+        <p:spPr/>
+        <p:txBody>
+          <a:bodyPr/>
+          <a:lstStyle/>
+          <a:p>
+            <a:pPr>
+              <a:lnSpc>
+                <a:spcPct val="150000"/>
+              </a:lnSpc>
+            </a:pPr>
             <a:endParaRPr dirty="0" smtClean="0">
               <a:latin typeface="Arial" pitchFamily="34" charset="0"/>
               <a:cs typeface="Arial" pitchFamily="34" charset="0"/>
@@ -3948,67 +4165,25 @@
                 <a:latin typeface="Arial" pitchFamily="34" charset="0"/>
                 <a:cs typeface="Arial" pitchFamily="34" charset="0"/>
               </a:rPr>
-              <a:t>LIMITES PARA </a:t>
-            </a:r>
+              <a:t>LIMITES PARA PERTURBAÇÃO CONDUZIDA</a:t>
+            </a:r>
+          </a:p>
+          <a:p>
             <a:r>
               <a:rPr smtClean="0">
                 <a:latin typeface="Arial" pitchFamily="34" charset="0"/>
                 <a:cs typeface="Arial" pitchFamily="34" charset="0"/>
               </a:rPr>
-              <a:t>PERTURBAÇÃO </a:t>
-            </a:r>
+              <a:t>LIMITES PARA PERTURBAÇÃO IRRADIADA</a:t>
+            </a:r>
+          </a:p>
+          <a:p>
             <a:r>
               <a:rPr smtClean="0">
                 <a:latin typeface="Arial" pitchFamily="34" charset="0"/>
                 <a:cs typeface="Arial" pitchFamily="34" charset="0"/>
               </a:rPr>
-              <a:t>CONDUZIDA</a:t>
-            </a:r>
-          </a:p>
-          <a:p>
-            <a:r>
-              <a:rPr smtClean="0">
-                <a:latin typeface="Arial" pitchFamily="34" charset="0"/>
-                <a:cs typeface="Arial" pitchFamily="34" charset="0"/>
-              </a:rPr>
-              <a:t>LIMITES PARA </a:t>
-            </a:r>
-            <a:r>
-              <a:rPr smtClean="0">
-                <a:latin typeface="Arial" pitchFamily="34" charset="0"/>
-                <a:cs typeface="Arial" pitchFamily="34" charset="0"/>
-              </a:rPr>
-              <a:t>PERTURBAÇÃO </a:t>
-            </a:r>
-            <a:r>
-              <a:rPr smtClean="0">
-                <a:latin typeface="Arial" pitchFamily="34" charset="0"/>
-                <a:cs typeface="Arial" pitchFamily="34" charset="0"/>
-              </a:rPr>
-              <a:t>IRRADIADA</a:t>
-            </a:r>
-          </a:p>
-          <a:p>
-            <a:r>
-              <a:rPr smtClean="0">
-                <a:latin typeface="Arial" pitchFamily="34" charset="0"/>
-                <a:cs typeface="Arial" pitchFamily="34" charset="0"/>
-              </a:rPr>
-              <a:t>CONDIÇÃO GERAL </a:t>
-            </a:r>
-            <a:r>
-              <a:rPr smtClean="0">
-                <a:latin typeface="Arial" pitchFamily="34" charset="0"/>
-                <a:cs typeface="Arial" pitchFamily="34" charset="0"/>
-              </a:rPr>
-              <a:t>DE </a:t>
-            </a:r>
-            <a:r>
-              <a:rPr smtClean="0">
-                <a:latin typeface="Arial" pitchFamily="34" charset="0"/>
-                <a:cs typeface="Arial" pitchFamily="34" charset="0"/>
-              </a:rPr>
-              <a:t>MEDIÇÃO</a:t>
+              <a:t>CONDIÇÃO GERAL DE MEDIÇÃO</a:t>
             </a:r>
           </a:p>
           <a:p>
@@ -4164,14 +4339,7 @@
                 <a:latin typeface="Arial" pitchFamily="34" charset="0"/>
                 <a:cs typeface="Arial" pitchFamily="34" charset="0"/>
               </a:rPr>
-              <a:t>Função </a:t>
-            </a:r>
-            <a:r>
-              <a:rPr smtClean="0">
-                <a:latin typeface="Arial" pitchFamily="34" charset="0"/>
-                <a:cs typeface="Arial" pitchFamily="34" charset="0"/>
-              </a:rPr>
-              <a:t>primária:</a:t>
+              <a:t>Função primária:</a:t>
             </a:r>
           </a:p>
           <a:p>
@@ -4191,21 +4359,7 @@
                 <a:latin typeface="Arial" pitchFamily="34" charset="0"/>
                 <a:cs typeface="Arial" pitchFamily="34" charset="0"/>
               </a:rPr>
-              <a:t>Transmissão, troca ou controle de dados e de mensagens de </a:t>
-            </a:r>
-            <a:r>
-              <a:rPr smtClean="0">
-                <a:latin typeface="Arial" pitchFamily="34" charset="0"/>
-                <a:cs typeface="Arial" pitchFamily="34" charset="0"/>
-              </a:rPr>
-              <a:t>telecomunicação</a:t>
-            </a:r>
-            <a:r>
-              <a:rPr smtClean="0">
-                <a:latin typeface="Arial" pitchFamily="34" charset="0"/>
-                <a:cs typeface="Arial" pitchFamily="34" charset="0"/>
-              </a:rPr>
-              <a:t>.</a:t>
+              <a:t>Transmissão, troca ou controle de dados e de mensagens de telecomunicação.</a:t>
             </a:r>
           </a:p>
           <a:p>
@@ -4217,10 +4371,6 @@
               </a:rPr>
               <a:t>Alimentação não excede 600V.</a:t>
             </a:r>
-            <a:endParaRPr smtClean="0">
-              <a:latin typeface="Arial" pitchFamily="34" charset="0"/>
-              <a:cs typeface="Arial" pitchFamily="34" charset="0"/>
-            </a:endParaRPr>
           </a:p>
           <a:p>
             <a:pPr>
@@ -4722,14 +4872,7 @@
                 <a:latin typeface="Arial" pitchFamily="34" charset="0"/>
                 <a:cs typeface="Arial" pitchFamily="34" charset="0"/>
               </a:rPr>
-              <a:t>CLASSIFICAÇÃO </a:t>
-            </a:r>
-            <a:r>
-              <a:rPr lang="pt-BR" dirty="0" smtClean="0">
-                <a:latin typeface="Arial" pitchFamily="34" charset="0"/>
-                <a:cs typeface="Arial" pitchFamily="34" charset="0"/>
-              </a:rPr>
-              <a:t>DOS </a:t>
+              <a:t>CLASSIFICAÇÃO DOS </a:t>
             </a:r>
             <a:r>
               <a:rPr lang="pt-BR" dirty="0" err="1" smtClean="0">

--- a/cem_20308/docs/cispr22.pptx
+++ b/cem_20308/docs/cispr22.pptx
@@ -5,10 +5,10 @@
     <p:sldMasterId id="2147483648" r:id="rId2"/>
   </p:sldMasterIdLst>
   <p:notesMasterIdLst>
-    <p:notesMasterId r:id="rId18"/>
+    <p:notesMasterId r:id="rId19"/>
   </p:notesMasterIdLst>
   <p:handoutMasterIdLst>
-    <p:handoutMasterId r:id="rId19"/>
+    <p:handoutMasterId r:id="rId20"/>
   </p:handoutMasterIdLst>
   <p:sldIdLst>
     <p:sldId id="256" r:id="rId3"/>
@@ -21,11 +21,12 @@
     <p:sldId id="262" r:id="rId10"/>
     <p:sldId id="263" r:id="rId11"/>
     <p:sldId id="267" r:id="rId12"/>
-    <p:sldId id="271" r:id="rId13"/>
-    <p:sldId id="268" r:id="rId14"/>
+    <p:sldId id="268" r:id="rId13"/>
+    <p:sldId id="271" r:id="rId14"/>
     <p:sldId id="270" r:id="rId15"/>
-    <p:sldId id="266" r:id="rId16"/>
-    <p:sldId id="265" r:id="rId17"/>
+    <p:sldId id="272" r:id="rId16"/>
+    <p:sldId id="266" r:id="rId17"/>
+    <p:sldId id="265" r:id="rId18"/>
   </p:sldIdLst>
   <p:sldSz cx="9144000" cy="6858000" type="screen4x3"/>
   <p:notesSz cx="6858000" cy="9144000"/>
@@ -205,7 +206,7 @@
             <a:fld id="{A849C5AD-4428-4E9C-9C84-11B72C9365FB}" type="datetimeFigureOut">
               <a:rPr lang="pt-BR" smtClean="0"/>
               <a:pPr/>
-              <a:t>21/11/2010</a:t>
+              <a:t>22/11/2010</a:t>
             </a:fld>
             <a:endParaRPr lang="pt-BR" smtClean="0"/>
           </a:p>
@@ -273,7 +274,7 @@
     </p:spTree>
     <p:extLst>
       <p:ext uri="{BB962C8B-B14F-4D97-AF65-F5344CB8AC3E}">
-        <p14:creationId xmlns:p14="http://schemas.microsoft.com/office/powerpoint/2010/main" val="106172645"/>
+        <p14:creationId xmlns:p14="http://schemas.microsoft.com/office/powerpoint/2010/main" xmlns="" val="106172645"/>
       </p:ext>
     </p:extLst>
   </p:cSld>
@@ -519,7 +520,7 @@
     </p:spTree>
     <p:extLst>
       <p:ext uri="{BB962C8B-B14F-4D97-AF65-F5344CB8AC3E}">
-        <p14:creationId xmlns:p14="http://schemas.microsoft.com/office/powerpoint/2010/main" val="2669197626"/>
+        <p14:creationId xmlns:p14="http://schemas.microsoft.com/office/powerpoint/2010/main" xmlns="" val="2669197626"/>
       </p:ext>
     </p:extLst>
   </p:cSld>
@@ -1180,6 +1181,88 @@
               <a:rPr lang="pt-BR" smtClean="0"/>
               <a:pPr/>
               <a:t>15</a:t>
+            </a:fld>
+            <a:endParaRPr lang="pt-BR"/>
+          </a:p>
+        </p:txBody>
+      </p:sp>
+    </p:spTree>
+  </p:cSld>
+  <p:clrMapOvr>
+    <a:masterClrMapping/>
+  </p:clrMapOvr>
+</p:notes>
+</file>
+
+<file path=ppt/notesSlides/notesSlide8.xml><?xml version="1.0" encoding="utf-8"?>
+<p:notes xmlns:a="http://schemas.openxmlformats.org/drawingml/2006/main" xmlns:r="http://schemas.openxmlformats.org/officeDocument/2006/relationships" xmlns:p="http://schemas.openxmlformats.org/presentationml/2006/main">
+  <p:cSld>
+    <p:spTree>
+      <p:nvGrpSpPr>
+        <p:cNvPr id="1" name=""/>
+        <p:cNvGrpSpPr/>
+        <p:nvPr/>
+      </p:nvGrpSpPr>
+      <p:grpSpPr>
+        <a:xfrm>
+          <a:off x="0" y="0"/>
+          <a:ext cx="0" cy="0"/>
+          <a:chOff x="0" y="0"/>
+          <a:chExt cx="0" cy="0"/>
+        </a:xfrm>
+      </p:grpSpPr>
+      <p:sp>
+        <p:nvSpPr>
+          <p:cNvPr id="2" name="Espaço Reservado para Imagem de Slide 1"/>
+          <p:cNvSpPr>
+            <a:spLocks noGrp="1" noRot="1" noChangeAspect="1"/>
+          </p:cNvSpPr>
+          <p:nvPr>
+            <p:ph type="sldImg"/>
+          </p:nvPr>
+        </p:nvSpPr>
+        <p:spPr/>
+      </p:sp>
+      <p:sp>
+        <p:nvSpPr>
+          <p:cNvPr id="3" name="Espaço Reservado para Anotações 2"/>
+          <p:cNvSpPr>
+            <a:spLocks noGrp="1"/>
+          </p:cNvSpPr>
+          <p:nvPr>
+            <p:ph type="body" idx="1"/>
+          </p:nvPr>
+        </p:nvSpPr>
+        <p:spPr/>
+        <p:txBody>
+          <a:bodyPr>
+            <a:normAutofit/>
+          </a:bodyPr>
+          <a:lstStyle/>
+          <a:p>
+            <a:endParaRPr lang="pt-BR" dirty="0"/>
+          </a:p>
+        </p:txBody>
+      </p:sp>
+      <p:sp>
+        <p:nvSpPr>
+          <p:cNvPr id="4" name="Espaço Reservado para Número de Slide 3"/>
+          <p:cNvSpPr>
+            <a:spLocks noGrp="1"/>
+          </p:cNvSpPr>
+          <p:nvPr>
+            <p:ph type="sldNum" sz="quarter" idx="10"/>
+          </p:nvPr>
+        </p:nvSpPr>
+        <p:spPr/>
+        <p:txBody>
+          <a:bodyPr/>
+          <a:lstStyle/>
+          <a:p>
+            <a:fld id="{CA077768-21C8-4125-A345-258E48D2EED0}" type="slidenum">
+              <a:rPr lang="pt-BR" smtClean="0"/>
+              <a:pPr/>
+              <a:t>16</a:t>
             </a:fld>
             <a:endParaRPr lang="pt-BR"/>
           </a:p>
@@ -3189,14 +3272,7 @@
                 <a:latin typeface="Arial" pitchFamily="34" charset="0"/>
                 <a:cs typeface="Arial" pitchFamily="34" charset="0"/>
               </a:rPr>
-              <a:t>Arranjos gerais</a:t>
-            </a:r>
-            <a:r>
-              <a:rPr dirty="0" smtClean="0">
-                <a:latin typeface="Arial" pitchFamily="34" charset="0"/>
-                <a:cs typeface="Arial" pitchFamily="34" charset="0"/>
-              </a:rPr>
-              <a:t>.</a:t>
+              <a:t>Arranjos gerais.</a:t>
             </a:r>
           </a:p>
           <a:p>
@@ -3377,7 +3453,7 @@
         <p:spPr/>
         <p:txBody>
           <a:bodyPr>
-            <a:normAutofit/>
+            <a:normAutofit fontScale="77500" lnSpcReduction="20000"/>
           </a:bodyPr>
           <a:lstStyle/>
           <a:p>
@@ -3387,12 +3463,44 @@
               </a:lnSpc>
             </a:pPr>
             <a:r>
-              <a:rPr lang="pt-BR" dirty="0">
+              <a:rPr smtClean="0">
                 <a:latin typeface="Arial" pitchFamily="34" charset="0"/>
                 <a:cs typeface="Arial" pitchFamily="34" charset="0"/>
               </a:rPr>
-              <a:t>Arranjo dos equipamentos em teste.</a:t>
-            </a:r>
+              <a:t>Detecção de medidas:</a:t>
+            </a:r>
+          </a:p>
+          <a:p>
+            <a:pPr lvl="1">
+              <a:lnSpc>
+                <a:spcPct val="150000"/>
+              </a:lnSpc>
+            </a:pPr>
+            <a:r>
+              <a:rPr smtClean="0">
+                <a:latin typeface="Arial" pitchFamily="34" charset="0"/>
+                <a:cs typeface="Arial" pitchFamily="34" charset="0"/>
+              </a:rPr>
+              <a:t>Deve ser realizado usando um receptor de detecção de quase-pico e média.</a:t>
+            </a:r>
+          </a:p>
+          <a:p>
+            <a:pPr lvl="1">
+              <a:lnSpc>
+                <a:spcPct val="150000"/>
+              </a:lnSpc>
+            </a:pPr>
+            <a:r>
+              <a:rPr smtClean="0">
+                <a:latin typeface="Arial" pitchFamily="34" charset="0"/>
+                <a:cs typeface="Arial" pitchFamily="34" charset="0"/>
+              </a:rPr>
+              <a:t>A largura de banda do receptor de 6dB.</a:t>
+            </a:r>
+            <a:endParaRPr smtClean="0">
+              <a:latin typeface="Arial" pitchFamily="34" charset="0"/>
+              <a:cs typeface="Arial" pitchFamily="34" charset="0"/>
+            </a:endParaRPr>
           </a:p>
           <a:p>
             <a:pPr>
@@ -3401,19 +3509,97 @@
               </a:lnSpc>
             </a:pPr>
             <a:r>
-              <a:rPr lang="pt-BR">
+              <a:rPr smtClean="0">
                 <a:latin typeface="Arial" pitchFamily="34" charset="0"/>
                 <a:cs typeface="Arial" pitchFamily="34" charset="0"/>
               </a:rPr>
-              <a:t>Operação dos equipamentos em teste.</a:t>
-            </a:r>
-          </a:p>
-          <a:p>
-            <a:pPr marL="0" indent="0">
+              <a:t>Redes </a:t>
+            </a:r>
+            <a:r>
+              <a:rPr smtClean="0">
+                <a:latin typeface="Arial" pitchFamily="34" charset="0"/>
+                <a:cs typeface="Arial" pitchFamily="34" charset="0"/>
+              </a:rPr>
+              <a:t>de alimentação artificiais </a:t>
+            </a:r>
+            <a:r>
+              <a:rPr i="1" smtClean="0">
+                <a:latin typeface="Arial" pitchFamily="34" charset="0"/>
+                <a:cs typeface="Arial" pitchFamily="34" charset="0"/>
+              </a:rPr>
+              <a:t>(Artificial Mains Network - AMN</a:t>
+            </a:r>
+            <a:r>
+              <a:rPr i="1" smtClean="0">
+                <a:latin typeface="Arial" pitchFamily="34" charset="0"/>
+                <a:cs typeface="Arial" pitchFamily="34" charset="0"/>
+              </a:rPr>
+              <a:t>).</a:t>
+            </a:r>
+          </a:p>
+          <a:p>
+            <a:pPr lvl="1">
+              <a:lnSpc>
+                <a:spcPct val="150000"/>
+              </a:lnSpc>
+            </a:pPr>
+            <a:r>
+              <a:rPr smtClean="0">
+                <a:latin typeface="Arial" pitchFamily="34" charset="0"/>
+                <a:cs typeface="Arial" pitchFamily="34" charset="0"/>
+              </a:rPr>
+              <a:t>É necessário para fornecer  uma impedância definida à altas frequencias.</a:t>
+            </a:r>
+          </a:p>
+          <a:p>
+            <a:pPr lvl="1">
+              <a:lnSpc>
+                <a:spcPct val="150000"/>
+              </a:lnSpc>
+            </a:pPr>
+            <a:r>
+              <a:rPr smtClean="0">
+                <a:latin typeface="Arial" pitchFamily="34" charset="0"/>
+                <a:cs typeface="Arial" pitchFamily="34" charset="0"/>
+              </a:rPr>
+              <a:t>Fornecer isolação ao circuito em teste.</a:t>
+            </a:r>
+          </a:p>
+          <a:p>
+            <a:pPr lvl="1">
+              <a:lnSpc>
+                <a:spcPct val="150000"/>
+              </a:lnSpc>
+            </a:pPr>
+            <a:r>
+              <a:rPr smtClean="0">
+                <a:latin typeface="Arial" pitchFamily="34" charset="0"/>
+                <a:cs typeface="Arial" pitchFamily="34" charset="0"/>
+              </a:rPr>
+              <a:t>A perturbação conduzida deve ser medida entre a Fase e o Plano de Terra e o Neutro e o plano de Terra.</a:t>
+            </a:r>
+            <a:endParaRPr smtClean="0">
+              <a:latin typeface="Arial" pitchFamily="34" charset="0"/>
+              <a:cs typeface="Arial" pitchFamily="34" charset="0"/>
+            </a:endParaRPr>
+          </a:p>
+          <a:p>
+            <a:pPr>
               <a:lnSpc>
                 <a:spcPct val="150000"/>
               </a:lnSpc>
               <a:buNone/>
+            </a:pPr>
+            <a:endParaRPr smtClean="0">
+              <a:latin typeface="Arial" pitchFamily="34" charset="0"/>
+              <a:cs typeface="Arial" pitchFamily="34" charset="0"/>
+            </a:endParaRPr>
+          </a:p>
+          <a:p>
+            <a:pPr>
+              <a:lnSpc>
+                <a:spcPct val="150000"/>
+              </a:lnSpc>
             </a:pPr>
             <a:endParaRPr lang="pt-BR" dirty="0" smtClean="0">
               <a:latin typeface="Arial" pitchFamily="34" charset="0"/>
@@ -3435,7 +3621,7 @@
         <p:spPr/>
         <p:txBody>
           <a:bodyPr>
-            <a:normAutofit/>
+            <a:normAutofit fontScale="90000"/>
           </a:bodyPr>
           <a:lstStyle/>
           <a:p>
@@ -3444,7 +3630,7 @@
                 <a:latin typeface="Arial" pitchFamily="34" charset="0"/>
                 <a:cs typeface="Arial" pitchFamily="34" charset="0"/>
               </a:rPr>
-              <a:t>CONDIÇÃO GERAL DE MEDIÇÃO</a:t>
+              <a:t>MÉTODO DE MEDIDA DA PERTURBAÇÃO CONDUZIDA</a:t>
             </a:r>
             <a:endParaRPr lang="pt-BR" dirty="0">
               <a:latin typeface="Arial" pitchFamily="34" charset="0"/>
@@ -3454,11 +3640,6 @@
         </p:txBody>
       </p:sp>
     </p:spTree>
-    <p:extLst>
-      <p:ext uri="{BB962C8B-B14F-4D97-AF65-F5344CB8AC3E}">
-        <p14:creationId xmlns:p14="http://schemas.microsoft.com/office/powerpoint/2010/main" val="2271265954"/>
-      </p:ext>
-    </p:extLst>
   </p:cSld>
   <p:clrMapOvr>
     <a:masterClrMapping/>
@@ -3503,7 +3684,7 @@
         <p:spPr/>
         <p:txBody>
           <a:bodyPr>
-            <a:normAutofit fontScale="92500"/>
+            <a:normAutofit lnSpcReduction="10000"/>
           </a:bodyPr>
           <a:lstStyle/>
           <a:p>
@@ -3517,8 +3698,44 @@
                 <a:latin typeface="Arial" pitchFamily="34" charset="0"/>
                 <a:cs typeface="Arial" pitchFamily="34" charset="0"/>
               </a:rPr>
-              <a:t>Detectores de medições.</a:t>
-            </a:r>
+              <a:t>Plano de referência de terra.</a:t>
+            </a:r>
+            <a:endParaRPr i="1" smtClean="0">
+              <a:latin typeface="Arial" pitchFamily="34" charset="0"/>
+              <a:cs typeface="Arial" pitchFamily="34" charset="0"/>
+            </a:endParaRPr>
+          </a:p>
+          <a:p>
+            <a:pPr lvl="1">
+              <a:lnSpc>
+                <a:spcPct val="150000"/>
+              </a:lnSpc>
+            </a:pPr>
+            <a:r>
+              <a:rPr smtClean="0">
+                <a:latin typeface="Arial" pitchFamily="34" charset="0"/>
+                <a:cs typeface="Arial" pitchFamily="34" charset="0"/>
+              </a:rPr>
+              <a:t>Um plano horizontal ou vertical deve estender-se pelo menos 0,5m da projeção do arranjo de teste.</a:t>
+            </a:r>
+          </a:p>
+          <a:p>
+            <a:pPr lvl="1">
+              <a:lnSpc>
+                <a:spcPct val="150000"/>
+              </a:lnSpc>
+            </a:pPr>
+            <a:r>
+              <a:rPr smtClean="0">
+                <a:latin typeface="Arial" pitchFamily="34" charset="0"/>
+                <a:cs typeface="Arial" pitchFamily="34" charset="0"/>
+              </a:rPr>
+              <a:t>Dimensões mínimas de 2m x 2m</a:t>
+            </a:r>
+            <a:endParaRPr smtClean="0">
+              <a:latin typeface="Arial" pitchFamily="34" charset="0"/>
+              <a:cs typeface="Arial" pitchFamily="34" charset="0"/>
+            </a:endParaRPr>
           </a:p>
           <a:p>
             <a:pPr>
@@ -3531,11 +3748,29 @@
                 <a:latin typeface="Arial" pitchFamily="34" charset="0"/>
                 <a:cs typeface="Arial" pitchFamily="34" charset="0"/>
               </a:rPr>
-              <a:t>Receptores de medições.</a:t>
-            </a:r>
-          </a:p>
-          <a:p>
-            <a:pPr>
+              <a:t>Exemplo de arranjo </a:t>
+            </a:r>
+            <a:r>
+              <a:rPr smtClean="0">
+                <a:latin typeface="Arial" pitchFamily="34" charset="0"/>
+                <a:cs typeface="Arial" pitchFamily="34" charset="0"/>
+              </a:rPr>
+              <a:t>dos equipamentos em teste</a:t>
+            </a:r>
+            <a:r>
+              <a:rPr smtClean="0">
+                <a:latin typeface="Arial" pitchFamily="34" charset="0"/>
+                <a:cs typeface="Arial" pitchFamily="34" charset="0"/>
+              </a:rPr>
+              <a:t>.</a:t>
+            </a:r>
+            <a:endParaRPr smtClean="0">
+              <a:latin typeface="Arial" pitchFamily="34" charset="0"/>
+              <a:cs typeface="Arial" pitchFamily="34" charset="0"/>
+            </a:endParaRPr>
+          </a:p>
+          <a:p>
+            <a:pPr lvl="1">
               <a:lnSpc>
                 <a:spcPct val="150000"/>
               </a:lnSpc>
@@ -3545,18 +3780,11 @@
                 <a:latin typeface="Arial" pitchFamily="34" charset="0"/>
                 <a:cs typeface="Arial" pitchFamily="34" charset="0"/>
               </a:rPr>
-              <a:t>Redes artificiais </a:t>
-            </a:r>
-            <a:r>
-              <a:rPr i="1" smtClean="0">
-                <a:latin typeface="Arial" pitchFamily="34" charset="0"/>
-                <a:cs typeface="Arial" pitchFamily="34" charset="0"/>
-              </a:rPr>
-              <a:t>(Artificial Mains Network - AMN).</a:t>
-            </a:r>
-          </a:p>
-          <a:p>
-            <a:pPr>
+              <a:t>Executar com um plano de referencia horizontal.</a:t>
+            </a:r>
+          </a:p>
+          <a:p>
+            <a:pPr lvl="1">
               <a:lnSpc>
                 <a:spcPct val="150000"/>
               </a:lnSpc>
@@ -3566,69 +3794,22 @@
                 <a:latin typeface="Arial" pitchFamily="34" charset="0"/>
                 <a:cs typeface="Arial" pitchFamily="34" charset="0"/>
               </a:rPr>
-              <a:t>Plano de terra.</a:t>
-            </a:r>
-          </a:p>
-          <a:p>
-            <a:pPr>
-              <a:lnSpc>
-                <a:spcPct val="150000"/>
-              </a:lnSpc>
-            </a:pPr>
+              <a:t>O equipamento em teste deve ser colocado em uma mesa n</a:t>
+            </a:r>
+            <a:r>
+              <a:rPr lang="pt-BR" dirty="0" smtClean="0">
+                <a:latin typeface="Arial" pitchFamily="34" charset="0"/>
+                <a:cs typeface="Arial" pitchFamily="34" charset="0"/>
+              </a:rPr>
+              <a:t>ã</a:t>
+            </a:r>
             <a:r>
               <a:rPr smtClean="0">
                 <a:latin typeface="Arial" pitchFamily="34" charset="0"/>
                 <a:cs typeface="Arial" pitchFamily="34" charset="0"/>
               </a:rPr>
-              <a:t>Arranjo dos equipamentos em teste.</a:t>
-            </a:r>
-          </a:p>
-          <a:p>
-            <a:pPr>
-              <a:lnSpc>
-                <a:spcPct val="150000"/>
-              </a:lnSpc>
-            </a:pPr>
-            <a:r>
-              <a:rPr smtClean="0">
-                <a:latin typeface="Arial" pitchFamily="34" charset="0"/>
-                <a:cs typeface="Arial" pitchFamily="34" charset="0"/>
-              </a:rPr>
-              <a:t>Medida das perturbações nos pontos de rede.</a:t>
-            </a:r>
-          </a:p>
-          <a:p>
-            <a:pPr>
-              <a:lnSpc>
-                <a:spcPct val="150000"/>
-              </a:lnSpc>
-            </a:pPr>
-            <a:r>
-              <a:rPr smtClean="0">
-                <a:latin typeface="Arial" pitchFamily="34" charset="0"/>
-                <a:cs typeface="Arial" pitchFamily="34" charset="0"/>
-              </a:rPr>
-              <a:t>Gravação das medidas.</a:t>
-            </a:r>
-          </a:p>
-          <a:p>
-            <a:pPr>
-              <a:lnSpc>
-                <a:spcPct val="150000"/>
-              </a:lnSpc>
-              <a:buNone/>
-            </a:pPr>
-            <a:endParaRPr smtClean="0">
-              <a:latin typeface="Arial" pitchFamily="34" charset="0"/>
-              <a:cs typeface="Arial" pitchFamily="34" charset="0"/>
-            </a:endParaRPr>
-          </a:p>
-          <a:p>
-            <a:pPr>
-              <a:lnSpc>
-                <a:spcPct val="150000"/>
-              </a:lnSpc>
-            </a:pPr>
+              <a:t>o condutiva a 40cm acima do plano de terra.</a:t>
+            </a:r>
             <a:endParaRPr lang="pt-BR" dirty="0" smtClean="0">
               <a:latin typeface="Arial" pitchFamily="34" charset="0"/>
               <a:cs typeface="Arial" pitchFamily="34" charset="0"/>
@@ -3712,7 +3893,7 @@
         <p:spPr/>
         <p:txBody>
           <a:bodyPr>
-            <a:normAutofit fontScale="92500" lnSpcReduction="20000"/>
+            <a:normAutofit/>
           </a:bodyPr>
           <a:lstStyle/>
           <a:p>
@@ -3726,11 +3907,11 @@
                 <a:latin typeface="Arial" pitchFamily="34" charset="0"/>
                 <a:cs typeface="Arial" pitchFamily="34" charset="0"/>
               </a:rPr>
-              <a:t>Detectores de medições.</a:t>
-            </a:r>
-          </a:p>
-          <a:p>
-            <a:pPr>
+              <a:t>Detecção de medidas:</a:t>
+            </a:r>
+          </a:p>
+          <a:p>
+            <a:pPr lvl="1">
               <a:lnSpc>
                 <a:spcPct val="150000"/>
               </a:lnSpc>
@@ -3740,11 +3921,29 @@
                 <a:latin typeface="Arial" pitchFamily="34" charset="0"/>
                 <a:cs typeface="Arial" pitchFamily="34" charset="0"/>
               </a:rPr>
-              <a:t>Receptores de medições.</a:t>
-            </a:r>
-          </a:p>
-          <a:p>
-            <a:pPr>
+              <a:t>Deve ser realizado usando um receptor de detecção de </a:t>
+            </a:r>
+            <a:r>
+              <a:rPr smtClean="0">
+                <a:latin typeface="Arial" pitchFamily="34" charset="0"/>
+                <a:cs typeface="Arial" pitchFamily="34" charset="0"/>
+              </a:rPr>
+              <a:t>quase-pico </a:t>
+            </a:r>
+            <a:r>
+              <a:rPr smtClean="0">
+                <a:latin typeface="Arial" pitchFamily="34" charset="0"/>
+                <a:cs typeface="Arial" pitchFamily="34" charset="0"/>
+              </a:rPr>
+              <a:t>com faixa de frequência de 30MHz a 1000MHz.</a:t>
+            </a:r>
+            <a:endParaRPr smtClean="0">
+              <a:latin typeface="Arial" pitchFamily="34" charset="0"/>
+              <a:cs typeface="Arial" pitchFamily="34" charset="0"/>
+            </a:endParaRPr>
+          </a:p>
+          <a:p>
+            <a:pPr lvl="1">
               <a:lnSpc>
                 <a:spcPct val="150000"/>
               </a:lnSpc>
@@ -3754,86 +3953,23 @@
                 <a:latin typeface="Arial" pitchFamily="34" charset="0"/>
                 <a:cs typeface="Arial" pitchFamily="34" charset="0"/>
               </a:rPr>
-              <a:t>Antena.</a:t>
-            </a:r>
-          </a:p>
-          <a:p>
-            <a:pPr>
-              <a:lnSpc>
-                <a:spcPct val="150000"/>
-              </a:lnSpc>
-            </a:pPr>
+              <a:t>A largura de banda do receptor de </a:t>
+            </a:r>
             <a:r>
               <a:rPr smtClean="0">
                 <a:latin typeface="Arial" pitchFamily="34" charset="0"/>
                 <a:cs typeface="Arial" pitchFamily="34" charset="0"/>
               </a:rPr>
-              <a:t>Local de medição.</a:t>
-            </a:r>
-          </a:p>
-          <a:p>
-            <a:pPr>
-              <a:lnSpc>
-                <a:spcPct val="150000"/>
-              </a:lnSpc>
-            </a:pPr>
+              <a:t>6dB</a:t>
+            </a:r>
             <a:r>
               <a:rPr smtClean="0">
                 <a:latin typeface="Arial" pitchFamily="34" charset="0"/>
                 <a:cs typeface="Arial" pitchFamily="34" charset="0"/>
               </a:rPr>
-              <a:t>Arranjo dos equipamentos em teste.</a:t>
-            </a:r>
-          </a:p>
-          <a:p>
-            <a:pPr>
-              <a:lnSpc>
-                <a:spcPct val="150000"/>
-              </a:lnSpc>
-            </a:pPr>
-            <a:r>
-              <a:rPr smtClean="0">
-                <a:latin typeface="Arial" pitchFamily="34" charset="0"/>
-                <a:cs typeface="Arial" pitchFamily="34" charset="0"/>
-              </a:rPr>
-              <a:t>Gravação das medidas.</a:t>
-            </a:r>
-          </a:p>
-          <a:p>
-            <a:pPr>
-              <a:lnSpc>
-                <a:spcPct val="150000"/>
-              </a:lnSpc>
-            </a:pPr>
-            <a:r>
-              <a:rPr smtClean="0">
-                <a:latin typeface="Arial" pitchFamily="34" charset="0"/>
-                <a:cs typeface="Arial" pitchFamily="34" charset="0"/>
-              </a:rPr>
-              <a:t>Medições na presença de sinais de ambiente.</a:t>
-            </a:r>
-          </a:p>
-          <a:p>
-            <a:pPr>
-              <a:lnSpc>
-                <a:spcPct val="150000"/>
-              </a:lnSpc>
-            </a:pPr>
-            <a:r>
-              <a:rPr smtClean="0">
-                <a:latin typeface="Arial" pitchFamily="34" charset="0"/>
-                <a:cs typeface="Arial" pitchFamily="34" charset="0"/>
-              </a:rPr>
-              <a:t>Teste de instalação de usuário.</a:t>
-            </a:r>
-          </a:p>
-          <a:p>
-            <a:pPr>
-              <a:lnSpc>
-                <a:spcPct val="150000"/>
-              </a:lnSpc>
-            </a:pPr>
-            <a:endParaRPr lang="pt-BR" dirty="0" smtClean="0">
+              <a:t>.</a:t>
+            </a:r>
+            <a:endParaRPr smtClean="0">
               <a:latin typeface="Arial" pitchFamily="34" charset="0"/>
               <a:cs typeface="Arial" pitchFamily="34" charset="0"/>
             </a:endParaRPr>
@@ -3915,7 +4051,9 @@
         </p:nvSpPr>
         <p:spPr/>
         <p:txBody>
-          <a:bodyPr/>
+          <a:bodyPr>
+            <a:normAutofit fontScale="92500"/>
+          </a:bodyPr>
           <a:lstStyle/>
           <a:p>
             <a:pPr>
@@ -3928,23 +4066,79 @@
                 <a:latin typeface="Arial" pitchFamily="34" charset="0"/>
                 <a:cs typeface="Arial" pitchFamily="34" charset="0"/>
               </a:rPr>
-              <a:t>CISPR22:2005. </a:t>
-            </a:r>
-            <a:r>
-              <a:rPr b="1" smtClean="0">
-                <a:latin typeface="Arial" pitchFamily="34" charset="0"/>
-                <a:cs typeface="Arial" pitchFamily="34" charset="0"/>
-              </a:rPr>
-              <a:t>Information technology equipment - Radio disturbance characteristics - Limits and methods of measurement</a:t>
-            </a:r>
+              <a:t>Antena.</a:t>
+            </a:r>
+          </a:p>
+          <a:p>
+            <a:pPr lvl="1">
+              <a:lnSpc>
+                <a:spcPct val="150000"/>
+              </a:lnSpc>
+            </a:pPr>
             <a:r>
               <a:rPr smtClean="0">
                 <a:latin typeface="Arial" pitchFamily="34" charset="0"/>
                 <a:cs typeface="Arial" pitchFamily="34" charset="0"/>
               </a:rPr>
-              <a:t>.</a:t>
-            </a:r>
-            <a:endParaRPr lang="pt-BR" dirty="0" smtClean="0">
+              <a:t>Dipolo balanceada.</a:t>
+            </a:r>
+          </a:p>
+          <a:p>
+            <a:pPr lvl="1">
+              <a:lnSpc>
+                <a:spcPct val="150000"/>
+              </a:lnSpc>
+            </a:pPr>
+            <a:r>
+              <a:rPr smtClean="0">
+                <a:latin typeface="Arial" pitchFamily="34" charset="0"/>
+                <a:cs typeface="Arial" pitchFamily="34" charset="0"/>
+              </a:rPr>
+              <a:t>Frequencias de 80MHz ou acima.</a:t>
+            </a:r>
+          </a:p>
+          <a:p>
+            <a:pPr lvl="1">
+              <a:lnSpc>
+                <a:spcPct val="150000"/>
+              </a:lnSpc>
+            </a:pPr>
+            <a:r>
+              <a:rPr smtClean="0">
+                <a:latin typeface="Arial" pitchFamily="34" charset="0"/>
+                <a:cs typeface="Arial" pitchFamily="34" charset="0"/>
+              </a:rPr>
+              <a:t>Dispostas a 10m de distância do equipamento em teste.</a:t>
+            </a:r>
+          </a:p>
+          <a:p>
+            <a:pPr lvl="1">
+              <a:lnSpc>
+                <a:spcPct val="150000"/>
+              </a:lnSpc>
+            </a:pPr>
+            <a:r>
+              <a:rPr smtClean="0">
+                <a:latin typeface="Arial" pitchFamily="34" charset="0"/>
+                <a:cs typeface="Arial" pitchFamily="34" charset="0"/>
+              </a:rPr>
+              <a:t>Deve ser ajustada entre 1m a 4m acima do plano de terra.</a:t>
+            </a:r>
+          </a:p>
+          <a:p>
+            <a:pPr lvl="1">
+              <a:lnSpc>
+                <a:spcPct val="150000"/>
+              </a:lnSpc>
+            </a:pPr>
+            <a:r>
+              <a:rPr smtClean="0">
+                <a:latin typeface="Arial" pitchFamily="34" charset="0"/>
+                <a:cs typeface="Arial" pitchFamily="34" charset="0"/>
+              </a:rPr>
+              <a:t>Os testes deverão ser validados para a polarização vertical e horizontal.</a:t>
+            </a:r>
+            <a:endParaRPr smtClean="0">
               <a:latin typeface="Arial" pitchFamily="34" charset="0"/>
               <a:cs typeface="Arial" pitchFamily="34" charset="0"/>
             </a:endParaRPr>
@@ -3964,16 +4158,16 @@
         <p:spPr/>
         <p:txBody>
           <a:bodyPr>
-            <a:normAutofit/>
+            <a:normAutofit fontScale="90000"/>
           </a:bodyPr>
           <a:lstStyle/>
           <a:p>
             <a:r>
-              <a:rPr smtClean="0">
+              <a:rPr lang="pt-BR" dirty="0" smtClean="0">
                 <a:latin typeface="Arial" pitchFamily="34" charset="0"/>
                 <a:cs typeface="Arial" pitchFamily="34" charset="0"/>
               </a:rPr>
-              <a:t>REFERÊNCIAS</a:t>
+              <a:t>MÉTODO DE MEDIDA DA PERTURBAÇÃO IRRADIADA</a:t>
             </a:r>
             <a:endParaRPr lang="pt-BR" dirty="0">
               <a:latin typeface="Arial" pitchFamily="34" charset="0"/>
@@ -3998,6 +4192,117 @@
 </file>
 
 <file path=ppt/slides/slide15.xml><?xml version="1.0" encoding="utf-8"?>
+<p:sld xmlns:a="http://schemas.openxmlformats.org/drawingml/2006/main" xmlns:r="http://schemas.openxmlformats.org/officeDocument/2006/relationships" xmlns:p="http://schemas.openxmlformats.org/presentationml/2006/main">
+  <p:cSld>
+    <p:spTree>
+      <p:nvGrpSpPr>
+        <p:cNvPr id="1" name=""/>
+        <p:cNvGrpSpPr/>
+        <p:nvPr/>
+      </p:nvGrpSpPr>
+      <p:grpSpPr>
+        <a:xfrm>
+          <a:off x="0" y="0"/>
+          <a:ext cx="0" cy="0"/>
+          <a:chOff x="0" y="0"/>
+          <a:chExt cx="0" cy="0"/>
+        </a:xfrm>
+      </p:grpSpPr>
+      <p:sp>
+        <p:nvSpPr>
+          <p:cNvPr id="2" name="Espaço Reservado para Texto 1"/>
+          <p:cNvSpPr>
+            <a:spLocks noGrp="1"/>
+          </p:cNvSpPr>
+          <p:nvPr>
+            <p:ph type="body" idx="1"/>
+          </p:nvPr>
+        </p:nvSpPr>
+        <p:spPr/>
+        <p:txBody>
+          <a:bodyPr/>
+          <a:lstStyle/>
+          <a:p>
+            <a:pPr>
+              <a:lnSpc>
+                <a:spcPct val="150000"/>
+              </a:lnSpc>
+            </a:pPr>
+            <a:r>
+              <a:rPr smtClean="0">
+                <a:latin typeface="Arial" pitchFamily="34" charset="0"/>
+                <a:cs typeface="Arial" pitchFamily="34" charset="0"/>
+              </a:rPr>
+              <a:t>CISPR22:2005. </a:t>
+            </a:r>
+            <a:r>
+              <a:rPr b="1" smtClean="0">
+                <a:latin typeface="Arial" pitchFamily="34" charset="0"/>
+                <a:cs typeface="Arial" pitchFamily="34" charset="0"/>
+              </a:rPr>
+              <a:t>Information technology equipment - Radio disturbance characteristics - Limits and methods of measurement</a:t>
+            </a:r>
+            <a:r>
+              <a:rPr smtClean="0">
+                <a:latin typeface="Arial" pitchFamily="34" charset="0"/>
+                <a:cs typeface="Arial" pitchFamily="34" charset="0"/>
+              </a:rPr>
+              <a:t>.</a:t>
+            </a:r>
+            <a:endParaRPr lang="pt-BR" dirty="0" smtClean="0">
+              <a:latin typeface="Arial" pitchFamily="34" charset="0"/>
+              <a:cs typeface="Arial" pitchFamily="34" charset="0"/>
+            </a:endParaRPr>
+          </a:p>
+        </p:txBody>
+      </p:sp>
+      <p:sp>
+        <p:nvSpPr>
+          <p:cNvPr id="3" name="Título 2"/>
+          <p:cNvSpPr>
+            <a:spLocks noGrp="1"/>
+          </p:cNvSpPr>
+          <p:nvPr>
+            <p:ph type="title"/>
+          </p:nvPr>
+        </p:nvSpPr>
+        <p:spPr/>
+        <p:txBody>
+          <a:bodyPr>
+            <a:normAutofit/>
+          </a:bodyPr>
+          <a:lstStyle/>
+          <a:p>
+            <a:r>
+              <a:rPr smtClean="0">
+                <a:latin typeface="Arial" pitchFamily="34" charset="0"/>
+                <a:cs typeface="Arial" pitchFamily="34" charset="0"/>
+              </a:rPr>
+              <a:t>REFERÊNCIAS</a:t>
+            </a:r>
+            <a:endParaRPr lang="pt-BR" dirty="0">
+              <a:latin typeface="Arial" pitchFamily="34" charset="0"/>
+              <a:cs typeface="Arial" pitchFamily="34" charset="0"/>
+            </a:endParaRPr>
+          </a:p>
+        </p:txBody>
+      </p:sp>
+    </p:spTree>
+  </p:cSld>
+  <p:clrMapOvr>
+    <a:masterClrMapping/>
+  </p:clrMapOvr>
+  <p:timing>
+    <p:tnLst>
+      <p:par>
+        <p:cTn id="1" dur="indefinite" restart="never" nodeType="tmRoot"/>
+      </p:par>
+    </p:tnLst>
+  </p:timing>
+</p:sld>
+</file>
+
+<file path=ppt/slides/slide16.xml><?xml version="1.0" encoding="utf-8"?>
 <p:sld xmlns:a="http://schemas.openxmlformats.org/drawingml/2006/main" xmlns:r="http://schemas.openxmlformats.org/officeDocument/2006/relationships" xmlns:p="http://schemas.openxmlformats.org/presentationml/2006/main">
   <p:cSld>
     <p:spTree>

--- a/cem_20308/docs/cispr22.pptx
+++ b/cem_20308/docs/cispr22.pptx
@@ -274,7 +274,7 @@
     </p:spTree>
     <p:extLst>
       <p:ext uri="{BB962C8B-B14F-4D97-AF65-F5344CB8AC3E}">
-        <p14:creationId xmlns:p14="http://schemas.microsoft.com/office/powerpoint/2010/main" xmlns="" val="106172645"/>
+        <p14:creationId xmlns:p14="http://schemas.microsoft.com/office/powerpoint/2010/main" val="106172645"/>
       </p:ext>
     </p:extLst>
   </p:cSld>
@@ -520,7 +520,7 @@
     </p:spTree>
     <p:extLst>
       <p:ext uri="{BB962C8B-B14F-4D97-AF65-F5344CB8AC3E}">
-        <p14:creationId xmlns:p14="http://schemas.microsoft.com/office/powerpoint/2010/main" xmlns="" val="2669197626"/>
+        <p14:creationId xmlns:p14="http://schemas.microsoft.com/office/powerpoint/2010/main" val="2669197626"/>
       </p:ext>
     </p:extLst>
   </p:cSld>
@@ -3463,7 +3463,7 @@
               </a:lnSpc>
             </a:pPr>
             <a:r>
-              <a:rPr smtClean="0">
+              <a:rPr dirty="0" smtClean="0">
                 <a:latin typeface="Arial" pitchFamily="34" charset="0"/>
                 <a:cs typeface="Arial" pitchFamily="34" charset="0"/>
               </a:rPr>
@@ -3477,7 +3477,7 @@
               </a:lnSpc>
             </a:pPr>
             <a:r>
-              <a:rPr smtClean="0">
+              <a:rPr dirty="0" smtClean="0">
                 <a:latin typeface="Arial" pitchFamily="34" charset="0"/>
                 <a:cs typeface="Arial" pitchFamily="34" charset="0"/>
               </a:rPr>
@@ -3491,16 +3491,12 @@
               </a:lnSpc>
             </a:pPr>
             <a:r>
-              <a:rPr smtClean="0">
+              <a:rPr dirty="0" smtClean="0">
                 <a:latin typeface="Arial" pitchFamily="34" charset="0"/>
                 <a:cs typeface="Arial" pitchFamily="34" charset="0"/>
               </a:rPr>
               <a:t>A largura de banda do receptor de 6dB.</a:t>
             </a:r>
-            <a:endParaRPr smtClean="0">
-              <a:latin typeface="Arial" pitchFamily="34" charset="0"/>
-              <a:cs typeface="Arial" pitchFamily="34" charset="0"/>
-            </a:endParaRPr>
           </a:p>
           <a:p>
             <a:pPr>
@@ -3509,32 +3505,32 @@
               </a:lnSpc>
             </a:pPr>
             <a:r>
-              <a:rPr smtClean="0">
+              <a:rPr dirty="0" smtClean="0">
                 <a:latin typeface="Arial" pitchFamily="34" charset="0"/>
                 <a:cs typeface="Arial" pitchFamily="34" charset="0"/>
               </a:rPr>
-              <a:t>Redes </a:t>
-            </a:r>
-            <a:r>
-              <a:rPr smtClean="0">
+              <a:t>Redes de alimentação artificiais </a:t>
+            </a:r>
+            <a:r>
+              <a:rPr i="1" dirty="0" smtClean="0">
                 <a:latin typeface="Arial" pitchFamily="34" charset="0"/>
                 <a:cs typeface="Arial" pitchFamily="34" charset="0"/>
               </a:rPr>
-              <a:t>de alimentação artificiais </a:t>
-            </a:r>
-            <a:r>
-              <a:rPr i="1" smtClean="0">
+              <a:t>(Artificial </a:t>
+            </a:r>
+            <a:r>
+              <a:rPr i="1" dirty="0" err="1" smtClean="0">
                 <a:latin typeface="Arial" pitchFamily="34" charset="0"/>
                 <a:cs typeface="Arial" pitchFamily="34" charset="0"/>
               </a:rPr>
-              <a:t>(Artificial Mains Network - AMN</a:t>
-            </a:r>
-            <a:r>
-              <a:rPr i="1" smtClean="0">
+              <a:t>Mains</a:t>
+            </a:r>
+            <a:r>
+              <a:rPr i="1" dirty="0" smtClean="0">
                 <a:latin typeface="Arial" pitchFamily="34" charset="0"/>
                 <a:cs typeface="Arial" pitchFamily="34" charset="0"/>
               </a:rPr>
-              <a:t>).</a:t>
+              <a:t> Network - AMN).</a:t>
             </a:r>
           </a:p>
           <a:p>
@@ -3544,12 +3540,37 @@
               </a:lnSpc>
             </a:pPr>
             <a:r>
-              <a:rPr smtClean="0">
+              <a:rPr dirty="0" smtClean="0">
                 <a:latin typeface="Arial" pitchFamily="34" charset="0"/>
                 <a:cs typeface="Arial" pitchFamily="34" charset="0"/>
               </a:rPr>
-              <a:t>É necessário para fornecer  uma impedância definida à altas frequencias.</a:t>
-            </a:r>
+              <a:t>É necessário para fornecer  uma impedância definida </a:t>
+            </a:r>
+            <a:r>
+              <a:rPr dirty="0" smtClean="0">
+                <a:latin typeface="Arial" pitchFamily="34" charset="0"/>
+                <a:cs typeface="Arial" pitchFamily="34" charset="0"/>
+              </a:rPr>
+              <a:t>em </a:t>
+            </a:r>
+            <a:r>
+              <a:rPr dirty="0" smtClean="0">
+                <a:latin typeface="Arial" pitchFamily="34" charset="0"/>
+                <a:cs typeface="Arial" pitchFamily="34" charset="0"/>
+              </a:rPr>
+              <a:t>altas </a:t>
+            </a:r>
+            <a:r>
+              <a:rPr dirty="0" smtClean="0">
+                <a:latin typeface="Arial" pitchFamily="34" charset="0"/>
+                <a:cs typeface="Arial" pitchFamily="34" charset="0"/>
+              </a:rPr>
+              <a:t>frequências.</a:t>
+            </a:r>
+            <a:endParaRPr dirty="0" smtClean="0">
+              <a:latin typeface="Arial" pitchFamily="34" charset="0"/>
+              <a:cs typeface="Arial" pitchFamily="34" charset="0"/>
+            </a:endParaRPr>
           </a:p>
           <a:p>
             <a:pPr lvl="1">
@@ -3558,7 +3579,7 @@
               </a:lnSpc>
             </a:pPr>
             <a:r>
-              <a:rPr smtClean="0">
+              <a:rPr dirty="0" smtClean="0">
                 <a:latin typeface="Arial" pitchFamily="34" charset="0"/>
                 <a:cs typeface="Arial" pitchFamily="34" charset="0"/>
               </a:rPr>
@@ -3572,16 +3593,12 @@
               </a:lnSpc>
             </a:pPr>
             <a:r>
-              <a:rPr smtClean="0">
+              <a:rPr dirty="0" smtClean="0">
                 <a:latin typeface="Arial" pitchFamily="34" charset="0"/>
                 <a:cs typeface="Arial" pitchFamily="34" charset="0"/>
               </a:rPr>
               <a:t>A perturbação conduzida deve ser medida entre a Fase e o Plano de Terra e o Neutro e o plano de Terra.</a:t>
             </a:r>
-            <a:endParaRPr smtClean="0">
-              <a:latin typeface="Arial" pitchFamily="34" charset="0"/>
-              <a:cs typeface="Arial" pitchFamily="34" charset="0"/>
-            </a:endParaRPr>
           </a:p>
           <a:p>
             <a:pPr>
@@ -3590,7 +3607,7 @@
               </a:lnSpc>
               <a:buNone/>
             </a:pPr>
-            <a:endParaRPr smtClean="0">
+            <a:endParaRPr dirty="0" smtClean="0">
               <a:latin typeface="Arial" pitchFamily="34" charset="0"/>
               <a:cs typeface="Arial" pitchFamily="34" charset="0"/>
             </a:endParaRPr>
@@ -3732,10 +3749,6 @@
               </a:rPr>
               <a:t>Dimensões mínimas de 2m x 2m</a:t>
             </a:r>
-            <a:endParaRPr smtClean="0">
-              <a:latin typeface="Arial" pitchFamily="34" charset="0"/>
-              <a:cs typeface="Arial" pitchFamily="34" charset="0"/>
-            </a:endParaRPr>
           </a:p>
           <a:p>
             <a:pPr>
@@ -3748,26 +3761,8 @@
                 <a:latin typeface="Arial" pitchFamily="34" charset="0"/>
                 <a:cs typeface="Arial" pitchFamily="34" charset="0"/>
               </a:rPr>
-              <a:t>Exemplo de arranjo </a:t>
-            </a:r>
-            <a:r>
-              <a:rPr smtClean="0">
-                <a:latin typeface="Arial" pitchFamily="34" charset="0"/>
-                <a:cs typeface="Arial" pitchFamily="34" charset="0"/>
-              </a:rPr>
-              <a:t>dos equipamentos em teste</a:t>
-            </a:r>
-            <a:r>
-              <a:rPr smtClean="0">
-                <a:latin typeface="Arial" pitchFamily="34" charset="0"/>
-                <a:cs typeface="Arial" pitchFamily="34" charset="0"/>
-              </a:rPr>
-              <a:t>.</a:t>
-            </a:r>
-            <a:endParaRPr smtClean="0">
-              <a:latin typeface="Arial" pitchFamily="34" charset="0"/>
-              <a:cs typeface="Arial" pitchFamily="34" charset="0"/>
-            </a:endParaRPr>
+              <a:t>Exemplo de arranjo dos equipamentos em teste.</a:t>
+            </a:r>
           </a:p>
           <a:p>
             <a:pPr lvl="1">
@@ -3921,26 +3916,8 @@
                 <a:latin typeface="Arial" pitchFamily="34" charset="0"/>
                 <a:cs typeface="Arial" pitchFamily="34" charset="0"/>
               </a:rPr>
-              <a:t>Deve ser realizado usando um receptor de detecção de </a:t>
-            </a:r>
-            <a:r>
-              <a:rPr smtClean="0">
-                <a:latin typeface="Arial" pitchFamily="34" charset="0"/>
-                <a:cs typeface="Arial" pitchFamily="34" charset="0"/>
-              </a:rPr>
-              <a:t>quase-pico </a:t>
-            </a:r>
-            <a:r>
-              <a:rPr smtClean="0">
-                <a:latin typeface="Arial" pitchFamily="34" charset="0"/>
-                <a:cs typeface="Arial" pitchFamily="34" charset="0"/>
-              </a:rPr>
-              <a:t>com faixa de frequência de 30MHz a 1000MHz.</a:t>
-            </a:r>
-            <a:endParaRPr smtClean="0">
-              <a:latin typeface="Arial" pitchFamily="34" charset="0"/>
-              <a:cs typeface="Arial" pitchFamily="34" charset="0"/>
-            </a:endParaRPr>
+              <a:t>Deve ser realizado usando um receptor de detecção de quase-pico com faixa de frequência de 30MHz a 1000MHz.</a:t>
+            </a:r>
           </a:p>
           <a:p>
             <a:pPr lvl="1">
@@ -3953,26 +3930,8 @@
                 <a:latin typeface="Arial" pitchFamily="34" charset="0"/>
                 <a:cs typeface="Arial" pitchFamily="34" charset="0"/>
               </a:rPr>
-              <a:t>A largura de banda do receptor de </a:t>
-            </a:r>
-            <a:r>
-              <a:rPr smtClean="0">
-                <a:latin typeface="Arial" pitchFamily="34" charset="0"/>
-                <a:cs typeface="Arial" pitchFamily="34" charset="0"/>
-              </a:rPr>
-              <a:t>6dB</a:t>
-            </a:r>
-            <a:r>
-              <a:rPr smtClean="0">
-                <a:latin typeface="Arial" pitchFamily="34" charset="0"/>
-                <a:cs typeface="Arial" pitchFamily="34" charset="0"/>
-              </a:rPr>
-              <a:t>.</a:t>
-            </a:r>
-            <a:endParaRPr smtClean="0">
-              <a:latin typeface="Arial" pitchFamily="34" charset="0"/>
-              <a:cs typeface="Arial" pitchFamily="34" charset="0"/>
-            </a:endParaRPr>
+              <a:t>A largura de banda do receptor de 6dB.</a:t>
+            </a:r>
           </a:p>
         </p:txBody>
       </p:sp>
@@ -4138,10 +4097,6 @@
               </a:rPr>
               <a:t>Os testes deverão ser validados para a polarização vertical e horizontal.</a:t>
             </a:r>
-            <a:endParaRPr smtClean="0">
-              <a:latin typeface="Arial" pitchFamily="34" charset="0"/>
-              <a:cs typeface="Arial" pitchFamily="34" charset="0"/>
-            </a:endParaRPr>
           </a:p>
         </p:txBody>
       </p:sp>
@@ -4448,7 +4403,7 @@
           <a:lstStyle/>
           <a:p>
             <a:r>
-              <a:rPr smtClean="0">
+              <a:rPr dirty="0" smtClean="0">
                 <a:latin typeface="Arial" pitchFamily="34" charset="0"/>
                 <a:cs typeface="Arial" pitchFamily="34" charset="0"/>
               </a:rPr>
@@ -4457,7 +4412,7 @@
           </a:p>
           <a:p>
             <a:r>
-              <a:rPr smtClean="0">
+              <a:rPr dirty="0" smtClean="0">
                 <a:latin typeface="Arial" pitchFamily="34" charset="0"/>
                 <a:cs typeface="Arial" pitchFamily="34" charset="0"/>
               </a:rPr>
@@ -4466,7 +4421,7 @@
           </a:p>
           <a:p>
             <a:r>
-              <a:rPr smtClean="0">
+              <a:rPr dirty="0" smtClean="0">
                 <a:latin typeface="Arial" pitchFamily="34" charset="0"/>
                 <a:cs typeface="Arial" pitchFamily="34" charset="0"/>
               </a:rPr>
@@ -4475,7 +4430,7 @@
           </a:p>
           <a:p>
             <a:r>
-              <a:rPr smtClean="0">
+              <a:rPr dirty="0" smtClean="0">
                 <a:latin typeface="Arial" pitchFamily="34" charset="0"/>
                 <a:cs typeface="Arial" pitchFamily="34" charset="0"/>
               </a:rPr>
@@ -4484,7 +4439,7 @@
           </a:p>
           <a:p>
             <a:r>
-              <a:rPr smtClean="0">
+              <a:rPr dirty="0" smtClean="0">
                 <a:latin typeface="Arial" pitchFamily="34" charset="0"/>
                 <a:cs typeface="Arial" pitchFamily="34" charset="0"/>
               </a:rPr>
@@ -4493,11 +4448,34 @@
           </a:p>
           <a:p>
             <a:r>
-              <a:rPr smtClean="0">
+              <a:rPr lang="pt-BR" dirty="0">
                 <a:latin typeface="Arial" pitchFamily="34" charset="0"/>
                 <a:cs typeface="Arial" pitchFamily="34" charset="0"/>
               </a:rPr>
-              <a:t>INCERTEZA DE MEDIÇÃO</a:t>
+              <a:t>MÉTODO DE MEDIDA DA PERTURBAÇÃO </a:t>
+            </a:r>
+            <a:r>
+              <a:rPr lang="pt-BR" dirty="0" smtClean="0">
+                <a:latin typeface="Arial" pitchFamily="34" charset="0"/>
+                <a:cs typeface="Arial" pitchFamily="34" charset="0"/>
+              </a:rPr>
+              <a:t>CONDUZIDA</a:t>
+            </a:r>
+          </a:p>
+          <a:p>
+            <a:r>
+              <a:rPr lang="pt-BR" dirty="0">
+                <a:latin typeface="Arial" pitchFamily="34" charset="0"/>
+                <a:cs typeface="Arial" pitchFamily="34" charset="0"/>
+              </a:rPr>
+              <a:t>MÉTODO DE MEDIDA DA PERTURBAÇÃO </a:t>
+            </a:r>
+            <a:r>
+              <a:rPr lang="pt-BR" dirty="0" smtClean="0">
+                <a:latin typeface="Arial" pitchFamily="34" charset="0"/>
+                <a:cs typeface="Arial" pitchFamily="34" charset="0"/>
+              </a:rPr>
+              <a:t>IRRADIADA</a:t>
             </a:r>
             <a:endParaRPr lang="pt-BR" dirty="0">
               <a:latin typeface="Arial" pitchFamily="34" charset="0"/>
